--- a/docs/4.algorithm/1.algorithm/gif/gif制作.pptx
+++ b/docs/4.algorithm/1.algorithm/gif/gif制作.pptx
@@ -5,20 +5,21 @@
     <p:sldMasterId id="2147483648" r:id="rId1"/>
   </p:sldMasterIdLst>
   <p:notesMasterIdLst>
-    <p:notesMasterId r:id="rId13"/>
+    <p:notesMasterId r:id="rId14"/>
   </p:notesMasterIdLst>
   <p:sldIdLst>
-    <p:sldId id="256" r:id="rId2"/>
-    <p:sldId id="257" r:id="rId3"/>
-    <p:sldId id="259" r:id="rId4"/>
-    <p:sldId id="258" r:id="rId5"/>
-    <p:sldId id="260" r:id="rId6"/>
-    <p:sldId id="261" r:id="rId7"/>
-    <p:sldId id="262" r:id="rId8"/>
-    <p:sldId id="263" r:id="rId9"/>
-    <p:sldId id="264" r:id="rId10"/>
-    <p:sldId id="265" r:id="rId11"/>
-    <p:sldId id="266" r:id="rId12"/>
+    <p:sldId id="267" r:id="rId2"/>
+    <p:sldId id="256" r:id="rId3"/>
+    <p:sldId id="257" r:id="rId4"/>
+    <p:sldId id="259" r:id="rId5"/>
+    <p:sldId id="258" r:id="rId6"/>
+    <p:sldId id="260" r:id="rId7"/>
+    <p:sldId id="261" r:id="rId8"/>
+    <p:sldId id="262" r:id="rId9"/>
+    <p:sldId id="263" r:id="rId10"/>
+    <p:sldId id="264" r:id="rId11"/>
+    <p:sldId id="265" r:id="rId12"/>
+    <p:sldId id="266" r:id="rId13"/>
   </p:sldIdLst>
   <p:sldSz cx="12192000" cy="6858000"/>
   <p:notesSz cx="6858000" cy="9144000"/>
@@ -233,7 +234,7 @@
           <a:p>
             <a:fld id="{CB9A6B32-0A5F-4AF7-AACB-101EF161AF5F}" type="datetimeFigureOut">
               <a:rPr lang="zh-CN" altLang="en-US" smtClean="0"/>
-              <a:t>2020/4/17</a:t>
+              <a:t>2020/4/29</a:t>
             </a:fld>
             <a:endParaRPr lang="zh-CN" altLang="en-US"/>
           </a:p>
@@ -546,7 +547,15 @@
           <a:p>
             <a:r>
               <a:rPr lang="zh-CN" altLang="en-US" dirty="0"/>
-              <a:t>异或运算</a:t>
+              <a:t>第二章、链表</a:t>
+            </a:r>
+            <a:r>
+              <a:rPr lang="en-US" altLang="zh-CN" dirty="0"/>
+              <a:t>——</a:t>
+            </a:r>
+            <a:r>
+              <a:rPr lang="zh-CN" altLang="en-US" dirty="0"/>
+              <a:t>单链表</a:t>
             </a:r>
           </a:p>
         </p:txBody>
@@ -577,7 +586,7 @@
     </p:spTree>
     <p:extLst>
       <p:ext uri="{BB962C8B-B14F-4D97-AF65-F5344CB8AC3E}">
-        <p14:creationId xmlns:p14="http://schemas.microsoft.com/office/powerpoint/2010/main" val="1333461363"/>
+        <p14:creationId xmlns:p14="http://schemas.microsoft.com/office/powerpoint/2010/main" val="2704131633"/>
       </p:ext>
     </p:extLst>
   </p:cSld>
@@ -641,7 +650,7 @@
             </a:r>
             <a:r>
               <a:rPr lang="en-US" altLang="zh-CN" dirty="0"/>
-              <a:t>-2</a:t>
+              <a:t>-1</a:t>
             </a:r>
             <a:endParaRPr lang="zh-CN" altLang="en-US" dirty="0"/>
           </a:p>
@@ -665,6 +674,102 @@
             <a:fld id="{7B1AB8BF-8C38-45E1-922D-85AF3569A108}" type="slidenum">
               <a:rPr lang="zh-CN" altLang="en-US" smtClean="0"/>
               <a:t>11</a:t>
+            </a:fld>
+            <a:endParaRPr lang="zh-CN" altLang="en-US"/>
+          </a:p>
+        </p:txBody>
+      </p:sp>
+    </p:spTree>
+    <p:extLst>
+      <p:ext uri="{BB962C8B-B14F-4D97-AF65-F5344CB8AC3E}">
+        <p14:creationId xmlns:p14="http://schemas.microsoft.com/office/powerpoint/2010/main" val="2275208359"/>
+      </p:ext>
+    </p:extLst>
+  </p:cSld>
+  <p:clrMapOvr>
+    <a:masterClrMapping/>
+  </p:clrMapOvr>
+</p:notes>
+</file>
+
+<file path=ppt/notesSlides/notesSlide11.xml><?xml version="1.0" encoding="utf-8"?>
+<p:notes xmlns:a="http://schemas.openxmlformats.org/drawingml/2006/main" xmlns:r="http://schemas.openxmlformats.org/officeDocument/2006/relationships" xmlns:p="http://schemas.openxmlformats.org/presentationml/2006/main">
+  <p:cSld>
+    <p:spTree>
+      <p:nvGrpSpPr>
+        <p:cNvPr id="1" name=""/>
+        <p:cNvGrpSpPr/>
+        <p:nvPr/>
+      </p:nvGrpSpPr>
+      <p:grpSpPr>
+        <a:xfrm>
+          <a:off x="0" y="0"/>
+          <a:ext cx="0" cy="0"/>
+          <a:chOff x="0" y="0"/>
+          <a:chExt cx="0" cy="0"/>
+        </a:xfrm>
+      </p:grpSpPr>
+      <p:sp>
+        <p:nvSpPr>
+          <p:cNvPr id="2" name="幻灯片图像占位符 1"/>
+          <p:cNvSpPr>
+            <a:spLocks noGrp="1" noRot="1" noChangeAspect="1"/>
+          </p:cNvSpPr>
+          <p:nvPr>
+            <p:ph type="sldImg"/>
+          </p:nvPr>
+        </p:nvSpPr>
+        <p:spPr/>
+      </p:sp>
+      <p:sp>
+        <p:nvSpPr>
+          <p:cNvPr id="3" name="备注占位符 2"/>
+          <p:cNvSpPr>
+            <a:spLocks noGrp="1"/>
+          </p:cNvSpPr>
+          <p:nvPr>
+            <p:ph type="body" idx="1"/>
+          </p:nvPr>
+        </p:nvSpPr>
+        <p:spPr/>
+        <p:txBody>
+          <a:bodyPr/>
+          <a:lstStyle/>
+          <a:p>
+            <a:r>
+              <a:rPr lang="en-US" altLang="zh-CN" dirty="0"/>
+              <a:t>9.6 </a:t>
+            </a:r>
+            <a:r>
+              <a:rPr lang="zh-CN" altLang="en-US" dirty="0"/>
+              <a:t>荷兰国旗问题</a:t>
+            </a:r>
+            <a:r>
+              <a:rPr lang="en-US" altLang="zh-CN" dirty="0"/>
+              <a:t>-2</a:t>
+            </a:r>
+            <a:endParaRPr lang="zh-CN" altLang="en-US" dirty="0"/>
+          </a:p>
+        </p:txBody>
+      </p:sp>
+      <p:sp>
+        <p:nvSpPr>
+          <p:cNvPr id="4" name="灯片编号占位符 3"/>
+          <p:cNvSpPr>
+            <a:spLocks noGrp="1"/>
+          </p:cNvSpPr>
+          <p:nvPr>
+            <p:ph type="sldNum" sz="quarter" idx="5"/>
+          </p:nvPr>
+        </p:nvSpPr>
+        <p:spPr/>
+        <p:txBody>
+          <a:bodyPr/>
+          <a:lstStyle/>
+          <a:p>
+            <a:fld id="{7B1AB8BF-8C38-45E1-922D-85AF3569A108}" type="slidenum">
+              <a:rPr lang="zh-CN" altLang="en-US" smtClean="0"/>
+              <a:t>12</a:t>
             </a:fld>
             <a:endParaRPr lang="zh-CN" altLang="en-US"/>
           </a:p>
@@ -729,7 +834,7 @@
           <a:p>
             <a:r>
               <a:rPr lang="zh-CN" altLang="en-US" dirty="0"/>
-              <a:t>递归原理</a:t>
+              <a:t>异或运算</a:t>
             </a:r>
           </a:p>
         </p:txBody>
@@ -760,7 +865,7 @@
     </p:spTree>
     <p:extLst>
       <p:ext uri="{BB962C8B-B14F-4D97-AF65-F5344CB8AC3E}">
-        <p14:creationId xmlns:p14="http://schemas.microsoft.com/office/powerpoint/2010/main" val="3859371951"/>
+        <p14:creationId xmlns:p14="http://schemas.microsoft.com/office/powerpoint/2010/main" val="1333461363"/>
       </p:ext>
     </p:extLst>
   </p:cSld>
@@ -816,9 +921,8 @@
           <a:p>
             <a:r>
               <a:rPr lang="zh-CN" altLang="en-US" dirty="0"/>
-              <a:t>归并排序</a:t>
-            </a:r>
-            <a:endParaRPr lang="en-US" altLang="zh-CN" dirty="0"/>
+              <a:t>递归原理</a:t>
+            </a:r>
           </a:p>
         </p:txBody>
       </p:sp>
@@ -839,7 +943,7 @@
           <a:p>
             <a:fld id="{7B1AB8BF-8C38-45E1-922D-85AF3569A108}" type="slidenum">
               <a:rPr lang="zh-CN" altLang="en-US" smtClean="0"/>
-              <a:t>4</a:t>
+              <a:t>3</a:t>
             </a:fld>
             <a:endParaRPr lang="zh-CN" altLang="en-US"/>
           </a:p>
@@ -848,7 +952,7 @@
     </p:spTree>
     <p:extLst>
       <p:ext uri="{BB962C8B-B14F-4D97-AF65-F5344CB8AC3E}">
-        <p14:creationId xmlns:p14="http://schemas.microsoft.com/office/powerpoint/2010/main" val="3162108662"/>
+        <p14:creationId xmlns:p14="http://schemas.microsoft.com/office/powerpoint/2010/main" val="3859371951"/>
       </p:ext>
     </p:extLst>
   </p:cSld>
@@ -904,8 +1008,9 @@
           <a:p>
             <a:r>
               <a:rPr lang="zh-CN" altLang="en-US" dirty="0"/>
-              <a:t>完全二叉树概念</a:t>
-            </a:r>
+              <a:t>归并排序</a:t>
+            </a:r>
+            <a:endParaRPr lang="en-US" altLang="zh-CN" dirty="0"/>
           </a:p>
         </p:txBody>
       </p:sp>
@@ -935,7 +1040,7 @@
     </p:spTree>
     <p:extLst>
       <p:ext uri="{BB962C8B-B14F-4D97-AF65-F5344CB8AC3E}">
-        <p14:creationId xmlns:p14="http://schemas.microsoft.com/office/powerpoint/2010/main" val="2861695243"/>
+        <p14:creationId xmlns:p14="http://schemas.microsoft.com/office/powerpoint/2010/main" val="3162108662"/>
       </p:ext>
     </p:extLst>
   </p:cSld>
@@ -991,7 +1096,7 @@
           <a:p>
             <a:r>
               <a:rPr lang="zh-CN" altLang="en-US" dirty="0"/>
-              <a:t>基本原理</a:t>
+              <a:t>完全二叉树概念</a:t>
             </a:r>
           </a:p>
         </p:txBody>
@@ -1022,7 +1127,7 @@
     </p:spTree>
     <p:extLst>
       <p:ext uri="{BB962C8B-B14F-4D97-AF65-F5344CB8AC3E}">
-        <p14:creationId xmlns:p14="http://schemas.microsoft.com/office/powerpoint/2010/main" val="743027025"/>
+        <p14:creationId xmlns:p14="http://schemas.microsoft.com/office/powerpoint/2010/main" val="2861695243"/>
       </p:ext>
     </p:extLst>
   </p:cSld>
@@ -1078,7 +1183,7 @@
           <a:p>
             <a:r>
               <a:rPr lang="zh-CN" altLang="en-US" dirty="0"/>
-              <a:t>大根堆概念</a:t>
+              <a:t>基本原理</a:t>
             </a:r>
           </a:p>
         </p:txBody>
@@ -1109,7 +1214,7 @@
     </p:spTree>
     <p:extLst>
       <p:ext uri="{BB962C8B-B14F-4D97-AF65-F5344CB8AC3E}">
-        <p14:creationId xmlns:p14="http://schemas.microsoft.com/office/powerpoint/2010/main" val="2759687310"/>
+        <p14:creationId xmlns:p14="http://schemas.microsoft.com/office/powerpoint/2010/main" val="743027025"/>
       </p:ext>
     </p:extLst>
   </p:cSld>
@@ -1165,7 +1270,7 @@
           <a:p>
             <a:r>
               <a:rPr lang="zh-CN" altLang="en-US" dirty="0"/>
-              <a:t>大根堆理论过程</a:t>
+              <a:t>大根堆概念</a:t>
             </a:r>
           </a:p>
         </p:txBody>
@@ -1196,7 +1301,7 @@
     </p:spTree>
     <p:extLst>
       <p:ext uri="{BB962C8B-B14F-4D97-AF65-F5344CB8AC3E}">
-        <p14:creationId xmlns:p14="http://schemas.microsoft.com/office/powerpoint/2010/main" val="2804753454"/>
+        <p14:creationId xmlns:p14="http://schemas.microsoft.com/office/powerpoint/2010/main" val="2759687310"/>
       </p:ext>
     </p:extLst>
   </p:cSld>
@@ -1283,7 +1388,7 @@
     </p:spTree>
     <p:extLst>
       <p:ext uri="{BB962C8B-B14F-4D97-AF65-F5344CB8AC3E}">
-        <p14:creationId xmlns:p14="http://schemas.microsoft.com/office/powerpoint/2010/main" val="2559462565"/>
+        <p14:creationId xmlns:p14="http://schemas.microsoft.com/office/powerpoint/2010/main" val="2804753454"/>
       </p:ext>
     </p:extLst>
   </p:cSld>
@@ -1338,18 +1443,9 @@
           <a:lstStyle/>
           <a:p>
             <a:r>
-              <a:rPr lang="en-US" altLang="zh-CN" dirty="0"/>
-              <a:t>9.6 </a:t>
-            </a:r>
-            <a:r>
               <a:rPr lang="zh-CN" altLang="en-US" dirty="0"/>
-              <a:t>荷兰国旗问题</a:t>
-            </a:r>
-            <a:r>
-              <a:rPr lang="en-US" altLang="zh-CN" dirty="0"/>
-              <a:t>-1</a:t>
-            </a:r>
-            <a:endParaRPr lang="zh-CN" altLang="en-US" dirty="0"/>
+              <a:t>大根堆理论过程</a:t>
+            </a:r>
           </a:p>
         </p:txBody>
       </p:sp>
@@ -1379,7 +1475,7 @@
     </p:spTree>
     <p:extLst>
       <p:ext uri="{BB962C8B-B14F-4D97-AF65-F5344CB8AC3E}">
-        <p14:creationId xmlns:p14="http://schemas.microsoft.com/office/powerpoint/2010/main" val="2275208359"/>
+        <p14:creationId xmlns:p14="http://schemas.microsoft.com/office/powerpoint/2010/main" val="2559462565"/>
       </p:ext>
     </p:extLst>
   </p:cSld>
@@ -1536,7 +1632,7 @@
           <a:p>
             <a:fld id="{32092218-5668-4670-9FA5-EE998BAB2E50}" type="datetimeFigureOut">
               <a:rPr lang="zh-CN" altLang="en-US" smtClean="0"/>
-              <a:t>2020/4/17</a:t>
+              <a:t>2020/4/29</a:t>
             </a:fld>
             <a:endParaRPr lang="zh-CN" altLang="en-US"/>
           </a:p>
@@ -1734,7 +1830,7 @@
           <a:p>
             <a:fld id="{32092218-5668-4670-9FA5-EE998BAB2E50}" type="datetimeFigureOut">
               <a:rPr lang="zh-CN" altLang="en-US" smtClean="0"/>
-              <a:t>2020/4/17</a:t>
+              <a:t>2020/4/29</a:t>
             </a:fld>
             <a:endParaRPr lang="zh-CN" altLang="en-US"/>
           </a:p>
@@ -1942,7 +2038,7 @@
           <a:p>
             <a:fld id="{32092218-5668-4670-9FA5-EE998BAB2E50}" type="datetimeFigureOut">
               <a:rPr lang="zh-CN" altLang="en-US" smtClean="0"/>
-              <a:t>2020/4/17</a:t>
+              <a:t>2020/4/29</a:t>
             </a:fld>
             <a:endParaRPr lang="zh-CN" altLang="en-US"/>
           </a:p>
@@ -2140,7 +2236,7 @@
           <a:p>
             <a:fld id="{32092218-5668-4670-9FA5-EE998BAB2E50}" type="datetimeFigureOut">
               <a:rPr lang="zh-CN" altLang="en-US" smtClean="0"/>
-              <a:t>2020/4/17</a:t>
+              <a:t>2020/4/29</a:t>
             </a:fld>
             <a:endParaRPr lang="zh-CN" altLang="en-US"/>
           </a:p>
@@ -2415,7 +2511,7 @@
           <a:p>
             <a:fld id="{32092218-5668-4670-9FA5-EE998BAB2E50}" type="datetimeFigureOut">
               <a:rPr lang="zh-CN" altLang="en-US" smtClean="0"/>
-              <a:t>2020/4/17</a:t>
+              <a:t>2020/4/29</a:t>
             </a:fld>
             <a:endParaRPr lang="zh-CN" altLang="en-US"/>
           </a:p>
@@ -2680,7 +2776,7 @@
           <a:p>
             <a:fld id="{32092218-5668-4670-9FA5-EE998BAB2E50}" type="datetimeFigureOut">
               <a:rPr lang="zh-CN" altLang="en-US" smtClean="0"/>
-              <a:t>2020/4/17</a:t>
+              <a:t>2020/4/29</a:t>
             </a:fld>
             <a:endParaRPr lang="zh-CN" altLang="en-US"/>
           </a:p>
@@ -3092,7 +3188,7 @@
           <a:p>
             <a:fld id="{32092218-5668-4670-9FA5-EE998BAB2E50}" type="datetimeFigureOut">
               <a:rPr lang="zh-CN" altLang="en-US" smtClean="0"/>
-              <a:t>2020/4/17</a:t>
+              <a:t>2020/4/29</a:t>
             </a:fld>
             <a:endParaRPr lang="zh-CN" altLang="en-US"/>
           </a:p>
@@ -3233,7 +3329,7 @@
           <a:p>
             <a:fld id="{32092218-5668-4670-9FA5-EE998BAB2E50}" type="datetimeFigureOut">
               <a:rPr lang="zh-CN" altLang="en-US" smtClean="0"/>
-              <a:t>2020/4/17</a:t>
+              <a:t>2020/4/29</a:t>
             </a:fld>
             <a:endParaRPr lang="zh-CN" altLang="en-US"/>
           </a:p>
@@ -3346,7 +3442,7 @@
           <a:p>
             <a:fld id="{32092218-5668-4670-9FA5-EE998BAB2E50}" type="datetimeFigureOut">
               <a:rPr lang="zh-CN" altLang="en-US" smtClean="0"/>
-              <a:t>2020/4/17</a:t>
+              <a:t>2020/4/29</a:t>
             </a:fld>
             <a:endParaRPr lang="zh-CN" altLang="en-US"/>
           </a:p>
@@ -3657,7 +3753,7 @@
           <a:p>
             <a:fld id="{32092218-5668-4670-9FA5-EE998BAB2E50}" type="datetimeFigureOut">
               <a:rPr lang="zh-CN" altLang="en-US" smtClean="0"/>
-              <a:t>2020/4/17</a:t>
+              <a:t>2020/4/29</a:t>
             </a:fld>
             <a:endParaRPr lang="zh-CN" altLang="en-US"/>
           </a:p>
@@ -3945,7 +4041,7 @@
           <a:p>
             <a:fld id="{32092218-5668-4670-9FA5-EE998BAB2E50}" type="datetimeFigureOut">
               <a:rPr lang="zh-CN" altLang="en-US" smtClean="0"/>
-              <a:t>2020/4/17</a:t>
+              <a:t>2020/4/29</a:t>
             </a:fld>
             <a:endParaRPr lang="zh-CN" altLang="en-US"/>
           </a:p>
@@ -4186,7 +4282,7 @@
           <a:p>
             <a:fld id="{32092218-5668-4670-9FA5-EE998BAB2E50}" type="datetimeFigureOut">
               <a:rPr lang="zh-CN" altLang="en-US" smtClean="0"/>
-              <a:t>2020/4/17</a:t>
+              <a:t>2020/4/29</a:t>
             </a:fld>
             <a:endParaRPr lang="zh-CN" altLang="en-US"/>
           </a:p>
@@ -4605,248 +4701,173 @@
       </p:grpSpPr>
       <p:sp>
         <p:nvSpPr>
-          <p:cNvPr id="4" name="文本框 3">
-            <a:extLst>
-              <a:ext uri="{FF2B5EF4-FFF2-40B4-BE49-F238E27FC236}">
-                <a16:creationId xmlns:a16="http://schemas.microsoft.com/office/drawing/2014/main" id="{4C4E86F1-1AE2-4893-A73C-48F9BD06D885}"/>
-              </a:ext>
-            </a:extLst>
-          </p:cNvPr>
-          <p:cNvSpPr txBox="1"/>
+          <p:cNvPr id="2" name="矩形 1">
+            <a:extLst>
+              <a:ext uri="{FF2B5EF4-FFF2-40B4-BE49-F238E27FC236}">
+                <a16:creationId xmlns:a16="http://schemas.microsoft.com/office/drawing/2014/main" id="{450702C2-D70F-4B91-8E1B-B617E800C9B6}"/>
+              </a:ext>
+            </a:extLst>
+          </p:cNvPr>
+          <p:cNvSpPr/>
           <p:nvPr/>
         </p:nvSpPr>
         <p:spPr>
           <a:xfrm>
-            <a:off x="1885950" y="1409700"/>
-            <a:ext cx="7286625" cy="523220"/>
+            <a:off x="2280976" y="3969099"/>
+            <a:ext cx="954593" cy="582804"/>
           </a:xfrm>
           <a:prstGeom prst="rect">
             <a:avLst/>
           </a:prstGeom>
-          <a:noFill/>
-        </p:spPr>
+        </p:spPr>
+        <p:style>
+          <a:lnRef idx="2">
+            <a:schemeClr val="accent1">
+              <a:shade val="50000"/>
+            </a:schemeClr>
+          </a:lnRef>
+          <a:fillRef idx="1">
+            <a:schemeClr val="accent1"/>
+          </a:fillRef>
+          <a:effectRef idx="0">
+            <a:schemeClr val="accent1"/>
+          </a:effectRef>
+          <a:fontRef idx="minor">
+            <a:schemeClr val="lt1"/>
+          </a:fontRef>
+        </p:style>
         <p:txBody>
-          <a:bodyPr wrap="square" rtlCol="0">
-            <a:spAutoFit/>
-          </a:bodyPr>
+          <a:bodyPr rtlCol="0" anchor="ctr"/>
           <a:lstStyle/>
           <a:p>
-            <a:r>
-              <a:rPr lang="en-US" altLang="zh-CN" sz="2800" dirty="0"/>
-              <a:t>0         1           1          0         1</a:t>
-            </a:r>
-            <a:endParaRPr lang="zh-CN" altLang="en-US" sz="2800" dirty="0"/>
+            <a:pPr algn="ctr"/>
+            <a:r>
+              <a:rPr lang="zh-CN" altLang="en-US" dirty="0"/>
+              <a:t>数据域</a:t>
+            </a:r>
           </a:p>
         </p:txBody>
       </p:sp>
       <p:sp>
         <p:nvSpPr>
-          <p:cNvPr id="5" name="文本框 4">
-            <a:extLst>
-              <a:ext uri="{FF2B5EF4-FFF2-40B4-BE49-F238E27FC236}">
-                <a16:creationId xmlns:a16="http://schemas.microsoft.com/office/drawing/2014/main" id="{DB892676-201A-4993-BDB6-AD772EA32288}"/>
-              </a:ext>
-            </a:extLst>
-          </p:cNvPr>
-          <p:cNvSpPr txBox="1"/>
+          <p:cNvPr id="17" name="矩形 16">
+            <a:extLst>
+              <a:ext uri="{FF2B5EF4-FFF2-40B4-BE49-F238E27FC236}">
+                <a16:creationId xmlns:a16="http://schemas.microsoft.com/office/drawing/2014/main" id="{EC3C90D9-7437-454A-8B81-58F09BB9C2FE}"/>
+              </a:ext>
+            </a:extLst>
+          </p:cNvPr>
+          <p:cNvSpPr/>
           <p:nvPr/>
         </p:nvSpPr>
         <p:spPr>
           <a:xfrm>
-            <a:off x="1885949" y="2085320"/>
-            <a:ext cx="7286625" cy="523220"/>
+            <a:off x="3235569" y="3969099"/>
+            <a:ext cx="954593" cy="582804"/>
           </a:xfrm>
           <a:prstGeom prst="rect">
             <a:avLst/>
           </a:prstGeom>
-          <a:noFill/>
-        </p:spPr>
+        </p:spPr>
+        <p:style>
+          <a:lnRef idx="2">
+            <a:schemeClr val="accent1">
+              <a:shade val="50000"/>
+            </a:schemeClr>
+          </a:lnRef>
+          <a:fillRef idx="1">
+            <a:schemeClr val="accent1"/>
+          </a:fillRef>
+          <a:effectRef idx="0">
+            <a:schemeClr val="accent1"/>
+          </a:effectRef>
+          <a:fontRef idx="minor">
+            <a:schemeClr val="lt1"/>
+          </a:fontRef>
+        </p:style>
         <p:txBody>
-          <a:bodyPr wrap="square" rtlCol="0">
-            <a:spAutoFit/>
-          </a:bodyPr>
+          <a:bodyPr rtlCol="0" anchor="ctr"/>
           <a:lstStyle/>
           <a:p>
-            <a:r>
-              <a:rPr lang="en-US" altLang="zh-CN" sz="2800" dirty="0"/>
-              <a:t>1         1           1          0         0</a:t>
-            </a:r>
-            <a:endParaRPr lang="zh-CN" altLang="en-US" sz="2800" dirty="0"/>
+            <a:pPr algn="ctr"/>
+            <a:r>
+              <a:rPr lang="en-US" altLang="zh-CN" dirty="0"/>
+              <a:t>Next</a:t>
+            </a:r>
+            <a:r>
+              <a:rPr lang="zh-CN" altLang="en-US" dirty="0"/>
+              <a:t>域</a:t>
+            </a:r>
+          </a:p>
+        </p:txBody>
+      </p:sp>
+      <p:sp>
+        <p:nvSpPr>
+          <p:cNvPr id="18" name="矩形 17">
+            <a:extLst>
+              <a:ext uri="{FF2B5EF4-FFF2-40B4-BE49-F238E27FC236}">
+                <a16:creationId xmlns:a16="http://schemas.microsoft.com/office/drawing/2014/main" id="{DDD5042D-5E42-4967-9A24-681118BF0480}"/>
+              </a:ext>
+            </a:extLst>
+          </p:cNvPr>
+          <p:cNvSpPr/>
+          <p:nvPr/>
+        </p:nvSpPr>
+        <p:spPr>
+          <a:xfrm>
+            <a:off x="2758272" y="2846196"/>
+            <a:ext cx="954593" cy="582804"/>
+          </a:xfrm>
+          <a:prstGeom prst="rect">
+            <a:avLst/>
+          </a:prstGeom>
+        </p:spPr>
+        <p:style>
+          <a:lnRef idx="2">
+            <a:schemeClr val="accent1">
+              <a:shade val="50000"/>
+            </a:schemeClr>
+          </a:lnRef>
+          <a:fillRef idx="1">
+            <a:schemeClr val="accent1"/>
+          </a:fillRef>
+          <a:effectRef idx="0">
+            <a:schemeClr val="accent1"/>
+          </a:effectRef>
+          <a:fontRef idx="minor">
+            <a:schemeClr val="lt1"/>
+          </a:fontRef>
+        </p:style>
+        <p:txBody>
+          <a:bodyPr rtlCol="0" anchor="ctr"/>
+          <a:lstStyle/>
+          <a:p>
+            <a:pPr algn="ctr"/>
+            <a:r>
+              <a:rPr lang="zh-CN" altLang="en-US" dirty="0"/>
+              <a:t>头节点</a:t>
+            </a:r>
           </a:p>
         </p:txBody>
       </p:sp>
       <p:cxnSp>
         <p:nvCxnSpPr>
-          <p:cNvPr id="7" name="直接箭头连接符 6">
-            <a:extLst>
-              <a:ext uri="{FF2B5EF4-FFF2-40B4-BE49-F238E27FC236}">
-                <a16:creationId xmlns:a16="http://schemas.microsoft.com/office/drawing/2014/main" id="{14E2DE7D-36C7-4467-B611-9059DBEF609A}"/>
-              </a:ext>
-            </a:extLst>
-          </p:cNvPr>
-          <p:cNvCxnSpPr/>
+          <p:cNvPr id="6" name="直接箭头连接符 5">
+            <a:extLst>
+              <a:ext uri="{FF2B5EF4-FFF2-40B4-BE49-F238E27FC236}">
+                <a16:creationId xmlns:a16="http://schemas.microsoft.com/office/drawing/2014/main" id="{3C8E482B-ADE0-4A42-A584-54741E2C7258}"/>
+              </a:ext>
+            </a:extLst>
+          </p:cNvPr>
+          <p:cNvCxnSpPr>
+            <a:stCxn id="18" idx="2"/>
+          </p:cNvCxnSpPr>
           <p:nvPr/>
         </p:nvCxnSpPr>
         <p:spPr>
           <a:xfrm>
-            <a:off x="6562725" y="2714625"/>
-            <a:ext cx="0" cy="714375"/>
-          </a:xfrm>
-          <a:prstGeom prst="straightConnector1">
-            <a:avLst/>
-          </a:prstGeom>
-          <a:ln>
-            <a:tailEnd type="triangle"/>
-          </a:ln>
-        </p:spPr>
-        <p:style>
-          <a:lnRef idx="1">
-            <a:schemeClr val="accent1"/>
-          </a:lnRef>
-          <a:fillRef idx="0">
-            <a:schemeClr val="accent1"/>
-          </a:fillRef>
-          <a:effectRef idx="0">
-            <a:schemeClr val="accent1"/>
-          </a:effectRef>
-          <a:fontRef idx="minor">
-            <a:schemeClr val="tx1"/>
-          </a:fontRef>
-        </p:style>
-      </p:cxnSp>
-      <p:cxnSp>
-        <p:nvCxnSpPr>
-          <p:cNvPr id="8" name="直接箭头连接符 7">
-            <a:extLst>
-              <a:ext uri="{FF2B5EF4-FFF2-40B4-BE49-F238E27FC236}">
-                <a16:creationId xmlns:a16="http://schemas.microsoft.com/office/drawing/2014/main" id="{93A07534-639E-45E5-865F-F08EBF9E9C5B}"/>
-              </a:ext>
-            </a:extLst>
-          </p:cNvPr>
-          <p:cNvCxnSpPr/>
-          <p:nvPr/>
-        </p:nvCxnSpPr>
-        <p:spPr>
-          <a:xfrm>
-            <a:off x="5548311" y="2714624"/>
-            <a:ext cx="0" cy="714375"/>
-          </a:xfrm>
-          <a:prstGeom prst="straightConnector1">
-            <a:avLst/>
-          </a:prstGeom>
-          <a:ln>
-            <a:tailEnd type="triangle"/>
-          </a:ln>
-        </p:spPr>
-        <p:style>
-          <a:lnRef idx="1">
-            <a:schemeClr val="accent1"/>
-          </a:lnRef>
-          <a:fillRef idx="0">
-            <a:schemeClr val="accent1"/>
-          </a:fillRef>
-          <a:effectRef idx="0">
-            <a:schemeClr val="accent1"/>
-          </a:effectRef>
-          <a:fontRef idx="minor">
-            <a:schemeClr val="tx1"/>
-          </a:fontRef>
-        </p:style>
-      </p:cxnSp>
-      <p:cxnSp>
-        <p:nvCxnSpPr>
-          <p:cNvPr id="9" name="直接箭头连接符 8">
-            <a:extLst>
-              <a:ext uri="{FF2B5EF4-FFF2-40B4-BE49-F238E27FC236}">
-                <a16:creationId xmlns:a16="http://schemas.microsoft.com/office/drawing/2014/main" id="{70A6C034-7FA7-40B8-B64A-FECE0CB5515F}"/>
-              </a:ext>
-            </a:extLst>
-          </p:cNvPr>
-          <p:cNvCxnSpPr/>
-          <p:nvPr/>
-        </p:nvCxnSpPr>
-        <p:spPr>
-          <a:xfrm>
-            <a:off x="4381500" y="2714624"/>
-            <a:ext cx="0" cy="714375"/>
-          </a:xfrm>
-          <a:prstGeom prst="straightConnector1">
-            <a:avLst/>
-          </a:prstGeom>
-          <a:ln>
-            <a:tailEnd type="triangle"/>
-          </a:ln>
-        </p:spPr>
-        <p:style>
-          <a:lnRef idx="1">
-            <a:schemeClr val="accent1"/>
-          </a:lnRef>
-          <a:fillRef idx="0">
-            <a:schemeClr val="accent1"/>
-          </a:fillRef>
-          <a:effectRef idx="0">
-            <a:schemeClr val="accent1"/>
-          </a:effectRef>
-          <a:fontRef idx="minor">
-            <a:schemeClr val="tx1"/>
-          </a:fontRef>
-        </p:style>
-      </p:cxnSp>
-      <p:cxnSp>
-        <p:nvCxnSpPr>
-          <p:cNvPr id="10" name="直接箭头连接符 9">
-            <a:extLst>
-              <a:ext uri="{FF2B5EF4-FFF2-40B4-BE49-F238E27FC236}">
-                <a16:creationId xmlns:a16="http://schemas.microsoft.com/office/drawing/2014/main" id="{DB15E674-0916-4757-A828-59EB66B41C1D}"/>
-              </a:ext>
-            </a:extLst>
-          </p:cNvPr>
-          <p:cNvCxnSpPr/>
-          <p:nvPr/>
-        </p:nvCxnSpPr>
-        <p:spPr>
-          <a:xfrm>
-            <a:off x="3186111" y="2714624"/>
-            <a:ext cx="0" cy="714375"/>
-          </a:xfrm>
-          <a:prstGeom prst="straightConnector1">
-            <a:avLst/>
-          </a:prstGeom>
-          <a:ln>
-            <a:tailEnd type="triangle"/>
-          </a:ln>
-        </p:spPr>
-        <p:style>
-          <a:lnRef idx="1">
-            <a:schemeClr val="accent1"/>
-          </a:lnRef>
-          <a:fillRef idx="0">
-            <a:schemeClr val="accent1"/>
-          </a:fillRef>
-          <a:effectRef idx="0">
-            <a:schemeClr val="accent1"/>
-          </a:effectRef>
-          <a:fontRef idx="minor">
-            <a:schemeClr val="tx1"/>
-          </a:fontRef>
-        </p:style>
-      </p:cxnSp>
-      <p:cxnSp>
-        <p:nvCxnSpPr>
-          <p:cNvPr id="11" name="直接箭头连接符 10">
-            <a:extLst>
-              <a:ext uri="{FF2B5EF4-FFF2-40B4-BE49-F238E27FC236}">
-                <a16:creationId xmlns:a16="http://schemas.microsoft.com/office/drawing/2014/main" id="{3317D1EB-3511-4D4D-BD63-1E022989FF1F}"/>
-              </a:ext>
-            </a:extLst>
-          </p:cNvPr>
-          <p:cNvCxnSpPr/>
-          <p:nvPr/>
-        </p:nvCxnSpPr>
-        <p:spPr>
-          <a:xfrm>
-            <a:off x="2019300" y="2714624"/>
-            <a:ext cx="0" cy="714375"/>
+            <a:off x="3235569" y="3429000"/>
+            <a:ext cx="0" cy="540099"/>
           </a:xfrm>
           <a:prstGeom prst="straightConnector1">
             <a:avLst/>
@@ -4872,10 +4893,10 @@
       </p:cxnSp>
       <p:sp>
         <p:nvSpPr>
-          <p:cNvPr id="12" name="文本框 11">
-            <a:extLst>
-              <a:ext uri="{FF2B5EF4-FFF2-40B4-BE49-F238E27FC236}">
-                <a16:creationId xmlns:a16="http://schemas.microsoft.com/office/drawing/2014/main" id="{5E46435E-A1CB-4AB7-9EDE-E861FC487D0E}"/>
+          <p:cNvPr id="19" name="文本框 18">
+            <a:extLst>
+              <a:ext uri="{FF2B5EF4-FFF2-40B4-BE49-F238E27FC236}">
+                <a16:creationId xmlns:a16="http://schemas.microsoft.com/office/drawing/2014/main" id="{74B13001-89DE-4AA3-AED4-FB5D81591649}"/>
               </a:ext>
             </a:extLst>
           </p:cNvPr>
@@ -4884,8 +4905,8 @@
         </p:nvSpPr>
         <p:spPr>
           <a:xfrm>
-            <a:off x="1885949" y="3428999"/>
-            <a:ext cx="447676" cy="523220"/>
+            <a:off x="261064" y="360155"/>
+            <a:ext cx="3265907" cy="646331"/>
           </a:xfrm>
           <a:prstGeom prst="rect">
             <a:avLst/>
@@ -4899,19 +4920,84 @@
           <a:lstStyle/>
           <a:p>
             <a:r>
-              <a:rPr lang="en-US" altLang="zh-CN" sz="2800" dirty="0"/>
-              <a:t>1</a:t>
-            </a:r>
-            <a:endParaRPr lang="zh-CN" altLang="en-US" sz="2800" dirty="0"/>
+              <a:rPr lang="zh-CN" altLang="en-US" dirty="0"/>
+              <a:t>头节点的下一个节点</a:t>
+            </a:r>
+            <a:r>
+              <a:rPr lang="en-US" altLang="zh-CN" dirty="0" err="1"/>
+              <a:t>head.next</a:t>
+            </a:r>
+            <a:r>
+              <a:rPr lang="zh-CN" altLang="en-US" dirty="0"/>
+              <a:t>放到他兄弟</a:t>
+            </a:r>
+            <a:r>
+              <a:rPr lang="en-US" altLang="zh-CN" dirty="0"/>
+              <a:t>next</a:t>
+            </a:r>
+            <a:r>
+              <a:rPr lang="zh-CN" altLang="en-US" dirty="0"/>
+              <a:t>域中</a:t>
+            </a:r>
+            <a:endParaRPr lang="en-US" altLang="zh-CN" dirty="0"/>
           </a:p>
         </p:txBody>
       </p:sp>
       <p:sp>
         <p:nvSpPr>
-          <p:cNvPr id="13" name="文本框 12">
-            <a:extLst>
-              <a:ext uri="{FF2B5EF4-FFF2-40B4-BE49-F238E27FC236}">
-                <a16:creationId xmlns:a16="http://schemas.microsoft.com/office/drawing/2014/main" id="{01A1BA18-FBE8-4CBB-8EDC-5E2049A7CB24}"/>
+          <p:cNvPr id="20" name="矩形 19">
+            <a:extLst>
+              <a:ext uri="{FF2B5EF4-FFF2-40B4-BE49-F238E27FC236}">
+                <a16:creationId xmlns:a16="http://schemas.microsoft.com/office/drawing/2014/main" id="{9C7A8B4B-0B90-4AB8-8EDB-352A987B5550}"/>
+              </a:ext>
+            </a:extLst>
+          </p:cNvPr>
+          <p:cNvSpPr/>
+          <p:nvPr/>
+        </p:nvSpPr>
+        <p:spPr>
+          <a:xfrm>
+            <a:off x="2280975" y="3969099"/>
+            <a:ext cx="954593" cy="582804"/>
+          </a:xfrm>
+          <a:prstGeom prst="rect">
+            <a:avLst/>
+          </a:prstGeom>
+        </p:spPr>
+        <p:style>
+          <a:lnRef idx="2">
+            <a:schemeClr val="accent1">
+              <a:shade val="50000"/>
+            </a:schemeClr>
+          </a:lnRef>
+          <a:fillRef idx="1">
+            <a:schemeClr val="accent1"/>
+          </a:fillRef>
+          <a:effectRef idx="0">
+            <a:schemeClr val="accent1"/>
+          </a:effectRef>
+          <a:fontRef idx="minor">
+            <a:schemeClr val="lt1"/>
+          </a:fontRef>
+        </p:style>
+        <p:txBody>
+          <a:bodyPr rtlCol="0" anchor="ctr"/>
+          <a:lstStyle/>
+          <a:p>
+            <a:pPr algn="ctr"/>
+            <a:r>
+              <a:rPr lang="zh-CN" altLang="en-US" dirty="0"/>
+              <a:t>数据域</a:t>
+            </a:r>
+          </a:p>
+        </p:txBody>
+      </p:sp>
+      <p:sp>
+        <p:nvSpPr>
+          <p:cNvPr id="21" name="文本框 20">
+            <a:extLst>
+              <a:ext uri="{FF2B5EF4-FFF2-40B4-BE49-F238E27FC236}">
+                <a16:creationId xmlns:a16="http://schemas.microsoft.com/office/drawing/2014/main" id="{4C2750BF-7314-431A-9013-BFC4937E73E4}"/>
               </a:ext>
             </a:extLst>
           </p:cNvPr>
@@ -4920,8 +5006,8 @@
         </p:nvSpPr>
         <p:spPr>
           <a:xfrm>
-            <a:off x="3014659" y="3428999"/>
-            <a:ext cx="447676" cy="523220"/>
+            <a:off x="261064" y="1223419"/>
+            <a:ext cx="3265907" cy="646331"/>
           </a:xfrm>
           <a:prstGeom prst="rect">
             <a:avLst/>
@@ -4935,19 +5021,117 @@
           <a:lstStyle/>
           <a:p>
             <a:r>
-              <a:rPr lang="en-US" altLang="zh-CN" sz="2800" dirty="0"/>
-              <a:t>0</a:t>
-            </a:r>
-            <a:endParaRPr lang="zh-CN" altLang="en-US" sz="2800" dirty="0"/>
+              <a:rPr lang="zh-CN" altLang="en-US" dirty="0"/>
+              <a:t>头节点的下一个节点</a:t>
+            </a:r>
+            <a:r>
+              <a:rPr lang="en-US" altLang="zh-CN" dirty="0" err="1"/>
+              <a:t>head.next</a:t>
+            </a:r>
+            <a:r>
+              <a:rPr lang="zh-CN" altLang="en-US" dirty="0"/>
+              <a:t>直接等于上一个接点</a:t>
+            </a:r>
+            <a:endParaRPr lang="en-US" altLang="zh-CN" dirty="0"/>
           </a:p>
         </p:txBody>
       </p:sp>
       <p:sp>
         <p:nvSpPr>
-          <p:cNvPr id="14" name="文本框 13">
-            <a:extLst>
-              <a:ext uri="{FF2B5EF4-FFF2-40B4-BE49-F238E27FC236}">
-                <a16:creationId xmlns:a16="http://schemas.microsoft.com/office/drawing/2014/main" id="{30256E64-BECA-4C35-991D-B8DD39A0ACE0}"/>
+          <p:cNvPr id="22" name="矩形 21">
+            <a:extLst>
+              <a:ext uri="{FF2B5EF4-FFF2-40B4-BE49-F238E27FC236}">
+                <a16:creationId xmlns:a16="http://schemas.microsoft.com/office/drawing/2014/main" id="{D2C2D3CD-3233-48DE-99DB-B9EBD2158EC7}"/>
+              </a:ext>
+            </a:extLst>
+          </p:cNvPr>
+          <p:cNvSpPr/>
+          <p:nvPr/>
+        </p:nvSpPr>
+        <p:spPr>
+          <a:xfrm>
+            <a:off x="612949" y="3969099"/>
+            <a:ext cx="1190729" cy="582804"/>
+          </a:xfrm>
+          <a:prstGeom prst="rect">
+            <a:avLst/>
+          </a:prstGeom>
+        </p:spPr>
+        <p:style>
+          <a:lnRef idx="2">
+            <a:schemeClr val="accent1">
+              <a:shade val="50000"/>
+            </a:schemeClr>
+          </a:lnRef>
+          <a:fillRef idx="1">
+            <a:schemeClr val="accent1"/>
+          </a:fillRef>
+          <a:effectRef idx="0">
+            <a:schemeClr val="accent1"/>
+          </a:effectRef>
+          <a:fontRef idx="minor">
+            <a:schemeClr val="lt1"/>
+          </a:fontRef>
+        </p:style>
+        <p:txBody>
+          <a:bodyPr rtlCol="0" anchor="ctr"/>
+          <a:lstStyle/>
+          <a:p>
+            <a:pPr algn="ctr"/>
+            <a:r>
+              <a:rPr lang="zh-CN" altLang="en-US" dirty="0"/>
+              <a:t>辅助接点</a:t>
+            </a:r>
+          </a:p>
+        </p:txBody>
+      </p:sp>
+      <p:cxnSp>
+        <p:nvCxnSpPr>
+          <p:cNvPr id="24" name="直接箭头连接符 23">
+            <a:extLst>
+              <a:ext uri="{FF2B5EF4-FFF2-40B4-BE49-F238E27FC236}">
+                <a16:creationId xmlns:a16="http://schemas.microsoft.com/office/drawing/2014/main" id="{0AE45C2D-C32E-4F16-A505-57FED1FE2FE4}"/>
+              </a:ext>
+            </a:extLst>
+          </p:cNvPr>
+          <p:cNvCxnSpPr>
+            <a:stCxn id="20" idx="1"/>
+          </p:cNvCxnSpPr>
+          <p:nvPr/>
+        </p:nvCxnSpPr>
+        <p:spPr>
+          <a:xfrm flipH="1" flipV="1">
+            <a:off x="1668026" y="4250453"/>
+            <a:ext cx="612949" cy="10048"/>
+          </a:xfrm>
+          <a:prstGeom prst="straightConnector1">
+            <a:avLst/>
+          </a:prstGeom>
+          <a:ln>
+            <a:tailEnd type="triangle"/>
+          </a:ln>
+        </p:spPr>
+        <p:style>
+          <a:lnRef idx="1">
+            <a:schemeClr val="accent1"/>
+          </a:lnRef>
+          <a:fillRef idx="0">
+            <a:schemeClr val="accent1"/>
+          </a:fillRef>
+          <a:effectRef idx="0">
+            <a:schemeClr val="accent1"/>
+          </a:effectRef>
+          <a:fontRef idx="minor">
+            <a:schemeClr val="tx1"/>
+          </a:fontRef>
+        </p:style>
+      </p:cxnSp>
+      <p:sp>
+        <p:nvSpPr>
+          <p:cNvPr id="25" name="文本框 24">
+            <a:extLst>
+              <a:ext uri="{FF2B5EF4-FFF2-40B4-BE49-F238E27FC236}">
+                <a16:creationId xmlns:a16="http://schemas.microsoft.com/office/drawing/2014/main" id="{4BC623AD-420A-43FC-99F4-85B996762268}"/>
               </a:ext>
             </a:extLst>
           </p:cNvPr>
@@ -4956,8 +5140,8 @@
         </p:nvSpPr>
         <p:spPr>
           <a:xfrm>
-            <a:off x="4238620" y="3448048"/>
-            <a:ext cx="447676" cy="523220"/>
+            <a:off x="3722912" y="339253"/>
+            <a:ext cx="3265907" cy="369332"/>
           </a:xfrm>
           <a:prstGeom prst="rect">
             <a:avLst/>
@@ -4971,19 +5155,153 @@
           <a:lstStyle/>
           <a:p>
             <a:r>
-              <a:rPr lang="en-US" altLang="zh-CN" sz="2800" dirty="0"/>
-              <a:t>0</a:t>
-            </a:r>
-            <a:endParaRPr lang="zh-CN" altLang="en-US" sz="2800" dirty="0"/>
+              <a:rPr lang="zh-CN" altLang="en-US" dirty="0"/>
+              <a:t>当前节点记为上一个接点</a:t>
+            </a:r>
+            <a:endParaRPr lang="en-US" altLang="zh-CN" dirty="0"/>
           </a:p>
         </p:txBody>
       </p:sp>
+      <p:cxnSp>
+        <p:nvCxnSpPr>
+          <p:cNvPr id="26" name="直接箭头连接符 25">
+            <a:extLst>
+              <a:ext uri="{FF2B5EF4-FFF2-40B4-BE49-F238E27FC236}">
+                <a16:creationId xmlns:a16="http://schemas.microsoft.com/office/drawing/2014/main" id="{FE291FD0-CA3E-4C73-8D04-717336603C39}"/>
+              </a:ext>
+            </a:extLst>
+          </p:cNvPr>
+          <p:cNvCxnSpPr>
+            <a:cxnSpLocks/>
+            <a:stCxn id="18" idx="3"/>
+          </p:cNvCxnSpPr>
+          <p:nvPr/>
+        </p:nvCxnSpPr>
+        <p:spPr>
+          <a:xfrm>
+            <a:off x="3712865" y="3137598"/>
+            <a:ext cx="698361" cy="0"/>
+          </a:xfrm>
+          <a:prstGeom prst="straightConnector1">
+            <a:avLst/>
+          </a:prstGeom>
+          <a:ln>
+            <a:tailEnd type="triangle"/>
+          </a:ln>
+        </p:spPr>
+        <p:style>
+          <a:lnRef idx="1">
+            <a:schemeClr val="accent1"/>
+          </a:lnRef>
+          <a:fillRef idx="0">
+            <a:schemeClr val="accent1"/>
+          </a:fillRef>
+          <a:effectRef idx="0">
+            <a:schemeClr val="accent1"/>
+          </a:effectRef>
+          <a:fontRef idx="minor">
+            <a:schemeClr val="tx1"/>
+          </a:fontRef>
+        </p:style>
+      </p:cxnSp>
       <p:sp>
         <p:nvSpPr>
-          <p:cNvPr id="15" name="文本框 14">
-            <a:extLst>
-              <a:ext uri="{FF2B5EF4-FFF2-40B4-BE49-F238E27FC236}">
-                <a16:creationId xmlns:a16="http://schemas.microsoft.com/office/drawing/2014/main" id="{05EE5862-3D06-4B12-AABF-6F4BBE84992B}"/>
+          <p:cNvPr id="29" name="矩形 28">
+            <a:extLst>
+              <a:ext uri="{FF2B5EF4-FFF2-40B4-BE49-F238E27FC236}">
+                <a16:creationId xmlns:a16="http://schemas.microsoft.com/office/drawing/2014/main" id="{FABF1272-1F46-4082-957C-BAD6B38A1306}"/>
+              </a:ext>
+            </a:extLst>
+          </p:cNvPr>
+          <p:cNvSpPr/>
+          <p:nvPr/>
+        </p:nvSpPr>
+        <p:spPr>
+          <a:xfrm>
+            <a:off x="4426297" y="2806002"/>
+            <a:ext cx="1190729" cy="582804"/>
+          </a:xfrm>
+          <a:prstGeom prst="rect">
+            <a:avLst/>
+          </a:prstGeom>
+        </p:spPr>
+        <p:style>
+          <a:lnRef idx="2">
+            <a:schemeClr val="accent1">
+              <a:shade val="50000"/>
+            </a:schemeClr>
+          </a:lnRef>
+          <a:fillRef idx="1">
+            <a:schemeClr val="accent1"/>
+          </a:fillRef>
+          <a:effectRef idx="0">
+            <a:schemeClr val="accent1"/>
+          </a:effectRef>
+          <a:fontRef idx="minor">
+            <a:schemeClr val="lt1"/>
+          </a:fontRef>
+        </p:style>
+        <p:txBody>
+          <a:bodyPr rtlCol="0" anchor="ctr"/>
+          <a:lstStyle/>
+          <a:p>
+            <a:pPr algn="ctr"/>
+            <a:r>
+              <a:rPr lang="zh-CN" altLang="en-US" dirty="0"/>
+              <a:t>辅助接点</a:t>
+            </a:r>
+          </a:p>
+        </p:txBody>
+      </p:sp>
+      <p:cxnSp>
+        <p:nvCxnSpPr>
+          <p:cNvPr id="30" name="直接连接符 29">
+            <a:extLst>
+              <a:ext uri="{FF2B5EF4-FFF2-40B4-BE49-F238E27FC236}">
+                <a16:creationId xmlns:a16="http://schemas.microsoft.com/office/drawing/2014/main" id="{7EB371D3-3723-4B9A-840C-1550F7BEE56E}"/>
+              </a:ext>
+            </a:extLst>
+          </p:cNvPr>
+          <p:cNvCxnSpPr>
+            <a:cxnSpLocks/>
+          </p:cNvCxnSpPr>
+          <p:nvPr/>
+        </p:nvCxnSpPr>
+        <p:spPr>
+          <a:xfrm>
+            <a:off x="3282727" y="3951515"/>
+            <a:ext cx="779318" cy="571070"/>
+          </a:xfrm>
+          <a:prstGeom prst="line">
+            <a:avLst/>
+          </a:prstGeom>
+          <a:ln w="76200">
+            <a:solidFill>
+              <a:srgbClr val="FF0000"/>
+            </a:solidFill>
+          </a:ln>
+        </p:spPr>
+        <p:style>
+          <a:lnRef idx="1">
+            <a:schemeClr val="accent1"/>
+          </a:lnRef>
+          <a:fillRef idx="0">
+            <a:schemeClr val="accent1"/>
+          </a:fillRef>
+          <a:effectRef idx="0">
+            <a:schemeClr val="accent1"/>
+          </a:effectRef>
+          <a:fontRef idx="minor">
+            <a:schemeClr val="tx1"/>
+          </a:fontRef>
+        </p:style>
+      </p:cxnSp>
+      <p:sp>
+        <p:nvSpPr>
+          <p:cNvPr id="31" name="文本框 30">
+            <a:extLst>
+              <a:ext uri="{FF2B5EF4-FFF2-40B4-BE49-F238E27FC236}">
+                <a16:creationId xmlns:a16="http://schemas.microsoft.com/office/drawing/2014/main" id="{75F4C7B6-7DCA-45F6-B5D1-0532786C6032}"/>
               </a:ext>
             </a:extLst>
           </p:cNvPr>
@@ -4992,8 +5310,8 @@
         </p:nvSpPr>
         <p:spPr>
           <a:xfrm>
-            <a:off x="5367330" y="3448048"/>
-            <a:ext cx="447676" cy="523220"/>
+            <a:off x="3722912" y="1248684"/>
+            <a:ext cx="3265907" cy="369332"/>
           </a:xfrm>
           <a:prstGeom prst="rect">
             <a:avLst/>
@@ -5007,53 +5325,78 @@
           <a:lstStyle/>
           <a:p>
             <a:r>
-              <a:rPr lang="en-US" altLang="zh-CN" sz="2800" dirty="0"/>
-              <a:t>0</a:t>
-            </a:r>
-            <a:endParaRPr lang="zh-CN" altLang="en-US" sz="2800" dirty="0"/>
+              <a:rPr lang="en-US" altLang="zh-CN" dirty="0"/>
+              <a:t>Next</a:t>
+            </a:r>
+            <a:r>
+              <a:rPr lang="zh-CN" altLang="en-US" dirty="0"/>
+              <a:t>域变成了</a:t>
+            </a:r>
+            <a:r>
+              <a:rPr lang="en-US" altLang="zh-CN" dirty="0"/>
+              <a:t>head</a:t>
+            </a:r>
+            <a:r>
+              <a:rPr lang="zh-CN" altLang="en-US" dirty="0"/>
+              <a:t>接点</a:t>
+            </a:r>
+            <a:endParaRPr lang="en-US" altLang="zh-CN" dirty="0"/>
           </a:p>
         </p:txBody>
       </p:sp>
       <p:sp>
         <p:nvSpPr>
-          <p:cNvPr id="16" name="文本框 15">
-            <a:extLst>
-              <a:ext uri="{FF2B5EF4-FFF2-40B4-BE49-F238E27FC236}">
-                <a16:creationId xmlns:a16="http://schemas.microsoft.com/office/drawing/2014/main" id="{5CD18D8B-A096-443C-8950-D3DA6F9843B0}"/>
-              </a:ext>
-            </a:extLst>
-          </p:cNvPr>
-          <p:cNvSpPr txBox="1"/>
+          <p:cNvPr id="32" name="矩形 31">
+            <a:extLst>
+              <a:ext uri="{FF2B5EF4-FFF2-40B4-BE49-F238E27FC236}">
+                <a16:creationId xmlns:a16="http://schemas.microsoft.com/office/drawing/2014/main" id="{DBCA7BF2-61FC-4BE6-895B-64D4F5D1C819}"/>
+              </a:ext>
+            </a:extLst>
+          </p:cNvPr>
+          <p:cNvSpPr/>
           <p:nvPr/>
         </p:nvSpPr>
         <p:spPr>
           <a:xfrm>
-            <a:off x="6338887" y="3448048"/>
-            <a:ext cx="447676" cy="523220"/>
+            <a:off x="3235568" y="3957365"/>
+            <a:ext cx="954593" cy="582804"/>
           </a:xfrm>
           <a:prstGeom prst="rect">
             <a:avLst/>
           </a:prstGeom>
-          <a:noFill/>
-        </p:spPr>
+        </p:spPr>
+        <p:style>
+          <a:lnRef idx="2">
+            <a:schemeClr val="accent1">
+              <a:shade val="50000"/>
+            </a:schemeClr>
+          </a:lnRef>
+          <a:fillRef idx="1">
+            <a:schemeClr val="accent1"/>
+          </a:fillRef>
+          <a:effectRef idx="0">
+            <a:schemeClr val="accent1"/>
+          </a:effectRef>
+          <a:fontRef idx="minor">
+            <a:schemeClr val="lt1"/>
+          </a:fontRef>
+        </p:style>
         <p:txBody>
-          <a:bodyPr wrap="square" rtlCol="0">
-            <a:spAutoFit/>
-          </a:bodyPr>
+          <a:bodyPr rtlCol="0" anchor="ctr"/>
           <a:lstStyle/>
           <a:p>
-            <a:r>
-              <a:rPr lang="en-US" altLang="zh-CN" sz="2800" dirty="0"/>
-              <a:t>1</a:t>
-            </a:r>
-            <a:endParaRPr lang="zh-CN" altLang="en-US" sz="2800" dirty="0"/>
+            <a:pPr algn="ctr"/>
+            <a:r>
+              <a:rPr lang="zh-CN" altLang="en-US" dirty="0"/>
+              <a:t>头节点</a:t>
+            </a:r>
           </a:p>
         </p:txBody>
       </p:sp>
     </p:spTree>
     <p:extLst>
       <p:ext uri="{BB962C8B-B14F-4D97-AF65-F5344CB8AC3E}">
-        <p14:creationId xmlns:p14="http://schemas.microsoft.com/office/powerpoint/2010/main" val="3803524063"/>
+        <p14:creationId xmlns:p14="http://schemas.microsoft.com/office/powerpoint/2010/main" val="2321060993"/>
       </p:ext>
     </p:extLst>
   </p:cSld>
@@ -5072,6 +5415,9 @@
                     <p:cTn id="3" fill="hold">
                       <p:stCondLst>
                         <p:cond delay="indefinite"/>
+                        <p:cond evt="onBegin" delay="0">
+                          <p:tn val="2"/>
+                        </p:cond>
                       </p:stCondLst>
                       <p:childTnLst>
                         <p:par>
@@ -5081,7 +5427,7 @@
                             </p:stCondLst>
                             <p:childTnLst>
                               <p:par>
-                                <p:cTn id="5" presetID="1" presetClass="entr" presetSubtype="0" fill="hold" nodeType="clickEffect">
+                                <p:cTn id="5" presetID="1" presetClass="exit" presetSubtype="0" fill="hold" grpId="0" nodeType="afterEffect">
                                   <p:stCondLst>
                                     <p:cond delay="0"/>
                                   </p:stCondLst>
@@ -5094,34 +5440,52 @@
                                           </p:stCondLst>
                                         </p:cTn>
                                         <p:tgtEl>
-                                          <p:spTgt spid="7"/>
+                                          <p:spTgt spid="32"/>
                                         </p:tgtEl>
                                         <p:attrNameLst>
                                           <p:attrName>style.visibility</p:attrName>
                                         </p:attrNameLst>
                                       </p:cBhvr>
                                       <p:to>
-                                        <p:strVal val="visible"/>
+                                        <p:strVal val="hidden"/>
                                       </p:to>
                                     </p:set>
                                   </p:childTnLst>
                                 </p:cTn>
                               </p:par>
+                            </p:childTnLst>
+                          </p:cTn>
+                        </p:par>
+                      </p:childTnLst>
+                    </p:cTn>
+                  </p:par>
+                  <p:par>
+                    <p:cTn id="7" fill="hold">
+                      <p:stCondLst>
+                        <p:cond delay="indefinite"/>
+                      </p:stCondLst>
+                      <p:childTnLst>
+                        <p:par>
+                          <p:cTn id="8" fill="hold">
+                            <p:stCondLst>
+                              <p:cond delay="0"/>
+                            </p:stCondLst>
+                            <p:childTnLst>
                               <p:par>
-                                <p:cTn id="7" presetID="1" presetClass="entr" presetSubtype="0" fill="hold" grpId="0" nodeType="withEffect">
+                                <p:cTn id="9" presetID="1" presetClass="entr" presetSubtype="0" fill="hold" grpId="0" nodeType="clickEffect">
                                   <p:stCondLst>
                                     <p:cond delay="0"/>
                                   </p:stCondLst>
                                   <p:childTnLst>
                                     <p:set>
                                       <p:cBhvr>
-                                        <p:cTn id="8" dur="1" fill="hold">
+                                        <p:cTn id="10" dur="1" fill="hold">
                                           <p:stCondLst>
                                             <p:cond delay="0"/>
                                           </p:stCondLst>
                                         </p:cTn>
                                         <p:tgtEl>
-                                          <p:spTgt spid="16"/>
+                                          <p:spTgt spid="19"/>
                                         </p:tgtEl>
                                         <p:attrNameLst>
                                           <p:attrName>style.visibility</p:attrName>
@@ -5141,68 +5505,36 @@
                     </p:cTn>
                   </p:par>
                   <p:par>
-                    <p:cTn id="9" fill="hold">
+                    <p:cTn id="11" fill="hold">
                       <p:stCondLst>
                         <p:cond delay="indefinite"/>
                       </p:stCondLst>
                       <p:childTnLst>
                         <p:par>
-                          <p:cTn id="10" fill="hold">
+                          <p:cTn id="12" fill="hold">
                             <p:stCondLst>
                               <p:cond delay="0"/>
                             </p:stCondLst>
                             <p:childTnLst>
                               <p:par>
-                                <p:cTn id="11" presetID="1" presetClass="entr" presetSubtype="0" fill="hold" nodeType="clickEffect">
+                                <p:cTn id="13" presetID="0" presetClass="path" presetSubtype="0" accel="50000" decel="50000" fill="hold" grpId="0" nodeType="clickEffect">
                                   <p:stCondLst>
                                     <p:cond delay="0"/>
                                   </p:stCondLst>
                                   <p:childTnLst>
-                                    <p:set>
+                                    <p:animMotion origin="layout" path="M -0.01523 0.01482 L -0.01523 0.01505 C -0.01471 0.02292 -0.01445 0.03149 -0.01367 0.03959 C -0.01341 0.0426 -0.01263 0.04561 -0.01198 0.04838 C -0.01041 0.05625 -0.01002 0.05602 -0.00872 0.06459 C -0.00547 0.08519 -0.01107 0.05625 -0.00547 0.08056 C -0.00443 0.08496 -0.00377 0.09121 -0.00208 0.09538 C -0.00117 0.09746 0.00013 0.09908 0.00117 0.10116 C 0.00182 0.10255 0.00222 0.10417 0.00287 0.10556 C 0.00365 0.10764 0.00443 0.1095 0.00534 0.11135 C 0.00638 0.11343 0.00755 0.11528 0.0086 0.11737 C 0.01185 0.12408 0.00834 0.12084 0.01432 0.12755 C 0.01849 0.13195 0.02149 0.13403 0.02591 0.13635 C 0.02904 0.13797 0.02995 0.13774 0.03334 0.13936 C 0.03932 0.14167 0.03828 0.14121 0.04245 0.14375 C 0.05209 0.1426 0.05456 0.14514 0.06133 0.13936 C 0.06224 0.13843 0.06289 0.13704 0.0638 0.13635 C 0.06602 0.13426 0.07044 0.13056 0.07044 0.13079 C 0.07097 0.12917 0.07396 0.12223 0.07448 0.12014 C 0.07487 0.11875 0.07513 0.11737 0.07539 0.11575 C 0.07565 0.10602 0.07591 0.0963 0.07617 0.08658 C 0.07643 0.07431 0.07656 0.06204 0.07696 0.04977 C 0.07709 0.04746 0.07774 0.04514 0.07787 0.0426 C 0.078 0.03426 0.07787 0.02593 0.07787 0.0176 L 0.07787 0.01899 " pathEditMode="relative" rAng="0" ptsTypes="AAAAAAAAAAAAAAAAAAAAAAAAA">
                                       <p:cBhvr>
-                                        <p:cTn id="12" dur="1" fill="hold">
-                                          <p:stCondLst>
-                                            <p:cond delay="0"/>
-                                          </p:stCondLst>
-                                        </p:cTn>
+                                        <p:cTn id="14" dur="2000" fill="hold"/>
                                         <p:tgtEl>
-                                          <p:spTgt spid="8"/>
+                                          <p:spTgt spid="20"/>
                                         </p:tgtEl>
                                         <p:attrNameLst>
-                                          <p:attrName>style.visibility</p:attrName>
+                                          <p:attrName>ppt_x</p:attrName>
+                                          <p:attrName>ppt_y</p:attrName>
                                         </p:attrNameLst>
                                       </p:cBhvr>
-                                      <p:to>
-                                        <p:strVal val="visible"/>
-                                      </p:to>
-                                    </p:set>
-                                  </p:childTnLst>
-                                </p:cTn>
-                              </p:par>
-                              <p:par>
-                                <p:cTn id="13" presetID="1" presetClass="entr" presetSubtype="0" fill="hold" grpId="0" nodeType="withEffect">
-                                  <p:stCondLst>
-                                    <p:cond delay="0"/>
-                                  </p:stCondLst>
-                                  <p:childTnLst>
-                                    <p:set>
-                                      <p:cBhvr>
-                                        <p:cTn id="14" dur="1" fill="hold">
-                                          <p:stCondLst>
-                                            <p:cond delay="0"/>
-                                          </p:stCondLst>
-                                        </p:cTn>
-                                        <p:tgtEl>
-                                          <p:spTgt spid="15"/>
-                                        </p:tgtEl>
-                                        <p:attrNameLst>
-                                          <p:attrName>style.visibility</p:attrName>
-                                        </p:attrNameLst>
-                                      </p:cBhvr>
-                                      <p:to>
-                                        <p:strVal val="visible"/>
-                                      </p:to>
-                                    </p:set>
+                                      <p:rCtr x="4648" y="6435"/>
+                                    </p:animMotion>
                                   </p:childTnLst>
                                 </p:cTn>
                               </p:par>
@@ -5225,7 +5557,7 @@
                             </p:stCondLst>
                             <p:childTnLst>
                               <p:par>
-                                <p:cTn id="17" presetID="1" presetClass="entr" presetSubtype="0" fill="hold" nodeType="clickEffect">
+                                <p:cTn id="17" presetID="1" presetClass="entr" presetSubtype="0" fill="hold" grpId="0" nodeType="clickEffect">
                                   <p:stCondLst>
                                     <p:cond delay="0"/>
                                   </p:stCondLst>
@@ -5238,34 +5570,7 @@
                                           </p:stCondLst>
                                         </p:cTn>
                                         <p:tgtEl>
-                                          <p:spTgt spid="9"/>
-                                        </p:tgtEl>
-                                        <p:attrNameLst>
-                                          <p:attrName>style.visibility</p:attrName>
-                                        </p:attrNameLst>
-                                      </p:cBhvr>
-                                      <p:to>
-                                        <p:strVal val="visible"/>
-                                      </p:to>
-                                    </p:set>
-                                  </p:childTnLst>
-                                </p:cTn>
-                              </p:par>
-                              <p:par>
-                                <p:cTn id="19" presetID="1" presetClass="entr" presetSubtype="0" fill="hold" grpId="0" nodeType="withEffect">
-                                  <p:stCondLst>
-                                    <p:cond delay="0"/>
-                                  </p:stCondLst>
-                                  <p:childTnLst>
-                                    <p:set>
-                                      <p:cBhvr>
-                                        <p:cTn id="20" dur="1" fill="hold">
-                                          <p:stCondLst>
-                                            <p:cond delay="0"/>
-                                          </p:stCondLst>
-                                        </p:cTn>
-                                        <p:tgtEl>
-                                          <p:spTgt spid="14"/>
+                                          <p:spTgt spid="21"/>
                                         </p:tgtEl>
                                         <p:attrNameLst>
                                           <p:attrName>style.visibility</p:attrName>
@@ -5285,32 +5590,32 @@
                     </p:cTn>
                   </p:par>
                   <p:par>
-                    <p:cTn id="21" fill="hold">
+                    <p:cTn id="19" fill="hold">
                       <p:stCondLst>
                         <p:cond delay="indefinite"/>
                       </p:stCondLst>
                       <p:childTnLst>
                         <p:par>
-                          <p:cTn id="22" fill="hold">
+                          <p:cTn id="20" fill="hold">
                             <p:stCondLst>
                               <p:cond delay="0"/>
                             </p:stCondLst>
                             <p:childTnLst>
                               <p:par>
-                                <p:cTn id="23" presetID="1" presetClass="entr" presetSubtype="0" fill="hold" nodeType="clickEffect">
+                                <p:cTn id="21" presetID="1" presetClass="entr" presetSubtype="0" fill="hold" nodeType="clickEffect">
                                   <p:stCondLst>
                                     <p:cond delay="0"/>
                                   </p:stCondLst>
                                   <p:childTnLst>
                                     <p:set>
                                       <p:cBhvr>
-                                        <p:cTn id="24" dur="1" fill="hold">
+                                        <p:cTn id="22" dur="1" fill="hold">
                                           <p:stCondLst>
                                             <p:cond delay="0"/>
                                           </p:stCondLst>
                                         </p:cTn>
                                         <p:tgtEl>
-                                          <p:spTgt spid="10"/>
+                                          <p:spTgt spid="24"/>
                                         </p:tgtEl>
                                         <p:attrNameLst>
                                           <p:attrName>style.visibility</p:attrName>
@@ -5323,8 +5628,26 @@
                                   </p:childTnLst>
                                 </p:cTn>
                               </p:par>
+                            </p:childTnLst>
+                          </p:cTn>
+                        </p:par>
+                      </p:childTnLst>
+                    </p:cTn>
+                  </p:par>
+                  <p:par>
+                    <p:cTn id="23" fill="hold">
+                      <p:stCondLst>
+                        <p:cond delay="indefinite"/>
+                      </p:stCondLst>
+                      <p:childTnLst>
+                        <p:par>
+                          <p:cTn id="24" fill="hold">
+                            <p:stCondLst>
+                              <p:cond delay="0"/>
+                            </p:stCondLst>
+                            <p:childTnLst>
                               <p:par>
-                                <p:cTn id="25" presetID="1" presetClass="entr" presetSubtype="0" fill="hold" grpId="0" nodeType="withEffect">
+                                <p:cTn id="25" presetID="1" presetClass="entr" presetSubtype="0" fill="hold" grpId="0" nodeType="clickEffect">
                                   <p:stCondLst>
                                     <p:cond delay="0"/>
                                   </p:stCondLst>
@@ -5337,7 +5660,7 @@
                                           </p:stCondLst>
                                         </p:cTn>
                                         <p:tgtEl>
-                                          <p:spTgt spid="13"/>
+                                          <p:spTgt spid="22"/>
                                         </p:tgtEl>
                                         <p:attrNameLst>
                                           <p:attrName>style.visibility</p:attrName>
@@ -5369,7 +5692,7 @@
                             </p:stCondLst>
                             <p:childTnLst>
                               <p:par>
-                                <p:cTn id="29" presetID="1" presetClass="entr" presetSubtype="0" fill="hold" nodeType="clickEffect">
+                                <p:cTn id="29" presetID="1" presetClass="entr" presetSubtype="0" fill="hold" grpId="0" nodeType="clickEffect">
                                   <p:stCondLst>
                                     <p:cond delay="0"/>
                                   </p:stCondLst>
@@ -5382,7 +5705,7 @@
                                           </p:stCondLst>
                                         </p:cTn>
                                         <p:tgtEl>
-                                          <p:spTgt spid="11"/>
+                                          <p:spTgt spid="25"/>
                                         </p:tgtEl>
                                         <p:attrNameLst>
                                           <p:attrName>style.visibility</p:attrName>
@@ -5395,21 +5718,219 @@
                                   </p:childTnLst>
                                 </p:cTn>
                               </p:par>
+                            </p:childTnLst>
+                          </p:cTn>
+                        </p:par>
+                      </p:childTnLst>
+                    </p:cTn>
+                  </p:par>
+                  <p:par>
+                    <p:cTn id="31" fill="hold">
+                      <p:stCondLst>
+                        <p:cond delay="indefinite"/>
+                      </p:stCondLst>
+                      <p:childTnLst>
+                        <p:par>
+                          <p:cTn id="32" fill="hold">
+                            <p:stCondLst>
+                              <p:cond delay="0"/>
+                            </p:stCondLst>
+                            <p:childTnLst>
                               <p:par>
-                                <p:cTn id="31" presetID="1" presetClass="entr" presetSubtype="0" fill="hold" grpId="0" nodeType="withEffect">
+                                <p:cTn id="33" presetID="1" presetClass="entr" presetSubtype="0" fill="hold" nodeType="clickEffect">
                                   <p:stCondLst>
                                     <p:cond delay="0"/>
                                   </p:stCondLst>
                                   <p:childTnLst>
                                     <p:set>
                                       <p:cBhvr>
-                                        <p:cTn id="32" dur="1" fill="hold">
+                                        <p:cTn id="34" dur="1" fill="hold">
                                           <p:stCondLst>
                                             <p:cond delay="0"/>
                                           </p:stCondLst>
                                         </p:cTn>
                                         <p:tgtEl>
-                                          <p:spTgt spid="12"/>
+                                          <p:spTgt spid="26"/>
+                                        </p:tgtEl>
+                                        <p:attrNameLst>
+                                          <p:attrName>style.visibility</p:attrName>
+                                        </p:attrNameLst>
+                                      </p:cBhvr>
+                                      <p:to>
+                                        <p:strVal val="visible"/>
+                                      </p:to>
+                                    </p:set>
+                                  </p:childTnLst>
+                                </p:cTn>
+                              </p:par>
+                            </p:childTnLst>
+                          </p:cTn>
+                        </p:par>
+                      </p:childTnLst>
+                    </p:cTn>
+                  </p:par>
+                  <p:par>
+                    <p:cTn id="35" fill="hold">
+                      <p:stCondLst>
+                        <p:cond delay="indefinite"/>
+                      </p:stCondLst>
+                      <p:childTnLst>
+                        <p:par>
+                          <p:cTn id="36" fill="hold">
+                            <p:stCondLst>
+                              <p:cond delay="0"/>
+                            </p:stCondLst>
+                            <p:childTnLst>
+                              <p:par>
+                                <p:cTn id="37" presetID="1" presetClass="entr" presetSubtype="0" fill="hold" grpId="0" nodeType="clickEffect">
+                                  <p:stCondLst>
+                                    <p:cond delay="0"/>
+                                  </p:stCondLst>
+                                  <p:childTnLst>
+                                    <p:set>
+                                      <p:cBhvr>
+                                        <p:cTn id="38" dur="1" fill="hold">
+                                          <p:stCondLst>
+                                            <p:cond delay="0"/>
+                                          </p:stCondLst>
+                                        </p:cTn>
+                                        <p:tgtEl>
+                                          <p:spTgt spid="29"/>
+                                        </p:tgtEl>
+                                        <p:attrNameLst>
+                                          <p:attrName>style.visibility</p:attrName>
+                                        </p:attrNameLst>
+                                      </p:cBhvr>
+                                      <p:to>
+                                        <p:strVal val="visible"/>
+                                      </p:to>
+                                    </p:set>
+                                  </p:childTnLst>
+                                </p:cTn>
+                              </p:par>
+                            </p:childTnLst>
+                          </p:cTn>
+                        </p:par>
+                      </p:childTnLst>
+                    </p:cTn>
+                  </p:par>
+                  <p:par>
+                    <p:cTn id="39" fill="hold">
+                      <p:stCondLst>
+                        <p:cond delay="indefinite"/>
+                      </p:stCondLst>
+                      <p:childTnLst>
+                        <p:par>
+                          <p:cTn id="40" fill="hold">
+                            <p:stCondLst>
+                              <p:cond delay="0"/>
+                            </p:stCondLst>
+                            <p:childTnLst>
+                              <p:par>
+                                <p:cTn id="41" presetID="1" presetClass="entr" presetSubtype="0" fill="hold" nodeType="clickEffect">
+                                  <p:stCondLst>
+                                    <p:cond delay="0"/>
+                                  </p:stCondLst>
+                                  <p:childTnLst>
+                                    <p:set>
+                                      <p:cBhvr>
+                                        <p:cTn id="42" dur="1" fill="hold">
+                                          <p:stCondLst>
+                                            <p:cond delay="0"/>
+                                          </p:stCondLst>
+                                        </p:cTn>
+                                        <p:tgtEl>
+                                          <p:spTgt spid="30"/>
+                                        </p:tgtEl>
+                                        <p:attrNameLst>
+                                          <p:attrName>style.visibility</p:attrName>
+                                        </p:attrNameLst>
+                                      </p:cBhvr>
+                                      <p:to>
+                                        <p:strVal val="visible"/>
+                                      </p:to>
+                                    </p:set>
+                                  </p:childTnLst>
+                                </p:cTn>
+                              </p:par>
+                            </p:childTnLst>
+                          </p:cTn>
+                        </p:par>
+                      </p:childTnLst>
+                    </p:cTn>
+                  </p:par>
+                  <p:par>
+                    <p:cTn id="43" fill="hold">
+                      <p:stCondLst>
+                        <p:cond delay="indefinite"/>
+                      </p:stCondLst>
+                      <p:childTnLst>
+                        <p:par>
+                          <p:cTn id="44" fill="hold">
+                            <p:stCondLst>
+                              <p:cond delay="0"/>
+                            </p:stCondLst>
+                            <p:childTnLst>
+                              <p:par>
+                                <p:cTn id="45" presetID="1" presetClass="entr" presetSubtype="0" fill="hold" grpId="0" nodeType="clickEffect">
+                                  <p:stCondLst>
+                                    <p:cond delay="0"/>
+                                  </p:stCondLst>
+                                  <p:childTnLst>
+                                    <p:set>
+                                      <p:cBhvr>
+                                        <p:cTn id="46" dur="1" fill="hold">
+                                          <p:stCondLst>
+                                            <p:cond delay="0"/>
+                                          </p:stCondLst>
+                                        </p:cTn>
+                                        <p:tgtEl>
+                                          <p:spTgt spid="31"/>
+                                        </p:tgtEl>
+                                        <p:attrNameLst>
+                                          <p:attrName>style.visibility</p:attrName>
+                                        </p:attrNameLst>
+                                      </p:cBhvr>
+                                      <p:to>
+                                        <p:strVal val="visible"/>
+                                      </p:to>
+                                    </p:set>
+                                  </p:childTnLst>
+                                </p:cTn>
+                              </p:par>
+                            </p:childTnLst>
+                          </p:cTn>
+                        </p:par>
+                      </p:childTnLst>
+                    </p:cTn>
+                  </p:par>
+                  <p:par>
+                    <p:cTn id="47" fill="hold">
+                      <p:stCondLst>
+                        <p:cond delay="indefinite"/>
+                      </p:stCondLst>
+                      <p:childTnLst>
+                        <p:par>
+                          <p:cTn id="48" fill="hold">
+                            <p:stCondLst>
+                              <p:cond delay="0"/>
+                            </p:stCondLst>
+                            <p:childTnLst>
+                              <p:par>
+                                <p:cTn id="49" presetID="1" presetClass="entr" presetSubtype="0" fill="hold" grpId="1" nodeType="clickEffect">
+                                  <p:stCondLst>
+                                    <p:cond delay="0"/>
+                                  </p:stCondLst>
+                                  <p:childTnLst>
+                                    <p:set>
+                                      <p:cBhvr>
+                                        <p:cTn id="50" dur="1" fill="hold">
+                                          <p:stCondLst>
+                                            <p:cond delay="0"/>
+                                          </p:stCondLst>
+                                        </p:cTn>
+                                        <p:tgtEl>
+                                          <p:spTgt spid="32"/>
                                         </p:tgtEl>
                                         <p:attrNameLst>
                                           <p:attrName>style.visibility</p:attrName>
@@ -5450,17 +5971,3047 @@
       </p:par>
     </p:tnLst>
     <p:bldLst>
-      <p:bldP spid="12" grpId="0"/>
-      <p:bldP spid="13" grpId="0"/>
-      <p:bldP spid="14" grpId="0"/>
-      <p:bldP spid="15" grpId="0"/>
-      <p:bldP spid="16" grpId="0"/>
+      <p:bldP spid="19" grpId="0"/>
+      <p:bldP spid="20" grpId="0" animBg="1"/>
+      <p:bldP spid="21" grpId="0"/>
+      <p:bldP spid="22" grpId="0" animBg="1"/>
+      <p:bldP spid="25" grpId="0"/>
+      <p:bldP spid="29" grpId="0" animBg="1"/>
+      <p:bldP spid="31" grpId="0"/>
+      <p:bldP spid="32" grpId="0" animBg="1"/>
+      <p:bldP spid="32" grpId="1" animBg="1"/>
     </p:bldLst>
   </p:timing>
 </p:sld>
 </file>
 
 <file path=ppt/slides/slide10.xml><?xml version="1.0" encoding="utf-8"?>
+<p:sld xmlns:a="http://schemas.openxmlformats.org/drawingml/2006/main" xmlns:r="http://schemas.openxmlformats.org/officeDocument/2006/relationships" xmlns:p="http://schemas.openxmlformats.org/presentationml/2006/main">
+  <p:cSld>
+    <p:spTree>
+      <p:nvGrpSpPr>
+        <p:cNvPr id="1" name=""/>
+        <p:cNvGrpSpPr/>
+        <p:nvPr/>
+      </p:nvGrpSpPr>
+      <p:grpSpPr>
+        <a:xfrm>
+          <a:off x="0" y="0"/>
+          <a:ext cx="0" cy="0"/>
+          <a:chOff x="0" y="0"/>
+          <a:chExt cx="0" cy="0"/>
+        </a:xfrm>
+      </p:grpSpPr>
+      <p:sp>
+        <p:nvSpPr>
+          <p:cNvPr id="38" name="矩形 37">
+            <a:extLst>
+              <a:ext uri="{FF2B5EF4-FFF2-40B4-BE49-F238E27FC236}">
+                <a16:creationId xmlns:a16="http://schemas.microsoft.com/office/drawing/2014/main" id="{957884C5-99A5-4FD1-9B39-786459650B22}"/>
+              </a:ext>
+            </a:extLst>
+          </p:cNvPr>
+          <p:cNvSpPr/>
+          <p:nvPr/>
+        </p:nvSpPr>
+        <p:spPr>
+          <a:xfrm>
+            <a:off x="257233" y="253049"/>
+            <a:ext cx="4944617" cy="753626"/>
+          </a:xfrm>
+          <a:prstGeom prst="rect">
+            <a:avLst/>
+          </a:prstGeom>
+          <a:noFill/>
+        </p:spPr>
+        <p:style>
+          <a:lnRef idx="2">
+            <a:schemeClr val="accent1">
+              <a:shade val="50000"/>
+            </a:schemeClr>
+          </a:lnRef>
+          <a:fillRef idx="1">
+            <a:schemeClr val="accent1"/>
+          </a:fillRef>
+          <a:effectRef idx="0">
+            <a:schemeClr val="accent1"/>
+          </a:effectRef>
+          <a:fontRef idx="minor">
+            <a:schemeClr val="lt1"/>
+          </a:fontRef>
+        </p:style>
+        <p:txBody>
+          <a:bodyPr rtlCol="0" anchor="ctr"/>
+          <a:lstStyle/>
+          <a:p>
+            <a:pPr algn="ctr"/>
+            <a:endParaRPr lang="zh-CN" altLang="en-US"/>
+          </a:p>
+        </p:txBody>
+      </p:sp>
+      <p:sp>
+        <p:nvSpPr>
+          <p:cNvPr id="39" name="流程图: 接点 38">
+            <a:extLst>
+              <a:ext uri="{FF2B5EF4-FFF2-40B4-BE49-F238E27FC236}">
+                <a16:creationId xmlns:a16="http://schemas.microsoft.com/office/drawing/2014/main" id="{2E3BD1F0-0AA2-4039-8687-A2D38CC58E4E}"/>
+              </a:ext>
+            </a:extLst>
+          </p:cNvPr>
+          <p:cNvSpPr/>
+          <p:nvPr/>
+        </p:nvSpPr>
+        <p:spPr>
+          <a:xfrm>
+            <a:off x="301616" y="301452"/>
+            <a:ext cx="753626" cy="663191"/>
+          </a:xfrm>
+          <a:prstGeom prst="flowChartConnector">
+            <a:avLst/>
+          </a:prstGeom>
+        </p:spPr>
+        <p:style>
+          <a:lnRef idx="2">
+            <a:schemeClr val="accent1">
+              <a:shade val="50000"/>
+            </a:schemeClr>
+          </a:lnRef>
+          <a:fillRef idx="1">
+            <a:schemeClr val="accent1"/>
+          </a:fillRef>
+          <a:effectRef idx="0">
+            <a:schemeClr val="accent1"/>
+          </a:effectRef>
+          <a:fontRef idx="minor">
+            <a:schemeClr val="lt1"/>
+          </a:fontRef>
+        </p:style>
+        <p:txBody>
+          <a:bodyPr rtlCol="0" anchor="ctr"/>
+          <a:lstStyle/>
+          <a:p>
+            <a:pPr algn="ctr"/>
+            <a:r>
+              <a:rPr lang="en-US" altLang="zh-CN" dirty="0"/>
+              <a:t>8</a:t>
+            </a:r>
+            <a:endParaRPr lang="zh-CN" altLang="en-US" dirty="0"/>
+          </a:p>
+        </p:txBody>
+      </p:sp>
+      <p:sp>
+        <p:nvSpPr>
+          <p:cNvPr id="40" name="流程图: 接点 39">
+            <a:extLst>
+              <a:ext uri="{FF2B5EF4-FFF2-40B4-BE49-F238E27FC236}">
+                <a16:creationId xmlns:a16="http://schemas.microsoft.com/office/drawing/2014/main" id="{7A498C70-D697-4970-A236-01BF9C631CB5}"/>
+              </a:ext>
+            </a:extLst>
+          </p:cNvPr>
+          <p:cNvSpPr/>
+          <p:nvPr/>
+        </p:nvSpPr>
+        <p:spPr>
+          <a:xfrm>
+            <a:off x="1135795" y="301449"/>
+            <a:ext cx="753626" cy="663191"/>
+          </a:xfrm>
+          <a:prstGeom prst="flowChartConnector">
+            <a:avLst/>
+          </a:prstGeom>
+        </p:spPr>
+        <p:style>
+          <a:lnRef idx="2">
+            <a:schemeClr val="accent1">
+              <a:shade val="50000"/>
+            </a:schemeClr>
+          </a:lnRef>
+          <a:fillRef idx="1">
+            <a:schemeClr val="accent1"/>
+          </a:fillRef>
+          <a:effectRef idx="0">
+            <a:schemeClr val="accent1"/>
+          </a:effectRef>
+          <a:fontRef idx="minor">
+            <a:schemeClr val="lt1"/>
+          </a:fontRef>
+        </p:style>
+        <p:txBody>
+          <a:bodyPr rtlCol="0" anchor="ctr"/>
+          <a:lstStyle/>
+          <a:p>
+            <a:pPr algn="ctr"/>
+            <a:r>
+              <a:rPr lang="en-US" altLang="zh-CN" dirty="0"/>
+              <a:t>7</a:t>
+            </a:r>
+            <a:endParaRPr lang="zh-CN" altLang="en-US" dirty="0"/>
+          </a:p>
+        </p:txBody>
+      </p:sp>
+      <p:sp>
+        <p:nvSpPr>
+          <p:cNvPr id="41" name="流程图: 接点 40">
+            <a:extLst>
+              <a:ext uri="{FF2B5EF4-FFF2-40B4-BE49-F238E27FC236}">
+                <a16:creationId xmlns:a16="http://schemas.microsoft.com/office/drawing/2014/main" id="{2A94C4A3-DB57-4BAF-AB40-E388BE051EC5}"/>
+              </a:ext>
+            </a:extLst>
+          </p:cNvPr>
+          <p:cNvSpPr/>
+          <p:nvPr/>
+        </p:nvSpPr>
+        <p:spPr>
+          <a:xfrm>
+            <a:off x="1999537" y="325524"/>
+            <a:ext cx="753626" cy="663191"/>
+          </a:xfrm>
+          <a:prstGeom prst="flowChartConnector">
+            <a:avLst/>
+          </a:prstGeom>
+        </p:spPr>
+        <p:style>
+          <a:lnRef idx="2">
+            <a:schemeClr val="accent1">
+              <a:shade val="50000"/>
+            </a:schemeClr>
+          </a:lnRef>
+          <a:fillRef idx="1">
+            <a:schemeClr val="accent1"/>
+          </a:fillRef>
+          <a:effectRef idx="0">
+            <a:schemeClr val="accent1"/>
+          </a:effectRef>
+          <a:fontRef idx="minor">
+            <a:schemeClr val="lt1"/>
+          </a:fontRef>
+        </p:style>
+        <p:txBody>
+          <a:bodyPr rtlCol="0" anchor="ctr"/>
+          <a:lstStyle/>
+          <a:p>
+            <a:pPr algn="ctr"/>
+            <a:r>
+              <a:rPr lang="en-US" altLang="zh-CN" dirty="0"/>
+              <a:t>5</a:t>
+            </a:r>
+            <a:endParaRPr lang="zh-CN" altLang="en-US" dirty="0"/>
+          </a:p>
+        </p:txBody>
+      </p:sp>
+      <p:sp>
+        <p:nvSpPr>
+          <p:cNvPr id="42" name="流程图: 接点 41">
+            <a:extLst>
+              <a:ext uri="{FF2B5EF4-FFF2-40B4-BE49-F238E27FC236}">
+                <a16:creationId xmlns:a16="http://schemas.microsoft.com/office/drawing/2014/main" id="{D2B826B4-39B1-48F6-BEA8-06AFB501F384}"/>
+              </a:ext>
+            </a:extLst>
+          </p:cNvPr>
+          <p:cNvSpPr/>
+          <p:nvPr/>
+        </p:nvSpPr>
+        <p:spPr>
+          <a:xfrm>
+            <a:off x="2844429" y="311498"/>
+            <a:ext cx="753626" cy="663191"/>
+          </a:xfrm>
+          <a:prstGeom prst="flowChartConnector">
+            <a:avLst/>
+          </a:prstGeom>
+        </p:spPr>
+        <p:style>
+          <a:lnRef idx="2">
+            <a:schemeClr val="accent1">
+              <a:shade val="50000"/>
+            </a:schemeClr>
+          </a:lnRef>
+          <a:fillRef idx="1">
+            <a:schemeClr val="accent1"/>
+          </a:fillRef>
+          <a:effectRef idx="0">
+            <a:schemeClr val="accent1"/>
+          </a:effectRef>
+          <a:fontRef idx="minor">
+            <a:schemeClr val="lt1"/>
+          </a:fontRef>
+        </p:style>
+        <p:txBody>
+          <a:bodyPr rtlCol="0" anchor="ctr"/>
+          <a:lstStyle/>
+          <a:p>
+            <a:pPr algn="ctr"/>
+            <a:r>
+              <a:rPr lang="en-US" altLang="zh-CN" dirty="0"/>
+              <a:t>6</a:t>
+            </a:r>
+            <a:endParaRPr lang="zh-CN" altLang="en-US" dirty="0"/>
+          </a:p>
+        </p:txBody>
+      </p:sp>
+      <p:sp>
+        <p:nvSpPr>
+          <p:cNvPr id="43" name="流程图: 接点 42">
+            <a:extLst>
+              <a:ext uri="{FF2B5EF4-FFF2-40B4-BE49-F238E27FC236}">
+                <a16:creationId xmlns:a16="http://schemas.microsoft.com/office/drawing/2014/main" id="{7F610D5D-E357-4A1E-B4A2-35A587DBDB34}"/>
+              </a:ext>
+            </a:extLst>
+          </p:cNvPr>
+          <p:cNvSpPr/>
+          <p:nvPr/>
+        </p:nvSpPr>
+        <p:spPr>
+          <a:xfrm>
+            <a:off x="3625794" y="309549"/>
+            <a:ext cx="753626" cy="663191"/>
+          </a:xfrm>
+          <a:prstGeom prst="flowChartConnector">
+            <a:avLst/>
+          </a:prstGeom>
+        </p:spPr>
+        <p:style>
+          <a:lnRef idx="2">
+            <a:schemeClr val="accent1">
+              <a:shade val="50000"/>
+            </a:schemeClr>
+          </a:lnRef>
+          <a:fillRef idx="1">
+            <a:schemeClr val="accent1"/>
+          </a:fillRef>
+          <a:effectRef idx="0">
+            <a:schemeClr val="accent1"/>
+          </a:effectRef>
+          <a:fontRef idx="minor">
+            <a:schemeClr val="lt1"/>
+          </a:fontRef>
+        </p:style>
+        <p:txBody>
+          <a:bodyPr rtlCol="0" anchor="ctr"/>
+          <a:lstStyle/>
+          <a:p>
+            <a:pPr algn="ctr"/>
+            <a:r>
+              <a:rPr lang="en-US" altLang="zh-CN" dirty="0"/>
+              <a:t>4</a:t>
+            </a:r>
+            <a:endParaRPr lang="zh-CN" altLang="en-US" dirty="0"/>
+          </a:p>
+        </p:txBody>
+      </p:sp>
+      <p:sp>
+        <p:nvSpPr>
+          <p:cNvPr id="58" name="流程图: 接点 57">
+            <a:extLst>
+              <a:ext uri="{FF2B5EF4-FFF2-40B4-BE49-F238E27FC236}">
+                <a16:creationId xmlns:a16="http://schemas.microsoft.com/office/drawing/2014/main" id="{284E0DBE-EFC2-48F9-B5BD-AE40A44309EE}"/>
+              </a:ext>
+            </a:extLst>
+          </p:cNvPr>
+          <p:cNvSpPr/>
+          <p:nvPr/>
+        </p:nvSpPr>
+        <p:spPr>
+          <a:xfrm>
+            <a:off x="5704434" y="2586651"/>
+            <a:ext cx="753626" cy="663191"/>
+          </a:xfrm>
+          <a:prstGeom prst="flowChartConnector">
+            <a:avLst/>
+          </a:prstGeom>
+        </p:spPr>
+        <p:style>
+          <a:lnRef idx="2">
+            <a:schemeClr val="accent1">
+              <a:shade val="50000"/>
+            </a:schemeClr>
+          </a:lnRef>
+          <a:fillRef idx="1">
+            <a:schemeClr val="accent1"/>
+          </a:fillRef>
+          <a:effectRef idx="0">
+            <a:schemeClr val="accent1"/>
+          </a:effectRef>
+          <a:fontRef idx="minor">
+            <a:schemeClr val="lt1"/>
+          </a:fontRef>
+        </p:style>
+        <p:txBody>
+          <a:bodyPr rtlCol="0" anchor="ctr"/>
+          <a:lstStyle/>
+          <a:p>
+            <a:pPr algn="ctr"/>
+            <a:r>
+              <a:rPr lang="en-US" altLang="zh-CN" dirty="0"/>
+              <a:t>8</a:t>
+            </a:r>
+            <a:endParaRPr lang="zh-CN" altLang="en-US" dirty="0"/>
+          </a:p>
+        </p:txBody>
+      </p:sp>
+      <p:sp>
+        <p:nvSpPr>
+          <p:cNvPr id="59" name="流程图: 接点 58">
+            <a:extLst>
+              <a:ext uri="{FF2B5EF4-FFF2-40B4-BE49-F238E27FC236}">
+                <a16:creationId xmlns:a16="http://schemas.microsoft.com/office/drawing/2014/main" id="{0A545AD7-89E7-4206-AEC3-82049F4CD93F}"/>
+              </a:ext>
+            </a:extLst>
+          </p:cNvPr>
+          <p:cNvSpPr/>
+          <p:nvPr/>
+        </p:nvSpPr>
+        <p:spPr>
+          <a:xfrm>
+            <a:off x="4448224" y="3723790"/>
+            <a:ext cx="753626" cy="663191"/>
+          </a:xfrm>
+          <a:prstGeom prst="flowChartConnector">
+            <a:avLst/>
+          </a:prstGeom>
+        </p:spPr>
+        <p:style>
+          <a:lnRef idx="2">
+            <a:schemeClr val="accent1">
+              <a:shade val="50000"/>
+            </a:schemeClr>
+          </a:lnRef>
+          <a:fillRef idx="1">
+            <a:schemeClr val="accent1"/>
+          </a:fillRef>
+          <a:effectRef idx="0">
+            <a:schemeClr val="accent1"/>
+          </a:effectRef>
+          <a:fontRef idx="minor">
+            <a:schemeClr val="lt1"/>
+          </a:fontRef>
+        </p:style>
+        <p:txBody>
+          <a:bodyPr rtlCol="0" anchor="ctr"/>
+          <a:lstStyle/>
+          <a:p>
+            <a:pPr algn="ctr"/>
+            <a:r>
+              <a:rPr lang="en-US" altLang="zh-CN" dirty="0"/>
+              <a:t>7</a:t>
+            </a:r>
+            <a:endParaRPr lang="zh-CN" altLang="en-US" dirty="0"/>
+          </a:p>
+        </p:txBody>
+      </p:sp>
+      <p:cxnSp>
+        <p:nvCxnSpPr>
+          <p:cNvPr id="60" name="直接连接符 59">
+            <a:extLst>
+              <a:ext uri="{FF2B5EF4-FFF2-40B4-BE49-F238E27FC236}">
+                <a16:creationId xmlns:a16="http://schemas.microsoft.com/office/drawing/2014/main" id="{F45283D3-77C2-4807-9EEC-79557B18B455}"/>
+              </a:ext>
+            </a:extLst>
+          </p:cNvPr>
+          <p:cNvCxnSpPr>
+            <a:stCxn id="58" idx="3"/>
+            <a:endCxn id="59" idx="7"/>
+          </p:cNvCxnSpPr>
+          <p:nvPr/>
+        </p:nvCxnSpPr>
+        <p:spPr>
+          <a:xfrm flipH="1">
+            <a:off x="5091484" y="3152720"/>
+            <a:ext cx="723316" cy="668192"/>
+          </a:xfrm>
+          <a:prstGeom prst="line">
+            <a:avLst/>
+          </a:prstGeom>
+          <a:ln w="38100"/>
+        </p:spPr>
+        <p:style>
+          <a:lnRef idx="1">
+            <a:schemeClr val="accent1"/>
+          </a:lnRef>
+          <a:fillRef idx="0">
+            <a:schemeClr val="accent1"/>
+          </a:fillRef>
+          <a:effectRef idx="0">
+            <a:schemeClr val="accent1"/>
+          </a:effectRef>
+          <a:fontRef idx="minor">
+            <a:schemeClr val="tx1"/>
+          </a:fontRef>
+        </p:style>
+      </p:cxnSp>
+      <p:sp>
+        <p:nvSpPr>
+          <p:cNvPr id="61" name="流程图: 接点 60">
+            <a:extLst>
+              <a:ext uri="{FF2B5EF4-FFF2-40B4-BE49-F238E27FC236}">
+                <a16:creationId xmlns:a16="http://schemas.microsoft.com/office/drawing/2014/main" id="{0113D8A9-D57C-4600-A8A6-8E11504ABB85}"/>
+              </a:ext>
+            </a:extLst>
+          </p:cNvPr>
+          <p:cNvSpPr/>
+          <p:nvPr/>
+        </p:nvSpPr>
+        <p:spPr>
+          <a:xfrm>
+            <a:off x="7447823" y="3820912"/>
+            <a:ext cx="753626" cy="663191"/>
+          </a:xfrm>
+          <a:prstGeom prst="flowChartConnector">
+            <a:avLst/>
+          </a:prstGeom>
+        </p:spPr>
+        <p:style>
+          <a:lnRef idx="2">
+            <a:schemeClr val="accent1">
+              <a:shade val="50000"/>
+            </a:schemeClr>
+          </a:lnRef>
+          <a:fillRef idx="1">
+            <a:schemeClr val="accent1"/>
+          </a:fillRef>
+          <a:effectRef idx="0">
+            <a:schemeClr val="accent1"/>
+          </a:effectRef>
+          <a:fontRef idx="minor">
+            <a:schemeClr val="lt1"/>
+          </a:fontRef>
+        </p:style>
+        <p:txBody>
+          <a:bodyPr rtlCol="0" anchor="ctr"/>
+          <a:lstStyle/>
+          <a:p>
+            <a:pPr algn="ctr"/>
+            <a:r>
+              <a:rPr lang="en-US" altLang="zh-CN" dirty="0"/>
+              <a:t>5</a:t>
+            </a:r>
+            <a:endParaRPr lang="zh-CN" altLang="en-US" dirty="0"/>
+          </a:p>
+        </p:txBody>
+      </p:sp>
+      <p:cxnSp>
+        <p:nvCxnSpPr>
+          <p:cNvPr id="62" name="直接连接符 61">
+            <a:extLst>
+              <a:ext uri="{FF2B5EF4-FFF2-40B4-BE49-F238E27FC236}">
+                <a16:creationId xmlns:a16="http://schemas.microsoft.com/office/drawing/2014/main" id="{106D938F-F111-4C7B-A339-8266E691543B}"/>
+              </a:ext>
+            </a:extLst>
+          </p:cNvPr>
+          <p:cNvCxnSpPr>
+            <a:cxnSpLocks/>
+            <a:stCxn id="58" idx="5"/>
+            <a:endCxn id="61" idx="1"/>
+          </p:cNvCxnSpPr>
+          <p:nvPr/>
+        </p:nvCxnSpPr>
+        <p:spPr>
+          <a:xfrm>
+            <a:off x="6347694" y="3152720"/>
+            <a:ext cx="1210495" cy="765314"/>
+          </a:xfrm>
+          <a:prstGeom prst="line">
+            <a:avLst/>
+          </a:prstGeom>
+          <a:ln w="38100"/>
+        </p:spPr>
+        <p:style>
+          <a:lnRef idx="1">
+            <a:schemeClr val="accent1"/>
+          </a:lnRef>
+          <a:fillRef idx="0">
+            <a:schemeClr val="accent1"/>
+          </a:fillRef>
+          <a:effectRef idx="0">
+            <a:schemeClr val="accent1"/>
+          </a:effectRef>
+          <a:fontRef idx="minor">
+            <a:schemeClr val="tx1"/>
+          </a:fontRef>
+        </p:style>
+      </p:cxnSp>
+      <p:sp>
+        <p:nvSpPr>
+          <p:cNvPr id="63" name="流程图: 接点 62">
+            <a:extLst>
+              <a:ext uri="{FF2B5EF4-FFF2-40B4-BE49-F238E27FC236}">
+                <a16:creationId xmlns:a16="http://schemas.microsoft.com/office/drawing/2014/main" id="{1974DCD6-546F-41F7-9FEA-FB307EC5B7B2}"/>
+              </a:ext>
+            </a:extLst>
+          </p:cNvPr>
+          <p:cNvSpPr/>
+          <p:nvPr/>
+        </p:nvSpPr>
+        <p:spPr>
+          <a:xfrm>
+            <a:off x="3263440" y="4819897"/>
+            <a:ext cx="753626" cy="663191"/>
+          </a:xfrm>
+          <a:prstGeom prst="flowChartConnector">
+            <a:avLst/>
+          </a:prstGeom>
+        </p:spPr>
+        <p:style>
+          <a:lnRef idx="2">
+            <a:schemeClr val="accent1">
+              <a:shade val="50000"/>
+            </a:schemeClr>
+          </a:lnRef>
+          <a:fillRef idx="1">
+            <a:schemeClr val="accent1"/>
+          </a:fillRef>
+          <a:effectRef idx="0">
+            <a:schemeClr val="accent1"/>
+          </a:effectRef>
+          <a:fontRef idx="minor">
+            <a:schemeClr val="lt1"/>
+          </a:fontRef>
+        </p:style>
+        <p:txBody>
+          <a:bodyPr rtlCol="0" anchor="ctr"/>
+          <a:lstStyle/>
+          <a:p>
+            <a:pPr algn="ctr"/>
+            <a:r>
+              <a:rPr lang="en-US" altLang="zh-CN" dirty="0"/>
+              <a:t>6</a:t>
+            </a:r>
+            <a:endParaRPr lang="zh-CN" altLang="en-US" dirty="0"/>
+          </a:p>
+        </p:txBody>
+      </p:sp>
+      <p:cxnSp>
+        <p:nvCxnSpPr>
+          <p:cNvPr id="64" name="直接连接符 63">
+            <a:extLst>
+              <a:ext uri="{FF2B5EF4-FFF2-40B4-BE49-F238E27FC236}">
+                <a16:creationId xmlns:a16="http://schemas.microsoft.com/office/drawing/2014/main" id="{13BAFC4B-2F54-460B-8978-71F15D8C65E5}"/>
+              </a:ext>
+            </a:extLst>
+          </p:cNvPr>
+          <p:cNvCxnSpPr>
+            <a:endCxn id="63" idx="7"/>
+          </p:cNvCxnSpPr>
+          <p:nvPr/>
+        </p:nvCxnSpPr>
+        <p:spPr>
+          <a:xfrm flipH="1">
+            <a:off x="3906700" y="4248827"/>
+            <a:ext cx="723316" cy="668192"/>
+          </a:xfrm>
+          <a:prstGeom prst="line">
+            <a:avLst/>
+          </a:prstGeom>
+          <a:ln w="38100"/>
+        </p:spPr>
+        <p:style>
+          <a:lnRef idx="1">
+            <a:schemeClr val="accent1"/>
+          </a:lnRef>
+          <a:fillRef idx="0">
+            <a:schemeClr val="accent1"/>
+          </a:fillRef>
+          <a:effectRef idx="0">
+            <a:schemeClr val="accent1"/>
+          </a:effectRef>
+          <a:fontRef idx="minor">
+            <a:schemeClr val="tx1"/>
+          </a:fontRef>
+        </p:style>
+      </p:cxnSp>
+      <p:sp>
+        <p:nvSpPr>
+          <p:cNvPr id="65" name="流程图: 接点 64">
+            <a:extLst>
+              <a:ext uri="{FF2B5EF4-FFF2-40B4-BE49-F238E27FC236}">
+                <a16:creationId xmlns:a16="http://schemas.microsoft.com/office/drawing/2014/main" id="{8F067BF6-48E3-4F91-B558-F0BFF042027A}"/>
+              </a:ext>
+            </a:extLst>
+          </p:cNvPr>
+          <p:cNvSpPr/>
+          <p:nvPr/>
+        </p:nvSpPr>
+        <p:spPr>
+          <a:xfrm>
+            <a:off x="5604542" y="4860929"/>
+            <a:ext cx="753626" cy="663191"/>
+          </a:xfrm>
+          <a:prstGeom prst="flowChartConnector">
+            <a:avLst/>
+          </a:prstGeom>
+        </p:spPr>
+        <p:style>
+          <a:lnRef idx="2">
+            <a:schemeClr val="accent1">
+              <a:shade val="50000"/>
+            </a:schemeClr>
+          </a:lnRef>
+          <a:fillRef idx="1">
+            <a:schemeClr val="accent1"/>
+          </a:fillRef>
+          <a:effectRef idx="0">
+            <a:schemeClr val="accent1"/>
+          </a:effectRef>
+          <a:fontRef idx="minor">
+            <a:schemeClr val="lt1"/>
+          </a:fontRef>
+        </p:style>
+        <p:txBody>
+          <a:bodyPr rtlCol="0" anchor="ctr"/>
+          <a:lstStyle/>
+          <a:p>
+            <a:pPr algn="ctr"/>
+            <a:r>
+              <a:rPr lang="en-US" altLang="zh-CN" dirty="0"/>
+              <a:t>4</a:t>
+            </a:r>
+            <a:endParaRPr lang="zh-CN" altLang="en-US" dirty="0"/>
+          </a:p>
+        </p:txBody>
+      </p:sp>
+      <p:cxnSp>
+        <p:nvCxnSpPr>
+          <p:cNvPr id="66" name="直接连接符 65">
+            <a:extLst>
+              <a:ext uri="{FF2B5EF4-FFF2-40B4-BE49-F238E27FC236}">
+                <a16:creationId xmlns:a16="http://schemas.microsoft.com/office/drawing/2014/main" id="{7F479B5C-2028-453D-A0B1-3A894266E4D9}"/>
+              </a:ext>
+            </a:extLst>
+          </p:cNvPr>
+          <p:cNvCxnSpPr>
+            <a:cxnSpLocks/>
+            <a:endCxn id="65" idx="1"/>
+          </p:cNvCxnSpPr>
+          <p:nvPr/>
+        </p:nvCxnSpPr>
+        <p:spPr>
+          <a:xfrm>
+            <a:off x="5107314" y="4289859"/>
+            <a:ext cx="607594" cy="668192"/>
+          </a:xfrm>
+          <a:prstGeom prst="line">
+            <a:avLst/>
+          </a:prstGeom>
+          <a:ln w="38100"/>
+        </p:spPr>
+        <p:style>
+          <a:lnRef idx="1">
+            <a:schemeClr val="accent1"/>
+          </a:lnRef>
+          <a:fillRef idx="0">
+            <a:schemeClr val="accent1"/>
+          </a:fillRef>
+          <a:effectRef idx="0">
+            <a:schemeClr val="accent1"/>
+          </a:effectRef>
+          <a:fontRef idx="minor">
+            <a:schemeClr val="tx1"/>
+          </a:fontRef>
+        </p:style>
+      </p:cxnSp>
+      <p:sp>
+        <p:nvSpPr>
+          <p:cNvPr id="77" name="流程图: 接点 76">
+            <a:extLst>
+              <a:ext uri="{FF2B5EF4-FFF2-40B4-BE49-F238E27FC236}">
+                <a16:creationId xmlns:a16="http://schemas.microsoft.com/office/drawing/2014/main" id="{942088B4-4BFD-4415-84F8-8C75C50915C7}"/>
+              </a:ext>
+            </a:extLst>
+          </p:cNvPr>
+          <p:cNvSpPr/>
+          <p:nvPr/>
+        </p:nvSpPr>
+        <p:spPr>
+          <a:xfrm>
+            <a:off x="6548758" y="4819896"/>
+            <a:ext cx="753626" cy="663191"/>
+          </a:xfrm>
+          <a:prstGeom prst="flowChartConnector">
+            <a:avLst/>
+          </a:prstGeom>
+        </p:spPr>
+        <p:style>
+          <a:lnRef idx="2">
+            <a:schemeClr val="accent1">
+              <a:shade val="50000"/>
+            </a:schemeClr>
+          </a:lnRef>
+          <a:fillRef idx="1">
+            <a:schemeClr val="accent1"/>
+          </a:fillRef>
+          <a:effectRef idx="0">
+            <a:schemeClr val="accent1"/>
+          </a:effectRef>
+          <a:fontRef idx="minor">
+            <a:schemeClr val="lt1"/>
+          </a:fontRef>
+        </p:style>
+        <p:txBody>
+          <a:bodyPr rtlCol="0" anchor="ctr"/>
+          <a:lstStyle/>
+          <a:p>
+            <a:pPr algn="ctr"/>
+            <a:r>
+              <a:rPr lang="en-US" altLang="zh-CN" dirty="0"/>
+              <a:t>3</a:t>
+            </a:r>
+            <a:endParaRPr lang="zh-CN" altLang="en-US" dirty="0"/>
+          </a:p>
+        </p:txBody>
+      </p:sp>
+      <p:cxnSp>
+        <p:nvCxnSpPr>
+          <p:cNvPr id="83" name="直接连接符 82">
+            <a:extLst>
+              <a:ext uri="{FF2B5EF4-FFF2-40B4-BE49-F238E27FC236}">
+                <a16:creationId xmlns:a16="http://schemas.microsoft.com/office/drawing/2014/main" id="{C344C046-3C67-47D5-84C1-3306AD2C1DC9}"/>
+              </a:ext>
+            </a:extLst>
+          </p:cNvPr>
+          <p:cNvCxnSpPr>
+            <a:cxnSpLocks/>
+            <a:stCxn id="61" idx="3"/>
+            <a:endCxn id="77" idx="7"/>
+          </p:cNvCxnSpPr>
+          <p:nvPr/>
+        </p:nvCxnSpPr>
+        <p:spPr>
+          <a:xfrm flipH="1">
+            <a:off x="7192018" y="4386981"/>
+            <a:ext cx="366171" cy="530037"/>
+          </a:xfrm>
+          <a:prstGeom prst="line">
+            <a:avLst/>
+          </a:prstGeom>
+          <a:ln w="38100"/>
+        </p:spPr>
+        <p:style>
+          <a:lnRef idx="1">
+            <a:schemeClr val="accent1"/>
+          </a:lnRef>
+          <a:fillRef idx="0">
+            <a:schemeClr val="accent1"/>
+          </a:fillRef>
+          <a:effectRef idx="0">
+            <a:schemeClr val="accent1"/>
+          </a:effectRef>
+          <a:fontRef idx="minor">
+            <a:schemeClr val="tx1"/>
+          </a:fontRef>
+        </p:style>
+      </p:cxnSp>
+      <p:sp>
+        <p:nvSpPr>
+          <p:cNvPr id="4" name="文本框 3">
+            <a:extLst>
+              <a:ext uri="{FF2B5EF4-FFF2-40B4-BE49-F238E27FC236}">
+                <a16:creationId xmlns:a16="http://schemas.microsoft.com/office/drawing/2014/main" id="{DE9537AA-A331-47D6-8702-BB74F770906B}"/>
+              </a:ext>
+            </a:extLst>
+          </p:cNvPr>
+          <p:cNvSpPr txBox="1"/>
+          <p:nvPr/>
+        </p:nvSpPr>
+        <p:spPr>
+          <a:xfrm>
+            <a:off x="7192018" y="1408433"/>
+            <a:ext cx="3812262" cy="646331"/>
+          </a:xfrm>
+          <a:prstGeom prst="rect">
+            <a:avLst/>
+          </a:prstGeom>
+          <a:noFill/>
+        </p:spPr>
+        <p:txBody>
+          <a:bodyPr wrap="none" rtlCol="0">
+            <a:spAutoFit/>
+          </a:bodyPr>
+          <a:lstStyle/>
+          <a:p>
+            <a:r>
+              <a:rPr lang="en-US" altLang="zh-CN" dirty="0"/>
+              <a:t>3</a:t>
+            </a:r>
+            <a:r>
+              <a:rPr lang="zh-CN" altLang="en-US" dirty="0"/>
+              <a:t>、</a:t>
+            </a:r>
+            <a:r>
+              <a:rPr lang="en-US" altLang="zh-CN" dirty="0"/>
+              <a:t>8</a:t>
+            </a:r>
+            <a:r>
+              <a:rPr lang="zh-CN" altLang="en-US" dirty="0"/>
+              <a:t>互换之后，</a:t>
+            </a:r>
+            <a:r>
+              <a:rPr lang="en-US" altLang="zh-CN" dirty="0"/>
+              <a:t>8</a:t>
+            </a:r>
+            <a:r>
+              <a:rPr lang="zh-CN" altLang="en-US" dirty="0"/>
+              <a:t>断开，</a:t>
+            </a:r>
+            <a:r>
+              <a:rPr lang="en-US" altLang="zh-CN" dirty="0"/>
+              <a:t>size</a:t>
+            </a:r>
+            <a:r>
+              <a:rPr lang="zh-CN" altLang="en-US" dirty="0"/>
+              <a:t>变为</a:t>
+            </a:r>
+            <a:r>
+              <a:rPr lang="en-US" altLang="zh-CN" dirty="0"/>
+              <a:t>5</a:t>
+            </a:r>
+            <a:r>
+              <a:rPr lang="zh-CN" altLang="en-US" dirty="0"/>
+              <a:t>，</a:t>
+            </a:r>
+            <a:endParaRPr lang="en-US" altLang="zh-CN" dirty="0"/>
+          </a:p>
+          <a:p>
+            <a:r>
+              <a:rPr lang="zh-CN" altLang="en-US" dirty="0"/>
+              <a:t>开始大根堆定义条件</a:t>
+            </a:r>
+          </a:p>
+        </p:txBody>
+      </p:sp>
+      <p:sp>
+        <p:nvSpPr>
+          <p:cNvPr id="84" name="文本框 83">
+            <a:extLst>
+              <a:ext uri="{FF2B5EF4-FFF2-40B4-BE49-F238E27FC236}">
+                <a16:creationId xmlns:a16="http://schemas.microsoft.com/office/drawing/2014/main" id="{F62BA7E2-369B-4956-B060-EE72E1EA3EA6}"/>
+              </a:ext>
+            </a:extLst>
+          </p:cNvPr>
+          <p:cNvSpPr txBox="1"/>
+          <p:nvPr/>
+        </p:nvSpPr>
+        <p:spPr>
+          <a:xfrm>
+            <a:off x="7434094" y="2395998"/>
+            <a:ext cx="4592154" cy="369332"/>
+          </a:xfrm>
+          <a:prstGeom prst="rect">
+            <a:avLst/>
+          </a:prstGeom>
+          <a:noFill/>
+        </p:spPr>
+        <p:txBody>
+          <a:bodyPr wrap="square" rtlCol="0">
+            <a:spAutoFit/>
+          </a:bodyPr>
+          <a:lstStyle/>
+          <a:p>
+            <a:r>
+              <a:rPr lang="en-US" altLang="zh-CN" dirty="0"/>
+              <a:t>7&gt;5,</a:t>
+            </a:r>
+            <a:r>
+              <a:rPr lang="zh-CN" altLang="en-US" dirty="0"/>
+              <a:t>所以不用换</a:t>
+            </a:r>
+            <a:endParaRPr lang="zh-CN" altLang="en-US" b="1" dirty="0">
+              <a:solidFill>
+                <a:srgbClr val="FF0000"/>
+              </a:solidFill>
+            </a:endParaRPr>
+          </a:p>
+        </p:txBody>
+      </p:sp>
+      <p:sp>
+        <p:nvSpPr>
+          <p:cNvPr id="114" name="文本框 113">
+            <a:extLst>
+              <a:ext uri="{FF2B5EF4-FFF2-40B4-BE49-F238E27FC236}">
+                <a16:creationId xmlns:a16="http://schemas.microsoft.com/office/drawing/2014/main" id="{AF06585F-1CB8-4755-BBAB-27427513FE2E}"/>
+              </a:ext>
+            </a:extLst>
+          </p:cNvPr>
+          <p:cNvSpPr txBox="1"/>
+          <p:nvPr/>
+        </p:nvSpPr>
+        <p:spPr>
+          <a:xfrm>
+            <a:off x="600530" y="3840133"/>
+            <a:ext cx="2582619" cy="369332"/>
+          </a:xfrm>
+          <a:prstGeom prst="rect">
+            <a:avLst/>
+          </a:prstGeom>
+          <a:noFill/>
+        </p:spPr>
+        <p:txBody>
+          <a:bodyPr wrap="square" rtlCol="0">
+            <a:spAutoFit/>
+          </a:bodyPr>
+          <a:lstStyle/>
+          <a:p>
+            <a:r>
+              <a:rPr lang="en-US" altLang="zh-CN" dirty="0"/>
+              <a:t>6&gt;4,</a:t>
+            </a:r>
+            <a:r>
+              <a:rPr lang="zh-CN" altLang="en-US" dirty="0"/>
+              <a:t>不换</a:t>
+            </a:r>
+          </a:p>
+        </p:txBody>
+      </p:sp>
+      <p:sp>
+        <p:nvSpPr>
+          <p:cNvPr id="124" name="文本框 123">
+            <a:extLst>
+              <a:ext uri="{FF2B5EF4-FFF2-40B4-BE49-F238E27FC236}">
+                <a16:creationId xmlns:a16="http://schemas.microsoft.com/office/drawing/2014/main" id="{4DF0EFD4-D85B-40EB-B9E0-3C404FAC9B75}"/>
+              </a:ext>
+            </a:extLst>
+          </p:cNvPr>
+          <p:cNvSpPr txBox="1"/>
+          <p:nvPr/>
+        </p:nvSpPr>
+        <p:spPr>
+          <a:xfrm>
+            <a:off x="9451687" y="4091888"/>
+            <a:ext cx="2641600" cy="1077218"/>
+          </a:xfrm>
+          <a:prstGeom prst="rect">
+            <a:avLst/>
+          </a:prstGeom>
+          <a:noFill/>
+        </p:spPr>
+        <p:txBody>
+          <a:bodyPr wrap="square" rtlCol="0">
+            <a:spAutoFit/>
+          </a:bodyPr>
+          <a:lstStyle/>
+          <a:p>
+            <a:r>
+              <a:rPr lang="en-US" altLang="zh-CN" sz="3200" b="1" dirty="0" err="1">
+                <a:solidFill>
+                  <a:srgbClr val="FF0000"/>
+                </a:solidFill>
+              </a:rPr>
+              <a:t>shr</a:t>
+            </a:r>
+            <a:r>
+              <a:rPr lang="zh-CN" altLang="en-US" sz="3200" b="1" dirty="0">
+                <a:solidFill>
+                  <a:srgbClr val="FF0000"/>
+                </a:solidFill>
+              </a:rPr>
+              <a:t>自制，盗图必究</a:t>
+            </a:r>
+          </a:p>
+        </p:txBody>
+      </p:sp>
+      <p:sp>
+        <p:nvSpPr>
+          <p:cNvPr id="67" name="流程图: 接点 66">
+            <a:extLst>
+              <a:ext uri="{FF2B5EF4-FFF2-40B4-BE49-F238E27FC236}">
+                <a16:creationId xmlns:a16="http://schemas.microsoft.com/office/drawing/2014/main" id="{A8544157-C81D-49D8-BBC7-AD8748F29C96}"/>
+              </a:ext>
+            </a:extLst>
+          </p:cNvPr>
+          <p:cNvSpPr/>
+          <p:nvPr/>
+        </p:nvSpPr>
+        <p:spPr>
+          <a:xfrm>
+            <a:off x="4413822" y="294923"/>
+            <a:ext cx="753626" cy="663191"/>
+          </a:xfrm>
+          <a:prstGeom prst="flowChartConnector">
+            <a:avLst/>
+          </a:prstGeom>
+        </p:spPr>
+        <p:style>
+          <a:lnRef idx="2">
+            <a:schemeClr val="accent1">
+              <a:shade val="50000"/>
+            </a:schemeClr>
+          </a:lnRef>
+          <a:fillRef idx="1">
+            <a:schemeClr val="accent1"/>
+          </a:fillRef>
+          <a:effectRef idx="0">
+            <a:schemeClr val="accent1"/>
+          </a:effectRef>
+          <a:fontRef idx="minor">
+            <a:schemeClr val="lt1"/>
+          </a:fontRef>
+        </p:style>
+        <p:txBody>
+          <a:bodyPr rtlCol="0" anchor="ctr"/>
+          <a:lstStyle/>
+          <a:p>
+            <a:pPr algn="ctr"/>
+            <a:r>
+              <a:rPr lang="en-US" altLang="zh-CN" dirty="0"/>
+              <a:t>3</a:t>
+            </a:r>
+            <a:endParaRPr lang="zh-CN" altLang="en-US" dirty="0"/>
+          </a:p>
+        </p:txBody>
+      </p:sp>
+      <p:sp>
+        <p:nvSpPr>
+          <p:cNvPr id="68" name="文本框 67">
+            <a:extLst>
+              <a:ext uri="{FF2B5EF4-FFF2-40B4-BE49-F238E27FC236}">
+                <a16:creationId xmlns:a16="http://schemas.microsoft.com/office/drawing/2014/main" id="{5D0DE293-B0FA-4F36-8402-AF4205C434EF}"/>
+              </a:ext>
+            </a:extLst>
+          </p:cNvPr>
+          <p:cNvSpPr txBox="1"/>
+          <p:nvPr/>
+        </p:nvSpPr>
+        <p:spPr>
+          <a:xfrm>
+            <a:off x="5559849" y="187360"/>
+            <a:ext cx="1206711" cy="584775"/>
+          </a:xfrm>
+          <a:prstGeom prst="rect">
+            <a:avLst/>
+          </a:prstGeom>
+          <a:noFill/>
+        </p:spPr>
+        <p:txBody>
+          <a:bodyPr wrap="square" rtlCol="0">
+            <a:spAutoFit/>
+          </a:bodyPr>
+          <a:lstStyle/>
+          <a:p>
+            <a:r>
+              <a:rPr lang="en-US" altLang="zh-CN" sz="3200" b="1" dirty="0">
+                <a:solidFill>
+                  <a:srgbClr val="FF0000"/>
+                </a:solidFill>
+              </a:rPr>
+              <a:t>Size=</a:t>
+            </a:r>
+            <a:endParaRPr lang="zh-CN" altLang="en-US" sz="3200" b="1" dirty="0">
+              <a:solidFill>
+                <a:srgbClr val="FF0000"/>
+              </a:solidFill>
+            </a:endParaRPr>
+          </a:p>
+        </p:txBody>
+      </p:sp>
+      <p:sp>
+        <p:nvSpPr>
+          <p:cNvPr id="71" name="流程图: 接点 70">
+            <a:extLst>
+              <a:ext uri="{FF2B5EF4-FFF2-40B4-BE49-F238E27FC236}">
+                <a16:creationId xmlns:a16="http://schemas.microsoft.com/office/drawing/2014/main" id="{1CD88810-35A8-4BFF-A789-94B52036689A}"/>
+              </a:ext>
+            </a:extLst>
+          </p:cNvPr>
+          <p:cNvSpPr/>
+          <p:nvPr/>
+        </p:nvSpPr>
+        <p:spPr>
+          <a:xfrm>
+            <a:off x="6747746" y="153599"/>
+            <a:ext cx="753626" cy="663191"/>
+          </a:xfrm>
+          <a:prstGeom prst="flowChartConnector">
+            <a:avLst/>
+          </a:prstGeom>
+        </p:spPr>
+        <p:style>
+          <a:lnRef idx="2">
+            <a:schemeClr val="accent1">
+              <a:shade val="50000"/>
+            </a:schemeClr>
+          </a:lnRef>
+          <a:fillRef idx="1">
+            <a:schemeClr val="accent1"/>
+          </a:fillRef>
+          <a:effectRef idx="0">
+            <a:schemeClr val="accent1"/>
+          </a:effectRef>
+          <a:fontRef idx="minor">
+            <a:schemeClr val="lt1"/>
+          </a:fontRef>
+        </p:style>
+        <p:txBody>
+          <a:bodyPr rtlCol="0" anchor="ctr"/>
+          <a:lstStyle/>
+          <a:p>
+            <a:pPr algn="ctr"/>
+            <a:r>
+              <a:rPr lang="en-US" altLang="zh-CN" dirty="0"/>
+              <a:t>6</a:t>
+            </a:r>
+            <a:endParaRPr lang="zh-CN" altLang="en-US" dirty="0"/>
+          </a:p>
+        </p:txBody>
+      </p:sp>
+      <p:sp>
+        <p:nvSpPr>
+          <p:cNvPr id="72" name="文本框 71">
+            <a:extLst>
+              <a:ext uri="{FF2B5EF4-FFF2-40B4-BE49-F238E27FC236}">
+                <a16:creationId xmlns:a16="http://schemas.microsoft.com/office/drawing/2014/main" id="{9B0AC4CC-437B-474A-9CEE-3BF8361F1BDC}"/>
+              </a:ext>
+            </a:extLst>
+          </p:cNvPr>
+          <p:cNvSpPr txBox="1"/>
+          <p:nvPr/>
+        </p:nvSpPr>
+        <p:spPr>
+          <a:xfrm>
+            <a:off x="1626758" y="1734857"/>
+            <a:ext cx="2641600" cy="584775"/>
+          </a:xfrm>
+          <a:prstGeom prst="rect">
+            <a:avLst/>
+          </a:prstGeom>
+          <a:noFill/>
+        </p:spPr>
+        <p:txBody>
+          <a:bodyPr wrap="square" rtlCol="0">
+            <a:spAutoFit/>
+          </a:bodyPr>
+          <a:lstStyle/>
+          <a:p>
+            <a:r>
+              <a:rPr lang="en-US" altLang="zh-CN" sz="3200" b="1" dirty="0">
+                <a:solidFill>
+                  <a:srgbClr val="FF0000"/>
+                </a:solidFill>
+              </a:rPr>
+              <a:t>3</a:t>
+            </a:r>
+            <a:r>
+              <a:rPr lang="zh-CN" altLang="en-US" sz="3200" b="1" dirty="0">
+                <a:solidFill>
+                  <a:srgbClr val="FF0000"/>
+                </a:solidFill>
+              </a:rPr>
+              <a:t>、</a:t>
+            </a:r>
+            <a:r>
+              <a:rPr lang="en-US" altLang="zh-CN" sz="3200" b="1" dirty="0">
+                <a:solidFill>
+                  <a:srgbClr val="FF0000"/>
+                </a:solidFill>
+              </a:rPr>
+              <a:t>8</a:t>
+            </a:r>
+            <a:r>
+              <a:rPr lang="zh-CN" altLang="en-US" sz="3200" b="1" dirty="0">
+                <a:solidFill>
+                  <a:srgbClr val="FF0000"/>
+                </a:solidFill>
+              </a:rPr>
+              <a:t>互换</a:t>
+            </a:r>
+          </a:p>
+        </p:txBody>
+      </p:sp>
+      <p:sp>
+        <p:nvSpPr>
+          <p:cNvPr id="8" name="箭头: 上弧形 7">
+            <a:extLst>
+              <a:ext uri="{FF2B5EF4-FFF2-40B4-BE49-F238E27FC236}">
+                <a16:creationId xmlns:a16="http://schemas.microsoft.com/office/drawing/2014/main" id="{3FA96AE8-158E-47AC-9D28-E2B8203B064A}"/>
+              </a:ext>
+            </a:extLst>
+          </p:cNvPr>
+          <p:cNvSpPr/>
+          <p:nvPr/>
+        </p:nvSpPr>
+        <p:spPr>
+          <a:xfrm rot="10800000">
+            <a:off x="507830" y="1053812"/>
+            <a:ext cx="4224507" cy="687490"/>
+          </a:xfrm>
+          <a:prstGeom prst="curvedDownArrow">
+            <a:avLst/>
+          </a:prstGeom>
+        </p:spPr>
+        <p:style>
+          <a:lnRef idx="2">
+            <a:schemeClr val="accent1">
+              <a:shade val="50000"/>
+            </a:schemeClr>
+          </a:lnRef>
+          <a:fillRef idx="1">
+            <a:schemeClr val="accent1"/>
+          </a:fillRef>
+          <a:effectRef idx="0">
+            <a:schemeClr val="accent1"/>
+          </a:effectRef>
+          <a:fontRef idx="minor">
+            <a:schemeClr val="lt1"/>
+          </a:fontRef>
+        </p:style>
+        <p:txBody>
+          <a:bodyPr rtlCol="0" anchor="ctr"/>
+          <a:lstStyle/>
+          <a:p>
+            <a:pPr algn="ctr"/>
+            <a:endParaRPr lang="zh-CN" altLang="en-US">
+              <a:solidFill>
+                <a:schemeClr val="tx1"/>
+              </a:solidFill>
+            </a:endParaRPr>
+          </a:p>
+        </p:txBody>
+      </p:sp>
+      <p:sp>
+        <p:nvSpPr>
+          <p:cNvPr id="73" name="流程图: 接点 72">
+            <a:extLst>
+              <a:ext uri="{FF2B5EF4-FFF2-40B4-BE49-F238E27FC236}">
+                <a16:creationId xmlns:a16="http://schemas.microsoft.com/office/drawing/2014/main" id="{645FB69B-61C0-42EB-A7F5-F35529F8BCFD}"/>
+              </a:ext>
+            </a:extLst>
+          </p:cNvPr>
+          <p:cNvSpPr/>
+          <p:nvPr/>
+        </p:nvSpPr>
+        <p:spPr>
+          <a:xfrm>
+            <a:off x="293525" y="294923"/>
+            <a:ext cx="753626" cy="663191"/>
+          </a:xfrm>
+          <a:prstGeom prst="flowChartConnector">
+            <a:avLst/>
+          </a:prstGeom>
+        </p:spPr>
+        <p:style>
+          <a:lnRef idx="2">
+            <a:schemeClr val="accent1">
+              <a:shade val="50000"/>
+            </a:schemeClr>
+          </a:lnRef>
+          <a:fillRef idx="1">
+            <a:schemeClr val="accent1"/>
+          </a:fillRef>
+          <a:effectRef idx="0">
+            <a:schemeClr val="accent1"/>
+          </a:effectRef>
+          <a:fontRef idx="minor">
+            <a:schemeClr val="lt1"/>
+          </a:fontRef>
+        </p:style>
+        <p:txBody>
+          <a:bodyPr rtlCol="0" anchor="ctr"/>
+          <a:lstStyle/>
+          <a:p>
+            <a:pPr algn="ctr"/>
+            <a:r>
+              <a:rPr lang="en-US" altLang="zh-CN" dirty="0"/>
+              <a:t>3</a:t>
+            </a:r>
+            <a:endParaRPr lang="zh-CN" altLang="en-US" dirty="0"/>
+          </a:p>
+        </p:txBody>
+      </p:sp>
+      <p:sp>
+        <p:nvSpPr>
+          <p:cNvPr id="74" name="流程图: 接点 73">
+            <a:extLst>
+              <a:ext uri="{FF2B5EF4-FFF2-40B4-BE49-F238E27FC236}">
+                <a16:creationId xmlns:a16="http://schemas.microsoft.com/office/drawing/2014/main" id="{DAD66AE7-A84B-457A-9A50-303635688EFA}"/>
+              </a:ext>
+            </a:extLst>
+          </p:cNvPr>
+          <p:cNvSpPr/>
+          <p:nvPr/>
+        </p:nvSpPr>
+        <p:spPr>
+          <a:xfrm>
+            <a:off x="4407159" y="309549"/>
+            <a:ext cx="753626" cy="663191"/>
+          </a:xfrm>
+          <a:prstGeom prst="flowChartConnector">
+            <a:avLst/>
+          </a:prstGeom>
+        </p:spPr>
+        <p:style>
+          <a:lnRef idx="2">
+            <a:schemeClr val="accent1">
+              <a:shade val="50000"/>
+            </a:schemeClr>
+          </a:lnRef>
+          <a:fillRef idx="1">
+            <a:schemeClr val="accent1"/>
+          </a:fillRef>
+          <a:effectRef idx="0">
+            <a:schemeClr val="accent1"/>
+          </a:effectRef>
+          <a:fontRef idx="minor">
+            <a:schemeClr val="lt1"/>
+          </a:fontRef>
+        </p:style>
+        <p:txBody>
+          <a:bodyPr rtlCol="0" anchor="ctr"/>
+          <a:lstStyle/>
+          <a:p>
+            <a:pPr algn="ctr"/>
+            <a:r>
+              <a:rPr lang="en-US" altLang="zh-CN" dirty="0"/>
+              <a:t>8</a:t>
+            </a:r>
+            <a:endParaRPr lang="zh-CN" altLang="en-US" dirty="0"/>
+          </a:p>
+        </p:txBody>
+      </p:sp>
+      <p:sp>
+        <p:nvSpPr>
+          <p:cNvPr id="75" name="流程图: 接点 74">
+            <a:extLst>
+              <a:ext uri="{FF2B5EF4-FFF2-40B4-BE49-F238E27FC236}">
+                <a16:creationId xmlns:a16="http://schemas.microsoft.com/office/drawing/2014/main" id="{27E95E64-3C00-4618-8155-9FF6F529E373}"/>
+              </a:ext>
+            </a:extLst>
+          </p:cNvPr>
+          <p:cNvSpPr/>
+          <p:nvPr/>
+        </p:nvSpPr>
+        <p:spPr>
+          <a:xfrm>
+            <a:off x="5704434" y="2584020"/>
+            <a:ext cx="753626" cy="663191"/>
+          </a:xfrm>
+          <a:prstGeom prst="flowChartConnector">
+            <a:avLst/>
+          </a:prstGeom>
+        </p:spPr>
+        <p:style>
+          <a:lnRef idx="2">
+            <a:schemeClr val="accent1">
+              <a:shade val="50000"/>
+            </a:schemeClr>
+          </a:lnRef>
+          <a:fillRef idx="1">
+            <a:schemeClr val="accent1"/>
+          </a:fillRef>
+          <a:effectRef idx="0">
+            <a:schemeClr val="accent1"/>
+          </a:effectRef>
+          <a:fontRef idx="minor">
+            <a:schemeClr val="lt1"/>
+          </a:fontRef>
+        </p:style>
+        <p:txBody>
+          <a:bodyPr rtlCol="0" anchor="ctr"/>
+          <a:lstStyle/>
+          <a:p>
+            <a:pPr algn="ctr"/>
+            <a:r>
+              <a:rPr lang="en-US" altLang="zh-CN" dirty="0"/>
+              <a:t>3</a:t>
+            </a:r>
+            <a:endParaRPr lang="zh-CN" altLang="en-US" dirty="0"/>
+          </a:p>
+        </p:txBody>
+      </p:sp>
+      <p:sp>
+        <p:nvSpPr>
+          <p:cNvPr id="76" name="流程图: 接点 75">
+            <a:extLst>
+              <a:ext uri="{FF2B5EF4-FFF2-40B4-BE49-F238E27FC236}">
+                <a16:creationId xmlns:a16="http://schemas.microsoft.com/office/drawing/2014/main" id="{F0B7A222-DFE7-4CF3-BD80-FDA9C2F0FBD9}"/>
+              </a:ext>
+            </a:extLst>
+          </p:cNvPr>
+          <p:cNvSpPr/>
+          <p:nvPr/>
+        </p:nvSpPr>
+        <p:spPr>
+          <a:xfrm>
+            <a:off x="6747746" y="146511"/>
+            <a:ext cx="753626" cy="663191"/>
+          </a:xfrm>
+          <a:prstGeom prst="flowChartConnector">
+            <a:avLst/>
+          </a:prstGeom>
+        </p:spPr>
+        <p:style>
+          <a:lnRef idx="2">
+            <a:schemeClr val="accent1">
+              <a:shade val="50000"/>
+            </a:schemeClr>
+          </a:lnRef>
+          <a:fillRef idx="1">
+            <a:schemeClr val="accent1"/>
+          </a:fillRef>
+          <a:effectRef idx="0">
+            <a:schemeClr val="accent1"/>
+          </a:effectRef>
+          <a:fontRef idx="minor">
+            <a:schemeClr val="lt1"/>
+          </a:fontRef>
+        </p:style>
+        <p:txBody>
+          <a:bodyPr rtlCol="0" anchor="ctr"/>
+          <a:lstStyle/>
+          <a:p>
+            <a:pPr algn="ctr"/>
+            <a:r>
+              <a:rPr lang="en-US" altLang="zh-CN" dirty="0"/>
+              <a:t>5</a:t>
+            </a:r>
+            <a:endParaRPr lang="zh-CN" altLang="en-US" dirty="0"/>
+          </a:p>
+        </p:txBody>
+      </p:sp>
+      <p:sp>
+        <p:nvSpPr>
+          <p:cNvPr id="79" name="椭圆 78">
+            <a:extLst>
+              <a:ext uri="{FF2B5EF4-FFF2-40B4-BE49-F238E27FC236}">
+                <a16:creationId xmlns:a16="http://schemas.microsoft.com/office/drawing/2014/main" id="{D7E26E63-296B-43F6-BD1D-20848C8086B0}"/>
+              </a:ext>
+            </a:extLst>
+          </p:cNvPr>
+          <p:cNvSpPr/>
+          <p:nvPr/>
+        </p:nvSpPr>
+        <p:spPr>
+          <a:xfrm rot="16200000">
+            <a:off x="5839736" y="1649579"/>
+            <a:ext cx="1015916" cy="4944617"/>
+          </a:xfrm>
+          <a:prstGeom prst="ellipse">
+            <a:avLst/>
+          </a:prstGeom>
+          <a:noFill/>
+          <a:ln w="38100">
+            <a:prstDash val="dash"/>
+          </a:ln>
+        </p:spPr>
+        <p:style>
+          <a:lnRef idx="2">
+            <a:schemeClr val="accent1">
+              <a:shade val="50000"/>
+            </a:schemeClr>
+          </a:lnRef>
+          <a:fillRef idx="1">
+            <a:schemeClr val="accent1"/>
+          </a:fillRef>
+          <a:effectRef idx="0">
+            <a:schemeClr val="accent1"/>
+          </a:effectRef>
+          <a:fontRef idx="minor">
+            <a:schemeClr val="lt1"/>
+          </a:fontRef>
+        </p:style>
+        <p:txBody>
+          <a:bodyPr rtlCol="0" anchor="ctr"/>
+          <a:lstStyle/>
+          <a:p>
+            <a:pPr algn="ctr"/>
+            <a:endParaRPr lang="zh-CN" altLang="en-US"/>
+          </a:p>
+        </p:txBody>
+      </p:sp>
+      <p:sp>
+        <p:nvSpPr>
+          <p:cNvPr id="80" name="文本框 79">
+            <a:extLst>
+              <a:ext uri="{FF2B5EF4-FFF2-40B4-BE49-F238E27FC236}">
+                <a16:creationId xmlns:a16="http://schemas.microsoft.com/office/drawing/2014/main" id="{67816AB4-064C-4907-B1FB-2EFC804458D3}"/>
+              </a:ext>
+            </a:extLst>
+          </p:cNvPr>
+          <p:cNvSpPr txBox="1"/>
+          <p:nvPr/>
+        </p:nvSpPr>
+        <p:spPr>
+          <a:xfrm>
+            <a:off x="528207" y="2355213"/>
+            <a:ext cx="4592154" cy="923330"/>
+          </a:xfrm>
+          <a:prstGeom prst="rect">
+            <a:avLst/>
+          </a:prstGeom>
+          <a:noFill/>
+        </p:spPr>
+        <p:txBody>
+          <a:bodyPr wrap="square" rtlCol="0">
+            <a:spAutoFit/>
+          </a:bodyPr>
+          <a:lstStyle/>
+          <a:p>
+            <a:r>
+              <a:rPr lang="zh-CN" altLang="en-US" dirty="0"/>
+              <a:t>先比较，两个孩子，哪个大</a:t>
+            </a:r>
+            <a:endParaRPr lang="en-US" altLang="zh-CN" dirty="0"/>
+          </a:p>
+          <a:p>
+            <a:r>
+              <a:rPr lang="zh-CN" altLang="en-US" dirty="0"/>
+              <a:t>（因为你迟早要三个比较），在进行父节点比较，比较完之后，</a:t>
+            </a:r>
+            <a:r>
+              <a:rPr lang="zh-CN" altLang="en-US" b="1" dirty="0">
+                <a:solidFill>
+                  <a:srgbClr val="FF0000"/>
+                </a:solidFill>
+              </a:rPr>
+              <a:t>互换</a:t>
+            </a:r>
+          </a:p>
+        </p:txBody>
+      </p:sp>
+      <p:sp>
+        <p:nvSpPr>
+          <p:cNvPr id="81" name="椭圆 80">
+            <a:extLst>
+              <a:ext uri="{FF2B5EF4-FFF2-40B4-BE49-F238E27FC236}">
+                <a16:creationId xmlns:a16="http://schemas.microsoft.com/office/drawing/2014/main" id="{31240BA5-3728-4BA9-8B17-4115F18B3B5B}"/>
+              </a:ext>
+            </a:extLst>
+          </p:cNvPr>
+          <p:cNvSpPr/>
+          <p:nvPr/>
+        </p:nvSpPr>
+        <p:spPr>
+          <a:xfrm rot="2838213">
+            <a:off x="4729360" y="1960883"/>
+            <a:ext cx="1521554" cy="3198407"/>
+          </a:xfrm>
+          <a:prstGeom prst="ellipse">
+            <a:avLst/>
+          </a:prstGeom>
+          <a:noFill/>
+          <a:ln w="38100">
+            <a:prstDash val="dash"/>
+          </a:ln>
+        </p:spPr>
+        <p:style>
+          <a:lnRef idx="2">
+            <a:schemeClr val="accent1">
+              <a:shade val="50000"/>
+            </a:schemeClr>
+          </a:lnRef>
+          <a:fillRef idx="1">
+            <a:schemeClr val="accent1"/>
+          </a:fillRef>
+          <a:effectRef idx="0">
+            <a:schemeClr val="accent1"/>
+          </a:effectRef>
+          <a:fontRef idx="minor">
+            <a:schemeClr val="lt1"/>
+          </a:fontRef>
+        </p:style>
+        <p:txBody>
+          <a:bodyPr rtlCol="0" anchor="ctr"/>
+          <a:lstStyle/>
+          <a:p>
+            <a:pPr algn="ctr"/>
+            <a:endParaRPr lang="zh-CN" altLang="en-US"/>
+          </a:p>
+        </p:txBody>
+      </p:sp>
+      <p:sp>
+        <p:nvSpPr>
+          <p:cNvPr id="82" name="文本框 81">
+            <a:extLst>
+              <a:ext uri="{FF2B5EF4-FFF2-40B4-BE49-F238E27FC236}">
+                <a16:creationId xmlns:a16="http://schemas.microsoft.com/office/drawing/2014/main" id="{276EFFB2-1423-4962-8EFF-013F8539F44A}"/>
+              </a:ext>
+            </a:extLst>
+          </p:cNvPr>
+          <p:cNvSpPr txBox="1"/>
+          <p:nvPr/>
+        </p:nvSpPr>
+        <p:spPr>
+          <a:xfrm>
+            <a:off x="7375103" y="2885511"/>
+            <a:ext cx="4592154" cy="369332"/>
+          </a:xfrm>
+          <a:prstGeom prst="rect">
+            <a:avLst/>
+          </a:prstGeom>
+          <a:noFill/>
+        </p:spPr>
+        <p:txBody>
+          <a:bodyPr wrap="square" rtlCol="0">
+            <a:spAutoFit/>
+          </a:bodyPr>
+          <a:lstStyle/>
+          <a:p>
+            <a:r>
+              <a:rPr lang="en-US" altLang="zh-CN" dirty="0"/>
+              <a:t>3&lt;7,</a:t>
+            </a:r>
+            <a:r>
+              <a:rPr lang="zh-CN" altLang="en-US" dirty="0"/>
+              <a:t>换</a:t>
+            </a:r>
+            <a:endParaRPr lang="zh-CN" altLang="en-US" b="1" dirty="0">
+              <a:solidFill>
+                <a:srgbClr val="FF0000"/>
+              </a:solidFill>
+            </a:endParaRPr>
+          </a:p>
+        </p:txBody>
+      </p:sp>
+      <p:sp>
+        <p:nvSpPr>
+          <p:cNvPr id="125" name="流程图: 接点 124">
+            <a:extLst>
+              <a:ext uri="{FF2B5EF4-FFF2-40B4-BE49-F238E27FC236}">
+                <a16:creationId xmlns:a16="http://schemas.microsoft.com/office/drawing/2014/main" id="{48F46233-E999-4DBC-9CB8-E6B69FFC8C7D}"/>
+              </a:ext>
+            </a:extLst>
+          </p:cNvPr>
+          <p:cNvSpPr/>
+          <p:nvPr/>
+        </p:nvSpPr>
+        <p:spPr>
+          <a:xfrm>
+            <a:off x="4442531" y="3736471"/>
+            <a:ext cx="753626" cy="663191"/>
+          </a:xfrm>
+          <a:prstGeom prst="flowChartConnector">
+            <a:avLst/>
+          </a:prstGeom>
+        </p:spPr>
+        <p:style>
+          <a:lnRef idx="2">
+            <a:schemeClr val="accent1">
+              <a:shade val="50000"/>
+            </a:schemeClr>
+          </a:lnRef>
+          <a:fillRef idx="1">
+            <a:schemeClr val="accent1"/>
+          </a:fillRef>
+          <a:effectRef idx="0">
+            <a:schemeClr val="accent1"/>
+          </a:effectRef>
+          <a:fontRef idx="minor">
+            <a:schemeClr val="lt1"/>
+          </a:fontRef>
+        </p:style>
+        <p:txBody>
+          <a:bodyPr rtlCol="0" anchor="ctr"/>
+          <a:lstStyle/>
+          <a:p>
+            <a:pPr algn="ctr"/>
+            <a:r>
+              <a:rPr lang="en-US" altLang="zh-CN" dirty="0"/>
+              <a:t>3</a:t>
+            </a:r>
+            <a:endParaRPr lang="zh-CN" altLang="en-US" dirty="0"/>
+          </a:p>
+        </p:txBody>
+      </p:sp>
+      <p:sp>
+        <p:nvSpPr>
+          <p:cNvPr id="126" name="流程图: 接点 125">
+            <a:extLst>
+              <a:ext uri="{FF2B5EF4-FFF2-40B4-BE49-F238E27FC236}">
+                <a16:creationId xmlns:a16="http://schemas.microsoft.com/office/drawing/2014/main" id="{ADAEB3AC-4139-467D-A00B-ABE612C73DBB}"/>
+              </a:ext>
+            </a:extLst>
+          </p:cNvPr>
+          <p:cNvSpPr/>
+          <p:nvPr/>
+        </p:nvSpPr>
+        <p:spPr>
+          <a:xfrm>
+            <a:off x="5730733" y="2570521"/>
+            <a:ext cx="753626" cy="663191"/>
+          </a:xfrm>
+          <a:prstGeom prst="flowChartConnector">
+            <a:avLst/>
+          </a:prstGeom>
+        </p:spPr>
+        <p:style>
+          <a:lnRef idx="2">
+            <a:schemeClr val="accent1">
+              <a:shade val="50000"/>
+            </a:schemeClr>
+          </a:lnRef>
+          <a:fillRef idx="1">
+            <a:schemeClr val="accent1"/>
+          </a:fillRef>
+          <a:effectRef idx="0">
+            <a:schemeClr val="accent1"/>
+          </a:effectRef>
+          <a:fontRef idx="minor">
+            <a:schemeClr val="lt1"/>
+          </a:fontRef>
+        </p:style>
+        <p:txBody>
+          <a:bodyPr rtlCol="0" anchor="ctr"/>
+          <a:lstStyle/>
+          <a:p>
+            <a:pPr algn="ctr"/>
+            <a:r>
+              <a:rPr lang="en-US" altLang="zh-CN" dirty="0"/>
+              <a:t>7</a:t>
+            </a:r>
+            <a:endParaRPr lang="zh-CN" altLang="en-US" dirty="0"/>
+          </a:p>
+        </p:txBody>
+      </p:sp>
+      <p:sp>
+        <p:nvSpPr>
+          <p:cNvPr id="127" name="椭圆 126">
+            <a:extLst>
+              <a:ext uri="{FF2B5EF4-FFF2-40B4-BE49-F238E27FC236}">
+                <a16:creationId xmlns:a16="http://schemas.microsoft.com/office/drawing/2014/main" id="{AAE7CA8C-FA9E-426C-86D8-8F691C53523D}"/>
+              </a:ext>
+            </a:extLst>
+          </p:cNvPr>
+          <p:cNvSpPr/>
+          <p:nvPr/>
+        </p:nvSpPr>
+        <p:spPr>
+          <a:xfrm rot="16200000">
+            <a:off x="4188638" y="3316941"/>
+            <a:ext cx="1015916" cy="3704330"/>
+          </a:xfrm>
+          <a:prstGeom prst="ellipse">
+            <a:avLst/>
+          </a:prstGeom>
+          <a:noFill/>
+          <a:ln w="38100">
+            <a:solidFill>
+              <a:srgbClr val="FF0000"/>
+            </a:solidFill>
+            <a:prstDash val="dash"/>
+          </a:ln>
+        </p:spPr>
+        <p:style>
+          <a:lnRef idx="2">
+            <a:schemeClr val="accent1">
+              <a:shade val="50000"/>
+            </a:schemeClr>
+          </a:lnRef>
+          <a:fillRef idx="1">
+            <a:schemeClr val="accent1"/>
+          </a:fillRef>
+          <a:effectRef idx="0">
+            <a:schemeClr val="accent1"/>
+          </a:effectRef>
+          <a:fontRef idx="minor">
+            <a:schemeClr val="lt1"/>
+          </a:fontRef>
+        </p:style>
+        <p:txBody>
+          <a:bodyPr rtlCol="0" anchor="ctr"/>
+          <a:lstStyle/>
+          <a:p>
+            <a:pPr algn="ctr"/>
+            <a:endParaRPr lang="zh-CN" altLang="en-US"/>
+          </a:p>
+        </p:txBody>
+      </p:sp>
+      <p:sp>
+        <p:nvSpPr>
+          <p:cNvPr id="128" name="椭圆 127">
+            <a:extLst>
+              <a:ext uri="{FF2B5EF4-FFF2-40B4-BE49-F238E27FC236}">
+                <a16:creationId xmlns:a16="http://schemas.microsoft.com/office/drawing/2014/main" id="{54689C8D-63D7-44DC-BC3A-D20EA5BDAF69}"/>
+              </a:ext>
+            </a:extLst>
+          </p:cNvPr>
+          <p:cNvSpPr/>
+          <p:nvPr/>
+        </p:nvSpPr>
+        <p:spPr>
+          <a:xfrm rot="3300805">
+            <a:off x="3637544" y="2730758"/>
+            <a:ext cx="1015916" cy="3704330"/>
+          </a:xfrm>
+          <a:prstGeom prst="ellipse">
+            <a:avLst/>
+          </a:prstGeom>
+          <a:noFill/>
+          <a:ln w="38100">
+            <a:solidFill>
+              <a:srgbClr val="00B050"/>
+            </a:solidFill>
+            <a:prstDash val="dash"/>
+          </a:ln>
+        </p:spPr>
+        <p:style>
+          <a:lnRef idx="2">
+            <a:schemeClr val="accent1">
+              <a:shade val="50000"/>
+            </a:schemeClr>
+          </a:lnRef>
+          <a:fillRef idx="1">
+            <a:schemeClr val="accent1"/>
+          </a:fillRef>
+          <a:effectRef idx="0">
+            <a:schemeClr val="accent1"/>
+          </a:effectRef>
+          <a:fontRef idx="minor">
+            <a:schemeClr val="lt1"/>
+          </a:fontRef>
+        </p:style>
+        <p:txBody>
+          <a:bodyPr rtlCol="0" anchor="ctr"/>
+          <a:lstStyle/>
+          <a:p>
+            <a:pPr algn="ctr"/>
+            <a:endParaRPr lang="zh-CN" altLang="en-US"/>
+          </a:p>
+        </p:txBody>
+      </p:sp>
+      <p:sp>
+        <p:nvSpPr>
+          <p:cNvPr id="129" name="文本框 128">
+            <a:extLst>
+              <a:ext uri="{FF2B5EF4-FFF2-40B4-BE49-F238E27FC236}">
+                <a16:creationId xmlns:a16="http://schemas.microsoft.com/office/drawing/2014/main" id="{200B7A23-5A8A-4B06-AEAD-3D3180D1501C}"/>
+              </a:ext>
+            </a:extLst>
+          </p:cNvPr>
+          <p:cNvSpPr txBox="1"/>
+          <p:nvPr/>
+        </p:nvSpPr>
+        <p:spPr>
+          <a:xfrm>
+            <a:off x="590749" y="4299437"/>
+            <a:ext cx="2582619" cy="369332"/>
+          </a:xfrm>
+          <a:prstGeom prst="rect">
+            <a:avLst/>
+          </a:prstGeom>
+          <a:noFill/>
+        </p:spPr>
+        <p:txBody>
+          <a:bodyPr wrap="square" rtlCol="0">
+            <a:spAutoFit/>
+          </a:bodyPr>
+          <a:lstStyle/>
+          <a:p>
+            <a:r>
+              <a:rPr lang="en-US" altLang="zh-CN" dirty="0"/>
+              <a:t>3&lt;6,</a:t>
+            </a:r>
+            <a:r>
+              <a:rPr lang="zh-CN" altLang="en-US" dirty="0"/>
+              <a:t>换</a:t>
+            </a:r>
+          </a:p>
+        </p:txBody>
+      </p:sp>
+      <p:sp>
+        <p:nvSpPr>
+          <p:cNvPr id="130" name="流程图: 接点 129">
+            <a:extLst>
+              <a:ext uri="{FF2B5EF4-FFF2-40B4-BE49-F238E27FC236}">
+                <a16:creationId xmlns:a16="http://schemas.microsoft.com/office/drawing/2014/main" id="{F0D0214D-9F9C-4704-ACDD-9F8F89091ACA}"/>
+              </a:ext>
+            </a:extLst>
+          </p:cNvPr>
+          <p:cNvSpPr/>
+          <p:nvPr/>
+        </p:nvSpPr>
+        <p:spPr>
+          <a:xfrm>
+            <a:off x="3274085" y="4806163"/>
+            <a:ext cx="753626" cy="663191"/>
+          </a:xfrm>
+          <a:prstGeom prst="flowChartConnector">
+            <a:avLst/>
+          </a:prstGeom>
+        </p:spPr>
+        <p:style>
+          <a:lnRef idx="2">
+            <a:schemeClr val="accent1">
+              <a:shade val="50000"/>
+            </a:schemeClr>
+          </a:lnRef>
+          <a:fillRef idx="1">
+            <a:schemeClr val="accent1"/>
+          </a:fillRef>
+          <a:effectRef idx="0">
+            <a:schemeClr val="accent1"/>
+          </a:effectRef>
+          <a:fontRef idx="minor">
+            <a:schemeClr val="lt1"/>
+          </a:fontRef>
+        </p:style>
+        <p:txBody>
+          <a:bodyPr rtlCol="0" anchor="ctr"/>
+          <a:lstStyle/>
+          <a:p>
+            <a:pPr algn="ctr"/>
+            <a:r>
+              <a:rPr lang="en-US" altLang="zh-CN" dirty="0"/>
+              <a:t>3</a:t>
+            </a:r>
+            <a:endParaRPr lang="zh-CN" altLang="en-US" dirty="0"/>
+          </a:p>
+        </p:txBody>
+      </p:sp>
+      <p:sp>
+        <p:nvSpPr>
+          <p:cNvPr id="131" name="流程图: 接点 130">
+            <a:extLst>
+              <a:ext uri="{FF2B5EF4-FFF2-40B4-BE49-F238E27FC236}">
+                <a16:creationId xmlns:a16="http://schemas.microsoft.com/office/drawing/2014/main" id="{7D0003B6-B987-4667-9BBC-897C9059EF59}"/>
+              </a:ext>
+            </a:extLst>
+          </p:cNvPr>
+          <p:cNvSpPr/>
+          <p:nvPr/>
+        </p:nvSpPr>
+        <p:spPr>
+          <a:xfrm>
+            <a:off x="4477783" y="3732238"/>
+            <a:ext cx="753626" cy="663191"/>
+          </a:xfrm>
+          <a:prstGeom prst="flowChartConnector">
+            <a:avLst/>
+          </a:prstGeom>
+        </p:spPr>
+        <p:style>
+          <a:lnRef idx="2">
+            <a:schemeClr val="accent1">
+              <a:shade val="50000"/>
+            </a:schemeClr>
+          </a:lnRef>
+          <a:fillRef idx="1">
+            <a:schemeClr val="accent1"/>
+          </a:fillRef>
+          <a:effectRef idx="0">
+            <a:schemeClr val="accent1"/>
+          </a:effectRef>
+          <a:fontRef idx="minor">
+            <a:schemeClr val="lt1"/>
+          </a:fontRef>
+        </p:style>
+        <p:txBody>
+          <a:bodyPr rtlCol="0" anchor="ctr"/>
+          <a:lstStyle/>
+          <a:p>
+            <a:pPr algn="ctr"/>
+            <a:r>
+              <a:rPr lang="en-US" altLang="zh-CN" dirty="0"/>
+              <a:t>6</a:t>
+            </a:r>
+            <a:endParaRPr lang="zh-CN" altLang="en-US" dirty="0"/>
+          </a:p>
+        </p:txBody>
+      </p:sp>
+    </p:spTree>
+    <p:extLst>
+      <p:ext uri="{BB962C8B-B14F-4D97-AF65-F5344CB8AC3E}">
+        <p14:creationId xmlns:p14="http://schemas.microsoft.com/office/powerpoint/2010/main" val="4152648350"/>
+      </p:ext>
+    </p:extLst>
+  </p:cSld>
+  <p:clrMapOvr>
+    <a:masterClrMapping/>
+  </p:clrMapOvr>
+  <p:timing>
+    <p:tnLst>
+      <p:par>
+        <p:cTn id="1" dur="indefinite" restart="never" nodeType="tmRoot">
+          <p:childTnLst>
+            <p:seq concurrent="1" nextAc="seek">
+              <p:cTn id="2" dur="indefinite" nodeType="mainSeq">
+                <p:childTnLst>
+                  <p:par>
+                    <p:cTn id="3" fill="hold">
+                      <p:stCondLst>
+                        <p:cond delay="indefinite"/>
+                        <p:cond evt="onBegin" delay="0">
+                          <p:tn val="2"/>
+                        </p:cond>
+                      </p:stCondLst>
+                      <p:childTnLst>
+                        <p:par>
+                          <p:cTn id="4" fill="hold">
+                            <p:stCondLst>
+                              <p:cond delay="0"/>
+                            </p:stCondLst>
+                            <p:childTnLst>
+                              <p:par>
+                                <p:cTn id="5" presetID="1" presetClass="exit" presetSubtype="0" fill="hold" grpId="0" nodeType="withEffect">
+                                  <p:stCondLst>
+                                    <p:cond delay="0"/>
+                                  </p:stCondLst>
+                                  <p:childTnLst>
+                                    <p:set>
+                                      <p:cBhvr>
+                                        <p:cTn id="6" dur="1" fill="hold">
+                                          <p:stCondLst>
+                                            <p:cond delay="0"/>
+                                          </p:stCondLst>
+                                        </p:cTn>
+                                        <p:tgtEl>
+                                          <p:spTgt spid="4"/>
+                                        </p:tgtEl>
+                                        <p:attrNameLst>
+                                          <p:attrName>style.visibility</p:attrName>
+                                        </p:attrNameLst>
+                                      </p:cBhvr>
+                                      <p:to>
+                                        <p:strVal val="hidden"/>
+                                      </p:to>
+                                    </p:set>
+                                  </p:childTnLst>
+                                </p:cTn>
+                              </p:par>
+                              <p:par>
+                                <p:cTn id="7" presetID="1" presetClass="exit" presetSubtype="0" fill="hold" grpId="0" nodeType="withEffect">
+                                  <p:stCondLst>
+                                    <p:cond delay="0"/>
+                                  </p:stCondLst>
+                                  <p:childTnLst>
+                                    <p:set>
+                                      <p:cBhvr>
+                                        <p:cTn id="8" dur="1" fill="hold">
+                                          <p:stCondLst>
+                                            <p:cond delay="0"/>
+                                          </p:stCondLst>
+                                        </p:cTn>
+                                        <p:tgtEl>
+                                          <p:spTgt spid="84"/>
+                                        </p:tgtEl>
+                                        <p:attrNameLst>
+                                          <p:attrName>style.visibility</p:attrName>
+                                        </p:attrNameLst>
+                                      </p:cBhvr>
+                                      <p:to>
+                                        <p:strVal val="hidden"/>
+                                      </p:to>
+                                    </p:set>
+                                  </p:childTnLst>
+                                </p:cTn>
+                              </p:par>
+                            </p:childTnLst>
+                          </p:cTn>
+                        </p:par>
+                      </p:childTnLst>
+                    </p:cTn>
+                  </p:par>
+                  <p:par>
+                    <p:cTn id="9" fill="hold">
+                      <p:stCondLst>
+                        <p:cond delay="indefinite"/>
+                      </p:stCondLst>
+                      <p:childTnLst>
+                        <p:par>
+                          <p:cTn id="10" fill="hold">
+                            <p:stCondLst>
+                              <p:cond delay="0"/>
+                            </p:stCondLst>
+                            <p:childTnLst>
+                              <p:par>
+                                <p:cTn id="11" presetID="1" presetClass="entr" presetSubtype="0" fill="hold" grpId="0" nodeType="clickEffect">
+                                  <p:stCondLst>
+                                    <p:cond delay="0"/>
+                                  </p:stCondLst>
+                                  <p:childTnLst>
+                                    <p:set>
+                                      <p:cBhvr>
+                                        <p:cTn id="12" dur="1" fill="hold">
+                                          <p:stCondLst>
+                                            <p:cond delay="0"/>
+                                          </p:stCondLst>
+                                        </p:cTn>
+                                        <p:tgtEl>
+                                          <p:spTgt spid="8"/>
+                                        </p:tgtEl>
+                                        <p:attrNameLst>
+                                          <p:attrName>style.visibility</p:attrName>
+                                        </p:attrNameLst>
+                                      </p:cBhvr>
+                                      <p:to>
+                                        <p:strVal val="visible"/>
+                                      </p:to>
+                                    </p:set>
+                                  </p:childTnLst>
+                                </p:cTn>
+                              </p:par>
+                              <p:par>
+                                <p:cTn id="13" presetID="1" presetClass="entr" presetSubtype="0" fill="hold" grpId="0" nodeType="withEffect">
+                                  <p:stCondLst>
+                                    <p:cond delay="0"/>
+                                  </p:stCondLst>
+                                  <p:childTnLst>
+                                    <p:set>
+                                      <p:cBhvr>
+                                        <p:cTn id="14" dur="1" fill="hold">
+                                          <p:stCondLst>
+                                            <p:cond delay="0"/>
+                                          </p:stCondLst>
+                                        </p:cTn>
+                                        <p:tgtEl>
+                                          <p:spTgt spid="72"/>
+                                        </p:tgtEl>
+                                        <p:attrNameLst>
+                                          <p:attrName>style.visibility</p:attrName>
+                                        </p:attrNameLst>
+                                      </p:cBhvr>
+                                      <p:to>
+                                        <p:strVal val="visible"/>
+                                      </p:to>
+                                    </p:set>
+                                  </p:childTnLst>
+                                </p:cTn>
+                              </p:par>
+                            </p:childTnLst>
+                          </p:cTn>
+                        </p:par>
+                      </p:childTnLst>
+                    </p:cTn>
+                  </p:par>
+                  <p:par>
+                    <p:cTn id="15" fill="hold">
+                      <p:stCondLst>
+                        <p:cond delay="indefinite"/>
+                      </p:stCondLst>
+                      <p:childTnLst>
+                        <p:par>
+                          <p:cTn id="16" fill="hold">
+                            <p:stCondLst>
+                              <p:cond delay="0"/>
+                            </p:stCondLst>
+                            <p:childTnLst>
+                              <p:par>
+                                <p:cTn id="17" presetID="1" presetClass="entr" presetSubtype="0" fill="hold" grpId="0" nodeType="clickEffect">
+                                  <p:stCondLst>
+                                    <p:cond delay="0"/>
+                                  </p:stCondLst>
+                                  <p:childTnLst>
+                                    <p:set>
+                                      <p:cBhvr>
+                                        <p:cTn id="18" dur="1" fill="hold">
+                                          <p:stCondLst>
+                                            <p:cond delay="0"/>
+                                          </p:stCondLst>
+                                        </p:cTn>
+                                        <p:tgtEl>
+                                          <p:spTgt spid="73"/>
+                                        </p:tgtEl>
+                                        <p:attrNameLst>
+                                          <p:attrName>style.visibility</p:attrName>
+                                        </p:attrNameLst>
+                                      </p:cBhvr>
+                                      <p:to>
+                                        <p:strVal val="visible"/>
+                                      </p:to>
+                                    </p:set>
+                                  </p:childTnLst>
+                                </p:cTn>
+                              </p:par>
+                              <p:par>
+                                <p:cTn id="19" presetID="1" presetClass="entr" presetSubtype="0" fill="hold" grpId="0" nodeType="withEffect">
+                                  <p:stCondLst>
+                                    <p:cond delay="0"/>
+                                  </p:stCondLst>
+                                  <p:childTnLst>
+                                    <p:set>
+                                      <p:cBhvr>
+                                        <p:cTn id="20" dur="1" fill="hold">
+                                          <p:stCondLst>
+                                            <p:cond delay="0"/>
+                                          </p:stCondLst>
+                                        </p:cTn>
+                                        <p:tgtEl>
+                                          <p:spTgt spid="74"/>
+                                        </p:tgtEl>
+                                        <p:attrNameLst>
+                                          <p:attrName>style.visibility</p:attrName>
+                                        </p:attrNameLst>
+                                      </p:cBhvr>
+                                      <p:to>
+                                        <p:strVal val="visible"/>
+                                      </p:to>
+                                    </p:set>
+                                  </p:childTnLst>
+                                </p:cTn>
+                              </p:par>
+                            </p:childTnLst>
+                          </p:cTn>
+                        </p:par>
+                      </p:childTnLst>
+                    </p:cTn>
+                  </p:par>
+                  <p:par>
+                    <p:cTn id="21" fill="hold">
+                      <p:stCondLst>
+                        <p:cond delay="indefinite"/>
+                      </p:stCondLst>
+                      <p:childTnLst>
+                        <p:par>
+                          <p:cTn id="22" fill="hold">
+                            <p:stCondLst>
+                              <p:cond delay="0"/>
+                            </p:stCondLst>
+                            <p:childTnLst>
+                              <p:par>
+                                <p:cTn id="23" presetID="1" presetClass="entr" presetSubtype="0" fill="hold" grpId="0" nodeType="clickEffect">
+                                  <p:stCondLst>
+                                    <p:cond delay="0"/>
+                                  </p:stCondLst>
+                                  <p:childTnLst>
+                                    <p:set>
+                                      <p:cBhvr>
+                                        <p:cTn id="24" dur="1" fill="hold">
+                                          <p:stCondLst>
+                                            <p:cond delay="0"/>
+                                          </p:stCondLst>
+                                        </p:cTn>
+                                        <p:tgtEl>
+                                          <p:spTgt spid="75"/>
+                                        </p:tgtEl>
+                                        <p:attrNameLst>
+                                          <p:attrName>style.visibility</p:attrName>
+                                        </p:attrNameLst>
+                                      </p:cBhvr>
+                                      <p:to>
+                                        <p:strVal val="visible"/>
+                                      </p:to>
+                                    </p:set>
+                                  </p:childTnLst>
+                                </p:cTn>
+                              </p:par>
+                              <p:par>
+                                <p:cTn id="25" presetID="1" presetClass="exit" presetSubtype="0" fill="hold" grpId="0" nodeType="withEffect">
+                                  <p:stCondLst>
+                                    <p:cond delay="0"/>
+                                  </p:stCondLst>
+                                  <p:childTnLst>
+                                    <p:set>
+                                      <p:cBhvr>
+                                        <p:cTn id="26" dur="1" fill="hold">
+                                          <p:stCondLst>
+                                            <p:cond delay="0"/>
+                                          </p:stCondLst>
+                                        </p:cTn>
+                                        <p:tgtEl>
+                                          <p:spTgt spid="77"/>
+                                        </p:tgtEl>
+                                        <p:attrNameLst>
+                                          <p:attrName>style.visibility</p:attrName>
+                                        </p:attrNameLst>
+                                      </p:cBhvr>
+                                      <p:to>
+                                        <p:strVal val="hidden"/>
+                                      </p:to>
+                                    </p:set>
+                                  </p:childTnLst>
+                                </p:cTn>
+                              </p:par>
+                              <p:par>
+                                <p:cTn id="27" presetID="1" presetClass="exit" presetSubtype="0" fill="hold" nodeType="withEffect">
+                                  <p:stCondLst>
+                                    <p:cond delay="0"/>
+                                  </p:stCondLst>
+                                  <p:childTnLst>
+                                    <p:set>
+                                      <p:cBhvr>
+                                        <p:cTn id="28" dur="1" fill="hold">
+                                          <p:stCondLst>
+                                            <p:cond delay="0"/>
+                                          </p:stCondLst>
+                                        </p:cTn>
+                                        <p:tgtEl>
+                                          <p:spTgt spid="83"/>
+                                        </p:tgtEl>
+                                        <p:attrNameLst>
+                                          <p:attrName>style.visibility</p:attrName>
+                                        </p:attrNameLst>
+                                      </p:cBhvr>
+                                      <p:to>
+                                        <p:strVal val="hidden"/>
+                                      </p:to>
+                                    </p:set>
+                                  </p:childTnLst>
+                                </p:cTn>
+                              </p:par>
+                            </p:childTnLst>
+                          </p:cTn>
+                        </p:par>
+                      </p:childTnLst>
+                    </p:cTn>
+                  </p:par>
+                  <p:par>
+                    <p:cTn id="29" fill="hold">
+                      <p:stCondLst>
+                        <p:cond delay="indefinite"/>
+                      </p:stCondLst>
+                      <p:childTnLst>
+                        <p:par>
+                          <p:cTn id="30" fill="hold">
+                            <p:stCondLst>
+                              <p:cond delay="0"/>
+                            </p:stCondLst>
+                            <p:childTnLst>
+                              <p:par>
+                                <p:cTn id="31" presetID="1" presetClass="entr" presetSubtype="0" fill="hold" grpId="0" nodeType="clickEffect">
+                                  <p:stCondLst>
+                                    <p:cond delay="0"/>
+                                  </p:stCondLst>
+                                  <p:childTnLst>
+                                    <p:set>
+                                      <p:cBhvr>
+                                        <p:cTn id="32" dur="1" fill="hold">
+                                          <p:stCondLst>
+                                            <p:cond delay="0"/>
+                                          </p:stCondLst>
+                                        </p:cTn>
+                                        <p:tgtEl>
+                                          <p:spTgt spid="76"/>
+                                        </p:tgtEl>
+                                        <p:attrNameLst>
+                                          <p:attrName>style.visibility</p:attrName>
+                                        </p:attrNameLst>
+                                      </p:cBhvr>
+                                      <p:to>
+                                        <p:strVal val="visible"/>
+                                      </p:to>
+                                    </p:set>
+                                  </p:childTnLst>
+                                </p:cTn>
+                              </p:par>
+                            </p:childTnLst>
+                          </p:cTn>
+                        </p:par>
+                      </p:childTnLst>
+                    </p:cTn>
+                  </p:par>
+                  <p:par>
+                    <p:cTn id="33" fill="hold">
+                      <p:stCondLst>
+                        <p:cond delay="indefinite"/>
+                      </p:stCondLst>
+                      <p:childTnLst>
+                        <p:par>
+                          <p:cTn id="34" fill="hold">
+                            <p:stCondLst>
+                              <p:cond delay="0"/>
+                            </p:stCondLst>
+                            <p:childTnLst>
+                              <p:par>
+                                <p:cTn id="35" presetID="1" presetClass="entr" presetSubtype="0" fill="hold" grpId="1" nodeType="clickEffect">
+                                  <p:stCondLst>
+                                    <p:cond delay="0"/>
+                                  </p:stCondLst>
+                                  <p:childTnLst>
+                                    <p:set>
+                                      <p:cBhvr>
+                                        <p:cTn id="36" dur="1" fill="hold">
+                                          <p:stCondLst>
+                                            <p:cond delay="0"/>
+                                          </p:stCondLst>
+                                        </p:cTn>
+                                        <p:tgtEl>
+                                          <p:spTgt spid="4"/>
+                                        </p:tgtEl>
+                                        <p:attrNameLst>
+                                          <p:attrName>style.visibility</p:attrName>
+                                        </p:attrNameLst>
+                                      </p:cBhvr>
+                                      <p:to>
+                                        <p:strVal val="visible"/>
+                                      </p:to>
+                                    </p:set>
+                                  </p:childTnLst>
+                                </p:cTn>
+                              </p:par>
+                            </p:childTnLst>
+                          </p:cTn>
+                        </p:par>
+                      </p:childTnLst>
+                    </p:cTn>
+                  </p:par>
+                  <p:par>
+                    <p:cTn id="37" fill="hold">
+                      <p:stCondLst>
+                        <p:cond delay="indefinite"/>
+                      </p:stCondLst>
+                      <p:childTnLst>
+                        <p:par>
+                          <p:cTn id="38" fill="hold">
+                            <p:stCondLst>
+                              <p:cond delay="0"/>
+                            </p:stCondLst>
+                            <p:childTnLst>
+                              <p:par>
+                                <p:cTn id="39" presetID="1" presetClass="entr" presetSubtype="0" fill="hold" grpId="0" nodeType="clickEffect">
+                                  <p:stCondLst>
+                                    <p:cond delay="0"/>
+                                  </p:stCondLst>
+                                  <p:childTnLst>
+                                    <p:set>
+                                      <p:cBhvr>
+                                        <p:cTn id="40" dur="1" fill="hold">
+                                          <p:stCondLst>
+                                            <p:cond delay="0"/>
+                                          </p:stCondLst>
+                                        </p:cTn>
+                                        <p:tgtEl>
+                                          <p:spTgt spid="79"/>
+                                        </p:tgtEl>
+                                        <p:attrNameLst>
+                                          <p:attrName>style.visibility</p:attrName>
+                                        </p:attrNameLst>
+                                      </p:cBhvr>
+                                      <p:to>
+                                        <p:strVal val="visible"/>
+                                      </p:to>
+                                    </p:set>
+                                  </p:childTnLst>
+                                </p:cTn>
+                              </p:par>
+                              <p:par>
+                                <p:cTn id="41" presetID="1" presetClass="entr" presetSubtype="0" fill="hold" grpId="1" nodeType="withEffect">
+                                  <p:stCondLst>
+                                    <p:cond delay="0"/>
+                                  </p:stCondLst>
+                                  <p:childTnLst>
+                                    <p:set>
+                                      <p:cBhvr>
+                                        <p:cTn id="42" dur="1" fill="hold">
+                                          <p:stCondLst>
+                                            <p:cond delay="0"/>
+                                          </p:stCondLst>
+                                        </p:cTn>
+                                        <p:tgtEl>
+                                          <p:spTgt spid="84"/>
+                                        </p:tgtEl>
+                                        <p:attrNameLst>
+                                          <p:attrName>style.visibility</p:attrName>
+                                        </p:attrNameLst>
+                                      </p:cBhvr>
+                                      <p:to>
+                                        <p:strVal val="visible"/>
+                                      </p:to>
+                                    </p:set>
+                                  </p:childTnLst>
+                                </p:cTn>
+                              </p:par>
+                            </p:childTnLst>
+                          </p:cTn>
+                        </p:par>
+                      </p:childTnLst>
+                    </p:cTn>
+                  </p:par>
+                  <p:par>
+                    <p:cTn id="43" fill="hold">
+                      <p:stCondLst>
+                        <p:cond delay="indefinite"/>
+                      </p:stCondLst>
+                      <p:childTnLst>
+                        <p:par>
+                          <p:cTn id="44" fill="hold">
+                            <p:stCondLst>
+                              <p:cond delay="0"/>
+                            </p:stCondLst>
+                            <p:childTnLst>
+                              <p:par>
+                                <p:cTn id="45" presetID="1" presetClass="entr" presetSubtype="0" fill="hold" grpId="2" nodeType="clickEffect">
+                                  <p:stCondLst>
+                                    <p:cond delay="0"/>
+                                  </p:stCondLst>
+                                  <p:childTnLst>
+                                    <p:set>
+                                      <p:cBhvr>
+                                        <p:cTn id="46" dur="1" fill="hold">
+                                          <p:stCondLst>
+                                            <p:cond delay="0"/>
+                                          </p:stCondLst>
+                                        </p:cTn>
+                                        <p:tgtEl>
+                                          <p:spTgt spid="84"/>
+                                        </p:tgtEl>
+                                        <p:attrNameLst>
+                                          <p:attrName>style.visibility</p:attrName>
+                                        </p:attrNameLst>
+                                      </p:cBhvr>
+                                      <p:to>
+                                        <p:strVal val="visible"/>
+                                      </p:to>
+                                    </p:set>
+                                  </p:childTnLst>
+                                </p:cTn>
+                              </p:par>
+                            </p:childTnLst>
+                          </p:cTn>
+                        </p:par>
+                      </p:childTnLst>
+                    </p:cTn>
+                  </p:par>
+                  <p:par>
+                    <p:cTn id="47" fill="hold">
+                      <p:stCondLst>
+                        <p:cond delay="indefinite"/>
+                      </p:stCondLst>
+                      <p:childTnLst>
+                        <p:par>
+                          <p:cTn id="48" fill="hold">
+                            <p:stCondLst>
+                              <p:cond delay="0"/>
+                            </p:stCondLst>
+                            <p:childTnLst>
+                              <p:par>
+                                <p:cTn id="49" presetID="1" presetClass="entr" presetSubtype="0" fill="hold" grpId="0" nodeType="clickEffect">
+                                  <p:stCondLst>
+                                    <p:cond delay="0"/>
+                                  </p:stCondLst>
+                                  <p:childTnLst>
+                                    <p:set>
+                                      <p:cBhvr>
+                                        <p:cTn id="50" dur="1" fill="hold">
+                                          <p:stCondLst>
+                                            <p:cond delay="0"/>
+                                          </p:stCondLst>
+                                        </p:cTn>
+                                        <p:tgtEl>
+                                          <p:spTgt spid="81"/>
+                                        </p:tgtEl>
+                                        <p:attrNameLst>
+                                          <p:attrName>style.visibility</p:attrName>
+                                        </p:attrNameLst>
+                                      </p:cBhvr>
+                                      <p:to>
+                                        <p:strVal val="visible"/>
+                                      </p:to>
+                                    </p:set>
+                                  </p:childTnLst>
+                                </p:cTn>
+                              </p:par>
+                            </p:childTnLst>
+                          </p:cTn>
+                        </p:par>
+                      </p:childTnLst>
+                    </p:cTn>
+                  </p:par>
+                  <p:par>
+                    <p:cTn id="51" fill="hold">
+                      <p:stCondLst>
+                        <p:cond delay="indefinite"/>
+                      </p:stCondLst>
+                      <p:childTnLst>
+                        <p:par>
+                          <p:cTn id="52" fill="hold">
+                            <p:stCondLst>
+                              <p:cond delay="0"/>
+                            </p:stCondLst>
+                            <p:childTnLst>
+                              <p:par>
+                                <p:cTn id="53" presetID="1" presetClass="entr" presetSubtype="0" fill="hold" grpId="0" nodeType="clickEffect">
+                                  <p:stCondLst>
+                                    <p:cond delay="0"/>
+                                  </p:stCondLst>
+                                  <p:childTnLst>
+                                    <p:set>
+                                      <p:cBhvr>
+                                        <p:cTn id="54" dur="1" fill="hold">
+                                          <p:stCondLst>
+                                            <p:cond delay="0"/>
+                                          </p:stCondLst>
+                                        </p:cTn>
+                                        <p:tgtEl>
+                                          <p:spTgt spid="82"/>
+                                        </p:tgtEl>
+                                        <p:attrNameLst>
+                                          <p:attrName>style.visibility</p:attrName>
+                                        </p:attrNameLst>
+                                      </p:cBhvr>
+                                      <p:to>
+                                        <p:strVal val="visible"/>
+                                      </p:to>
+                                    </p:set>
+                                  </p:childTnLst>
+                                </p:cTn>
+                              </p:par>
+                            </p:childTnLst>
+                          </p:cTn>
+                        </p:par>
+                      </p:childTnLst>
+                    </p:cTn>
+                  </p:par>
+                  <p:par>
+                    <p:cTn id="55" fill="hold">
+                      <p:stCondLst>
+                        <p:cond delay="indefinite"/>
+                      </p:stCondLst>
+                      <p:childTnLst>
+                        <p:par>
+                          <p:cTn id="56" fill="hold">
+                            <p:stCondLst>
+                              <p:cond delay="0"/>
+                            </p:stCondLst>
+                            <p:childTnLst>
+                              <p:par>
+                                <p:cTn id="57" presetID="1" presetClass="entr" presetSubtype="0" fill="hold" grpId="0" nodeType="clickEffect">
+                                  <p:stCondLst>
+                                    <p:cond delay="0"/>
+                                  </p:stCondLst>
+                                  <p:childTnLst>
+                                    <p:set>
+                                      <p:cBhvr>
+                                        <p:cTn id="58" dur="1" fill="hold">
+                                          <p:stCondLst>
+                                            <p:cond delay="0"/>
+                                          </p:stCondLst>
+                                        </p:cTn>
+                                        <p:tgtEl>
+                                          <p:spTgt spid="125"/>
+                                        </p:tgtEl>
+                                        <p:attrNameLst>
+                                          <p:attrName>style.visibility</p:attrName>
+                                        </p:attrNameLst>
+                                      </p:cBhvr>
+                                      <p:to>
+                                        <p:strVal val="visible"/>
+                                      </p:to>
+                                    </p:set>
+                                  </p:childTnLst>
+                                </p:cTn>
+                              </p:par>
+                              <p:par>
+                                <p:cTn id="59" presetID="1" presetClass="entr" presetSubtype="0" fill="hold" grpId="0" nodeType="withEffect">
+                                  <p:stCondLst>
+                                    <p:cond delay="0"/>
+                                  </p:stCondLst>
+                                  <p:childTnLst>
+                                    <p:set>
+                                      <p:cBhvr>
+                                        <p:cTn id="60" dur="1" fill="hold">
+                                          <p:stCondLst>
+                                            <p:cond delay="0"/>
+                                          </p:stCondLst>
+                                        </p:cTn>
+                                        <p:tgtEl>
+                                          <p:spTgt spid="126"/>
+                                        </p:tgtEl>
+                                        <p:attrNameLst>
+                                          <p:attrName>style.visibility</p:attrName>
+                                        </p:attrNameLst>
+                                      </p:cBhvr>
+                                      <p:to>
+                                        <p:strVal val="visible"/>
+                                      </p:to>
+                                    </p:set>
+                                  </p:childTnLst>
+                                </p:cTn>
+                              </p:par>
+                            </p:childTnLst>
+                          </p:cTn>
+                        </p:par>
+                      </p:childTnLst>
+                    </p:cTn>
+                  </p:par>
+                  <p:par>
+                    <p:cTn id="61" fill="hold">
+                      <p:stCondLst>
+                        <p:cond delay="indefinite"/>
+                      </p:stCondLst>
+                      <p:childTnLst>
+                        <p:par>
+                          <p:cTn id="62" fill="hold">
+                            <p:stCondLst>
+                              <p:cond delay="0"/>
+                            </p:stCondLst>
+                            <p:childTnLst>
+                              <p:par>
+                                <p:cTn id="63" presetID="1" presetClass="entr" presetSubtype="0" fill="hold" grpId="0" nodeType="clickEffect">
+                                  <p:stCondLst>
+                                    <p:cond delay="0"/>
+                                  </p:stCondLst>
+                                  <p:childTnLst>
+                                    <p:set>
+                                      <p:cBhvr>
+                                        <p:cTn id="64" dur="1" fill="hold">
+                                          <p:stCondLst>
+                                            <p:cond delay="0"/>
+                                          </p:stCondLst>
+                                        </p:cTn>
+                                        <p:tgtEl>
+                                          <p:spTgt spid="127"/>
+                                        </p:tgtEl>
+                                        <p:attrNameLst>
+                                          <p:attrName>style.visibility</p:attrName>
+                                        </p:attrNameLst>
+                                      </p:cBhvr>
+                                      <p:to>
+                                        <p:strVal val="visible"/>
+                                      </p:to>
+                                    </p:set>
+                                  </p:childTnLst>
+                                </p:cTn>
+                              </p:par>
+                            </p:childTnLst>
+                          </p:cTn>
+                        </p:par>
+                      </p:childTnLst>
+                    </p:cTn>
+                  </p:par>
+                  <p:par>
+                    <p:cTn id="65" fill="hold">
+                      <p:stCondLst>
+                        <p:cond delay="indefinite"/>
+                      </p:stCondLst>
+                      <p:childTnLst>
+                        <p:par>
+                          <p:cTn id="66" fill="hold">
+                            <p:stCondLst>
+                              <p:cond delay="0"/>
+                            </p:stCondLst>
+                            <p:childTnLst>
+                              <p:par>
+                                <p:cTn id="67" presetID="1" presetClass="entr" presetSubtype="0" fill="hold" grpId="0" nodeType="clickEffect">
+                                  <p:stCondLst>
+                                    <p:cond delay="0"/>
+                                  </p:stCondLst>
+                                  <p:childTnLst>
+                                    <p:set>
+                                      <p:cBhvr>
+                                        <p:cTn id="68" dur="1" fill="hold">
+                                          <p:stCondLst>
+                                            <p:cond delay="0"/>
+                                          </p:stCondLst>
+                                        </p:cTn>
+                                        <p:tgtEl>
+                                          <p:spTgt spid="114"/>
+                                        </p:tgtEl>
+                                        <p:attrNameLst>
+                                          <p:attrName>style.visibility</p:attrName>
+                                        </p:attrNameLst>
+                                      </p:cBhvr>
+                                      <p:to>
+                                        <p:strVal val="visible"/>
+                                      </p:to>
+                                    </p:set>
+                                  </p:childTnLst>
+                                </p:cTn>
+                              </p:par>
+                            </p:childTnLst>
+                          </p:cTn>
+                        </p:par>
+                      </p:childTnLst>
+                    </p:cTn>
+                  </p:par>
+                  <p:par>
+                    <p:cTn id="69" fill="hold">
+                      <p:stCondLst>
+                        <p:cond delay="indefinite"/>
+                      </p:stCondLst>
+                      <p:childTnLst>
+                        <p:par>
+                          <p:cTn id="70" fill="hold">
+                            <p:stCondLst>
+                              <p:cond delay="0"/>
+                            </p:stCondLst>
+                            <p:childTnLst>
+                              <p:par>
+                                <p:cTn id="71" presetID="1" presetClass="entr" presetSubtype="0" fill="hold" grpId="0" nodeType="clickEffect">
+                                  <p:stCondLst>
+                                    <p:cond delay="0"/>
+                                  </p:stCondLst>
+                                  <p:childTnLst>
+                                    <p:set>
+                                      <p:cBhvr>
+                                        <p:cTn id="72" dur="1" fill="hold">
+                                          <p:stCondLst>
+                                            <p:cond delay="0"/>
+                                          </p:stCondLst>
+                                        </p:cTn>
+                                        <p:tgtEl>
+                                          <p:spTgt spid="128"/>
+                                        </p:tgtEl>
+                                        <p:attrNameLst>
+                                          <p:attrName>style.visibility</p:attrName>
+                                        </p:attrNameLst>
+                                      </p:cBhvr>
+                                      <p:to>
+                                        <p:strVal val="visible"/>
+                                      </p:to>
+                                    </p:set>
+                                  </p:childTnLst>
+                                </p:cTn>
+                              </p:par>
+                            </p:childTnLst>
+                          </p:cTn>
+                        </p:par>
+                      </p:childTnLst>
+                    </p:cTn>
+                  </p:par>
+                  <p:par>
+                    <p:cTn id="73" fill="hold">
+                      <p:stCondLst>
+                        <p:cond delay="indefinite"/>
+                      </p:stCondLst>
+                      <p:childTnLst>
+                        <p:par>
+                          <p:cTn id="74" fill="hold">
+                            <p:stCondLst>
+                              <p:cond delay="0"/>
+                            </p:stCondLst>
+                            <p:childTnLst>
+                              <p:par>
+                                <p:cTn id="75" presetID="1" presetClass="entr" presetSubtype="0" fill="hold" grpId="0" nodeType="clickEffect">
+                                  <p:stCondLst>
+                                    <p:cond delay="0"/>
+                                  </p:stCondLst>
+                                  <p:childTnLst>
+                                    <p:set>
+                                      <p:cBhvr>
+                                        <p:cTn id="76" dur="1" fill="hold">
+                                          <p:stCondLst>
+                                            <p:cond delay="0"/>
+                                          </p:stCondLst>
+                                        </p:cTn>
+                                        <p:tgtEl>
+                                          <p:spTgt spid="129"/>
+                                        </p:tgtEl>
+                                        <p:attrNameLst>
+                                          <p:attrName>style.visibility</p:attrName>
+                                        </p:attrNameLst>
+                                      </p:cBhvr>
+                                      <p:to>
+                                        <p:strVal val="visible"/>
+                                      </p:to>
+                                    </p:set>
+                                  </p:childTnLst>
+                                </p:cTn>
+                              </p:par>
+                            </p:childTnLst>
+                          </p:cTn>
+                        </p:par>
+                      </p:childTnLst>
+                    </p:cTn>
+                  </p:par>
+                  <p:par>
+                    <p:cTn id="77" fill="hold">
+                      <p:stCondLst>
+                        <p:cond delay="indefinite"/>
+                      </p:stCondLst>
+                      <p:childTnLst>
+                        <p:par>
+                          <p:cTn id="78" fill="hold">
+                            <p:stCondLst>
+                              <p:cond delay="0"/>
+                            </p:stCondLst>
+                            <p:childTnLst>
+                              <p:par>
+                                <p:cTn id="79" presetID="1" presetClass="entr" presetSubtype="0" fill="hold" grpId="0" nodeType="clickEffect">
+                                  <p:stCondLst>
+                                    <p:cond delay="0"/>
+                                  </p:stCondLst>
+                                  <p:childTnLst>
+                                    <p:set>
+                                      <p:cBhvr>
+                                        <p:cTn id="80" dur="1" fill="hold">
+                                          <p:stCondLst>
+                                            <p:cond delay="0"/>
+                                          </p:stCondLst>
+                                        </p:cTn>
+                                        <p:tgtEl>
+                                          <p:spTgt spid="130"/>
+                                        </p:tgtEl>
+                                        <p:attrNameLst>
+                                          <p:attrName>style.visibility</p:attrName>
+                                        </p:attrNameLst>
+                                      </p:cBhvr>
+                                      <p:to>
+                                        <p:strVal val="visible"/>
+                                      </p:to>
+                                    </p:set>
+                                  </p:childTnLst>
+                                </p:cTn>
+                              </p:par>
+                              <p:par>
+                                <p:cTn id="81" presetID="1" presetClass="entr" presetSubtype="0" fill="hold" grpId="0" nodeType="withEffect">
+                                  <p:stCondLst>
+                                    <p:cond delay="0"/>
+                                  </p:stCondLst>
+                                  <p:childTnLst>
+                                    <p:set>
+                                      <p:cBhvr>
+                                        <p:cTn id="82" dur="1" fill="hold">
+                                          <p:stCondLst>
+                                            <p:cond delay="0"/>
+                                          </p:stCondLst>
+                                        </p:cTn>
+                                        <p:tgtEl>
+                                          <p:spTgt spid="131"/>
+                                        </p:tgtEl>
+                                        <p:attrNameLst>
+                                          <p:attrName>style.visibility</p:attrName>
+                                        </p:attrNameLst>
+                                      </p:cBhvr>
+                                      <p:to>
+                                        <p:strVal val="visible"/>
+                                      </p:to>
+                                    </p:set>
+                                  </p:childTnLst>
+                                </p:cTn>
+                              </p:par>
+                            </p:childTnLst>
+                          </p:cTn>
+                        </p:par>
+                      </p:childTnLst>
+                    </p:cTn>
+                  </p:par>
+                </p:childTnLst>
+              </p:cTn>
+              <p:prevCondLst>
+                <p:cond evt="onPrev" delay="0">
+                  <p:tgtEl>
+                    <p:sldTgt/>
+                  </p:tgtEl>
+                </p:cond>
+              </p:prevCondLst>
+              <p:nextCondLst>
+                <p:cond evt="onNext" delay="0">
+                  <p:tgtEl>
+                    <p:sldTgt/>
+                  </p:tgtEl>
+                </p:cond>
+              </p:nextCondLst>
+            </p:seq>
+          </p:childTnLst>
+        </p:cTn>
+      </p:par>
+    </p:tnLst>
+    <p:bldLst>
+      <p:bldP spid="77" grpId="0" animBg="1"/>
+      <p:bldP spid="4" grpId="0"/>
+      <p:bldP spid="4" grpId="1"/>
+      <p:bldP spid="84" grpId="0"/>
+      <p:bldP spid="84" grpId="1"/>
+      <p:bldP spid="84" grpId="2"/>
+      <p:bldP spid="114" grpId="0"/>
+      <p:bldP spid="72" grpId="0"/>
+      <p:bldP spid="8" grpId="0" animBg="1"/>
+      <p:bldP spid="73" grpId="0" animBg="1"/>
+      <p:bldP spid="74" grpId="0" animBg="1"/>
+      <p:bldP spid="75" grpId="0" animBg="1"/>
+      <p:bldP spid="76" grpId="0" animBg="1"/>
+      <p:bldP spid="79" grpId="0" animBg="1"/>
+      <p:bldP spid="81" grpId="0" animBg="1"/>
+      <p:bldP spid="82" grpId="0"/>
+      <p:bldP spid="125" grpId="0" animBg="1"/>
+      <p:bldP spid="126" grpId="0" animBg="1"/>
+      <p:bldP spid="127" grpId="0" animBg="1"/>
+      <p:bldP spid="128" grpId="0" animBg="1"/>
+      <p:bldP spid="129" grpId="0"/>
+      <p:bldP spid="130" grpId="0" animBg="1"/>
+      <p:bldP spid="131" grpId="0" animBg="1"/>
+    </p:bldLst>
+  </p:timing>
+</p:sld>
+</file>
+
+<file path=ppt/slides/slide11.xml><?xml version="1.0" encoding="utf-8"?>
 <p:sld xmlns:a="http://schemas.openxmlformats.org/drawingml/2006/main" xmlns:r="http://schemas.openxmlformats.org/officeDocument/2006/relationships" xmlns:p="http://schemas.openxmlformats.org/presentationml/2006/main">
   <p:cSld>
     <p:spTree>
@@ -10185,7 +13736,7 @@
 </p:sld>
 </file>
 
-<file path=ppt/slides/slide11.xml><?xml version="1.0" encoding="utf-8"?>
+<file path=ppt/slides/slide12.xml><?xml version="1.0" encoding="utf-8"?>
 <p:sld xmlns:a="http://schemas.openxmlformats.org/drawingml/2006/main" xmlns:r="http://schemas.openxmlformats.org/officeDocument/2006/relationships" xmlns:p="http://schemas.openxmlformats.org/presentationml/2006/main">
   <p:cSld>
     <p:spTree>
@@ -15415,6 +18966,880 @@
 </file>
 
 <file path=ppt/slides/slide2.xml><?xml version="1.0" encoding="utf-8"?>
+<p:sld xmlns:a="http://schemas.openxmlformats.org/drawingml/2006/main" xmlns:r="http://schemas.openxmlformats.org/officeDocument/2006/relationships" xmlns:p="http://schemas.openxmlformats.org/presentationml/2006/main">
+  <p:cSld>
+    <p:spTree>
+      <p:nvGrpSpPr>
+        <p:cNvPr id="1" name=""/>
+        <p:cNvGrpSpPr/>
+        <p:nvPr/>
+      </p:nvGrpSpPr>
+      <p:grpSpPr>
+        <a:xfrm>
+          <a:off x="0" y="0"/>
+          <a:ext cx="0" cy="0"/>
+          <a:chOff x="0" y="0"/>
+          <a:chExt cx="0" cy="0"/>
+        </a:xfrm>
+      </p:grpSpPr>
+      <p:sp>
+        <p:nvSpPr>
+          <p:cNvPr id="4" name="文本框 3">
+            <a:extLst>
+              <a:ext uri="{FF2B5EF4-FFF2-40B4-BE49-F238E27FC236}">
+                <a16:creationId xmlns:a16="http://schemas.microsoft.com/office/drawing/2014/main" id="{4C4E86F1-1AE2-4893-A73C-48F9BD06D885}"/>
+              </a:ext>
+            </a:extLst>
+          </p:cNvPr>
+          <p:cNvSpPr txBox="1"/>
+          <p:nvPr/>
+        </p:nvSpPr>
+        <p:spPr>
+          <a:xfrm>
+            <a:off x="1885950" y="1409700"/>
+            <a:ext cx="7286625" cy="523220"/>
+          </a:xfrm>
+          <a:prstGeom prst="rect">
+            <a:avLst/>
+          </a:prstGeom>
+          <a:noFill/>
+        </p:spPr>
+        <p:txBody>
+          <a:bodyPr wrap="square" rtlCol="0">
+            <a:spAutoFit/>
+          </a:bodyPr>
+          <a:lstStyle/>
+          <a:p>
+            <a:r>
+              <a:rPr lang="en-US" altLang="zh-CN" sz="2800" dirty="0"/>
+              <a:t>0         1           1          0         1</a:t>
+            </a:r>
+            <a:endParaRPr lang="zh-CN" altLang="en-US" sz="2800" dirty="0"/>
+          </a:p>
+        </p:txBody>
+      </p:sp>
+      <p:sp>
+        <p:nvSpPr>
+          <p:cNvPr id="5" name="文本框 4">
+            <a:extLst>
+              <a:ext uri="{FF2B5EF4-FFF2-40B4-BE49-F238E27FC236}">
+                <a16:creationId xmlns:a16="http://schemas.microsoft.com/office/drawing/2014/main" id="{DB892676-201A-4993-BDB6-AD772EA32288}"/>
+              </a:ext>
+            </a:extLst>
+          </p:cNvPr>
+          <p:cNvSpPr txBox="1"/>
+          <p:nvPr/>
+        </p:nvSpPr>
+        <p:spPr>
+          <a:xfrm>
+            <a:off x="1885949" y="2085320"/>
+            <a:ext cx="7286625" cy="523220"/>
+          </a:xfrm>
+          <a:prstGeom prst="rect">
+            <a:avLst/>
+          </a:prstGeom>
+          <a:noFill/>
+        </p:spPr>
+        <p:txBody>
+          <a:bodyPr wrap="square" rtlCol="0">
+            <a:spAutoFit/>
+          </a:bodyPr>
+          <a:lstStyle/>
+          <a:p>
+            <a:r>
+              <a:rPr lang="en-US" altLang="zh-CN" sz="2800" dirty="0"/>
+              <a:t>1         1           1          0         0</a:t>
+            </a:r>
+            <a:endParaRPr lang="zh-CN" altLang="en-US" sz="2800" dirty="0"/>
+          </a:p>
+        </p:txBody>
+      </p:sp>
+      <p:cxnSp>
+        <p:nvCxnSpPr>
+          <p:cNvPr id="7" name="直接箭头连接符 6">
+            <a:extLst>
+              <a:ext uri="{FF2B5EF4-FFF2-40B4-BE49-F238E27FC236}">
+                <a16:creationId xmlns:a16="http://schemas.microsoft.com/office/drawing/2014/main" id="{14E2DE7D-36C7-4467-B611-9059DBEF609A}"/>
+              </a:ext>
+            </a:extLst>
+          </p:cNvPr>
+          <p:cNvCxnSpPr/>
+          <p:nvPr/>
+        </p:nvCxnSpPr>
+        <p:spPr>
+          <a:xfrm>
+            <a:off x="6562725" y="2714625"/>
+            <a:ext cx="0" cy="714375"/>
+          </a:xfrm>
+          <a:prstGeom prst="straightConnector1">
+            <a:avLst/>
+          </a:prstGeom>
+          <a:ln>
+            <a:tailEnd type="triangle"/>
+          </a:ln>
+        </p:spPr>
+        <p:style>
+          <a:lnRef idx="1">
+            <a:schemeClr val="accent1"/>
+          </a:lnRef>
+          <a:fillRef idx="0">
+            <a:schemeClr val="accent1"/>
+          </a:fillRef>
+          <a:effectRef idx="0">
+            <a:schemeClr val="accent1"/>
+          </a:effectRef>
+          <a:fontRef idx="minor">
+            <a:schemeClr val="tx1"/>
+          </a:fontRef>
+        </p:style>
+      </p:cxnSp>
+      <p:cxnSp>
+        <p:nvCxnSpPr>
+          <p:cNvPr id="8" name="直接箭头连接符 7">
+            <a:extLst>
+              <a:ext uri="{FF2B5EF4-FFF2-40B4-BE49-F238E27FC236}">
+                <a16:creationId xmlns:a16="http://schemas.microsoft.com/office/drawing/2014/main" id="{93A07534-639E-45E5-865F-F08EBF9E9C5B}"/>
+              </a:ext>
+            </a:extLst>
+          </p:cNvPr>
+          <p:cNvCxnSpPr/>
+          <p:nvPr/>
+        </p:nvCxnSpPr>
+        <p:spPr>
+          <a:xfrm>
+            <a:off x="5548311" y="2714624"/>
+            <a:ext cx="0" cy="714375"/>
+          </a:xfrm>
+          <a:prstGeom prst="straightConnector1">
+            <a:avLst/>
+          </a:prstGeom>
+          <a:ln>
+            <a:tailEnd type="triangle"/>
+          </a:ln>
+        </p:spPr>
+        <p:style>
+          <a:lnRef idx="1">
+            <a:schemeClr val="accent1"/>
+          </a:lnRef>
+          <a:fillRef idx="0">
+            <a:schemeClr val="accent1"/>
+          </a:fillRef>
+          <a:effectRef idx="0">
+            <a:schemeClr val="accent1"/>
+          </a:effectRef>
+          <a:fontRef idx="minor">
+            <a:schemeClr val="tx1"/>
+          </a:fontRef>
+        </p:style>
+      </p:cxnSp>
+      <p:cxnSp>
+        <p:nvCxnSpPr>
+          <p:cNvPr id="9" name="直接箭头连接符 8">
+            <a:extLst>
+              <a:ext uri="{FF2B5EF4-FFF2-40B4-BE49-F238E27FC236}">
+                <a16:creationId xmlns:a16="http://schemas.microsoft.com/office/drawing/2014/main" id="{70A6C034-7FA7-40B8-B64A-FECE0CB5515F}"/>
+              </a:ext>
+            </a:extLst>
+          </p:cNvPr>
+          <p:cNvCxnSpPr/>
+          <p:nvPr/>
+        </p:nvCxnSpPr>
+        <p:spPr>
+          <a:xfrm>
+            <a:off x="4381500" y="2714624"/>
+            <a:ext cx="0" cy="714375"/>
+          </a:xfrm>
+          <a:prstGeom prst="straightConnector1">
+            <a:avLst/>
+          </a:prstGeom>
+          <a:ln>
+            <a:tailEnd type="triangle"/>
+          </a:ln>
+        </p:spPr>
+        <p:style>
+          <a:lnRef idx="1">
+            <a:schemeClr val="accent1"/>
+          </a:lnRef>
+          <a:fillRef idx="0">
+            <a:schemeClr val="accent1"/>
+          </a:fillRef>
+          <a:effectRef idx="0">
+            <a:schemeClr val="accent1"/>
+          </a:effectRef>
+          <a:fontRef idx="minor">
+            <a:schemeClr val="tx1"/>
+          </a:fontRef>
+        </p:style>
+      </p:cxnSp>
+      <p:cxnSp>
+        <p:nvCxnSpPr>
+          <p:cNvPr id="10" name="直接箭头连接符 9">
+            <a:extLst>
+              <a:ext uri="{FF2B5EF4-FFF2-40B4-BE49-F238E27FC236}">
+                <a16:creationId xmlns:a16="http://schemas.microsoft.com/office/drawing/2014/main" id="{DB15E674-0916-4757-A828-59EB66B41C1D}"/>
+              </a:ext>
+            </a:extLst>
+          </p:cNvPr>
+          <p:cNvCxnSpPr/>
+          <p:nvPr/>
+        </p:nvCxnSpPr>
+        <p:spPr>
+          <a:xfrm>
+            <a:off x="3186111" y="2714624"/>
+            <a:ext cx="0" cy="714375"/>
+          </a:xfrm>
+          <a:prstGeom prst="straightConnector1">
+            <a:avLst/>
+          </a:prstGeom>
+          <a:ln>
+            <a:tailEnd type="triangle"/>
+          </a:ln>
+        </p:spPr>
+        <p:style>
+          <a:lnRef idx="1">
+            <a:schemeClr val="accent1"/>
+          </a:lnRef>
+          <a:fillRef idx="0">
+            <a:schemeClr val="accent1"/>
+          </a:fillRef>
+          <a:effectRef idx="0">
+            <a:schemeClr val="accent1"/>
+          </a:effectRef>
+          <a:fontRef idx="minor">
+            <a:schemeClr val="tx1"/>
+          </a:fontRef>
+        </p:style>
+      </p:cxnSp>
+      <p:cxnSp>
+        <p:nvCxnSpPr>
+          <p:cNvPr id="11" name="直接箭头连接符 10">
+            <a:extLst>
+              <a:ext uri="{FF2B5EF4-FFF2-40B4-BE49-F238E27FC236}">
+                <a16:creationId xmlns:a16="http://schemas.microsoft.com/office/drawing/2014/main" id="{3317D1EB-3511-4D4D-BD63-1E022989FF1F}"/>
+              </a:ext>
+            </a:extLst>
+          </p:cNvPr>
+          <p:cNvCxnSpPr/>
+          <p:nvPr/>
+        </p:nvCxnSpPr>
+        <p:spPr>
+          <a:xfrm>
+            <a:off x="2019300" y="2714624"/>
+            <a:ext cx="0" cy="714375"/>
+          </a:xfrm>
+          <a:prstGeom prst="straightConnector1">
+            <a:avLst/>
+          </a:prstGeom>
+          <a:ln>
+            <a:tailEnd type="triangle"/>
+          </a:ln>
+        </p:spPr>
+        <p:style>
+          <a:lnRef idx="1">
+            <a:schemeClr val="accent1"/>
+          </a:lnRef>
+          <a:fillRef idx="0">
+            <a:schemeClr val="accent1"/>
+          </a:fillRef>
+          <a:effectRef idx="0">
+            <a:schemeClr val="accent1"/>
+          </a:effectRef>
+          <a:fontRef idx="minor">
+            <a:schemeClr val="tx1"/>
+          </a:fontRef>
+        </p:style>
+      </p:cxnSp>
+      <p:sp>
+        <p:nvSpPr>
+          <p:cNvPr id="12" name="文本框 11">
+            <a:extLst>
+              <a:ext uri="{FF2B5EF4-FFF2-40B4-BE49-F238E27FC236}">
+                <a16:creationId xmlns:a16="http://schemas.microsoft.com/office/drawing/2014/main" id="{5E46435E-A1CB-4AB7-9EDE-E861FC487D0E}"/>
+              </a:ext>
+            </a:extLst>
+          </p:cNvPr>
+          <p:cNvSpPr txBox="1"/>
+          <p:nvPr/>
+        </p:nvSpPr>
+        <p:spPr>
+          <a:xfrm>
+            <a:off x="1885949" y="3428999"/>
+            <a:ext cx="447676" cy="523220"/>
+          </a:xfrm>
+          <a:prstGeom prst="rect">
+            <a:avLst/>
+          </a:prstGeom>
+          <a:noFill/>
+        </p:spPr>
+        <p:txBody>
+          <a:bodyPr wrap="square" rtlCol="0">
+            <a:spAutoFit/>
+          </a:bodyPr>
+          <a:lstStyle/>
+          <a:p>
+            <a:r>
+              <a:rPr lang="en-US" altLang="zh-CN" sz="2800" dirty="0"/>
+              <a:t>1</a:t>
+            </a:r>
+            <a:endParaRPr lang="zh-CN" altLang="en-US" sz="2800" dirty="0"/>
+          </a:p>
+        </p:txBody>
+      </p:sp>
+      <p:sp>
+        <p:nvSpPr>
+          <p:cNvPr id="13" name="文本框 12">
+            <a:extLst>
+              <a:ext uri="{FF2B5EF4-FFF2-40B4-BE49-F238E27FC236}">
+                <a16:creationId xmlns:a16="http://schemas.microsoft.com/office/drawing/2014/main" id="{01A1BA18-FBE8-4CBB-8EDC-5E2049A7CB24}"/>
+              </a:ext>
+            </a:extLst>
+          </p:cNvPr>
+          <p:cNvSpPr txBox="1"/>
+          <p:nvPr/>
+        </p:nvSpPr>
+        <p:spPr>
+          <a:xfrm>
+            <a:off x="3014659" y="3428999"/>
+            <a:ext cx="447676" cy="523220"/>
+          </a:xfrm>
+          <a:prstGeom prst="rect">
+            <a:avLst/>
+          </a:prstGeom>
+          <a:noFill/>
+        </p:spPr>
+        <p:txBody>
+          <a:bodyPr wrap="square" rtlCol="0">
+            <a:spAutoFit/>
+          </a:bodyPr>
+          <a:lstStyle/>
+          <a:p>
+            <a:r>
+              <a:rPr lang="en-US" altLang="zh-CN" sz="2800" dirty="0"/>
+              <a:t>0</a:t>
+            </a:r>
+            <a:endParaRPr lang="zh-CN" altLang="en-US" sz="2800" dirty="0"/>
+          </a:p>
+        </p:txBody>
+      </p:sp>
+      <p:sp>
+        <p:nvSpPr>
+          <p:cNvPr id="14" name="文本框 13">
+            <a:extLst>
+              <a:ext uri="{FF2B5EF4-FFF2-40B4-BE49-F238E27FC236}">
+                <a16:creationId xmlns:a16="http://schemas.microsoft.com/office/drawing/2014/main" id="{30256E64-BECA-4C35-991D-B8DD39A0ACE0}"/>
+              </a:ext>
+            </a:extLst>
+          </p:cNvPr>
+          <p:cNvSpPr txBox="1"/>
+          <p:nvPr/>
+        </p:nvSpPr>
+        <p:spPr>
+          <a:xfrm>
+            <a:off x="4238620" y="3448048"/>
+            <a:ext cx="447676" cy="523220"/>
+          </a:xfrm>
+          <a:prstGeom prst="rect">
+            <a:avLst/>
+          </a:prstGeom>
+          <a:noFill/>
+        </p:spPr>
+        <p:txBody>
+          <a:bodyPr wrap="square" rtlCol="0">
+            <a:spAutoFit/>
+          </a:bodyPr>
+          <a:lstStyle/>
+          <a:p>
+            <a:r>
+              <a:rPr lang="en-US" altLang="zh-CN" sz="2800" dirty="0"/>
+              <a:t>0</a:t>
+            </a:r>
+            <a:endParaRPr lang="zh-CN" altLang="en-US" sz="2800" dirty="0"/>
+          </a:p>
+        </p:txBody>
+      </p:sp>
+      <p:sp>
+        <p:nvSpPr>
+          <p:cNvPr id="15" name="文本框 14">
+            <a:extLst>
+              <a:ext uri="{FF2B5EF4-FFF2-40B4-BE49-F238E27FC236}">
+                <a16:creationId xmlns:a16="http://schemas.microsoft.com/office/drawing/2014/main" id="{05EE5862-3D06-4B12-AABF-6F4BBE84992B}"/>
+              </a:ext>
+            </a:extLst>
+          </p:cNvPr>
+          <p:cNvSpPr txBox="1"/>
+          <p:nvPr/>
+        </p:nvSpPr>
+        <p:spPr>
+          <a:xfrm>
+            <a:off x="5367330" y="3448048"/>
+            <a:ext cx="447676" cy="523220"/>
+          </a:xfrm>
+          <a:prstGeom prst="rect">
+            <a:avLst/>
+          </a:prstGeom>
+          <a:noFill/>
+        </p:spPr>
+        <p:txBody>
+          <a:bodyPr wrap="square" rtlCol="0">
+            <a:spAutoFit/>
+          </a:bodyPr>
+          <a:lstStyle/>
+          <a:p>
+            <a:r>
+              <a:rPr lang="en-US" altLang="zh-CN" sz="2800" dirty="0"/>
+              <a:t>0</a:t>
+            </a:r>
+            <a:endParaRPr lang="zh-CN" altLang="en-US" sz="2800" dirty="0"/>
+          </a:p>
+        </p:txBody>
+      </p:sp>
+      <p:sp>
+        <p:nvSpPr>
+          <p:cNvPr id="16" name="文本框 15">
+            <a:extLst>
+              <a:ext uri="{FF2B5EF4-FFF2-40B4-BE49-F238E27FC236}">
+                <a16:creationId xmlns:a16="http://schemas.microsoft.com/office/drawing/2014/main" id="{5CD18D8B-A096-443C-8950-D3DA6F9843B0}"/>
+              </a:ext>
+            </a:extLst>
+          </p:cNvPr>
+          <p:cNvSpPr txBox="1"/>
+          <p:nvPr/>
+        </p:nvSpPr>
+        <p:spPr>
+          <a:xfrm>
+            <a:off x="6338887" y="3448048"/>
+            <a:ext cx="447676" cy="523220"/>
+          </a:xfrm>
+          <a:prstGeom prst="rect">
+            <a:avLst/>
+          </a:prstGeom>
+          <a:noFill/>
+        </p:spPr>
+        <p:txBody>
+          <a:bodyPr wrap="square" rtlCol="0">
+            <a:spAutoFit/>
+          </a:bodyPr>
+          <a:lstStyle/>
+          <a:p>
+            <a:r>
+              <a:rPr lang="en-US" altLang="zh-CN" sz="2800" dirty="0"/>
+              <a:t>1</a:t>
+            </a:r>
+            <a:endParaRPr lang="zh-CN" altLang="en-US" sz="2800" dirty="0"/>
+          </a:p>
+        </p:txBody>
+      </p:sp>
+    </p:spTree>
+    <p:extLst>
+      <p:ext uri="{BB962C8B-B14F-4D97-AF65-F5344CB8AC3E}">
+        <p14:creationId xmlns:p14="http://schemas.microsoft.com/office/powerpoint/2010/main" val="3803524063"/>
+      </p:ext>
+    </p:extLst>
+  </p:cSld>
+  <p:clrMapOvr>
+    <a:masterClrMapping/>
+  </p:clrMapOvr>
+  <p:timing>
+    <p:tnLst>
+      <p:par>
+        <p:cTn id="1" dur="indefinite" restart="never" nodeType="tmRoot">
+          <p:childTnLst>
+            <p:seq concurrent="1" nextAc="seek">
+              <p:cTn id="2" dur="indefinite" nodeType="mainSeq">
+                <p:childTnLst>
+                  <p:par>
+                    <p:cTn id="3" fill="hold">
+                      <p:stCondLst>
+                        <p:cond delay="indefinite"/>
+                      </p:stCondLst>
+                      <p:childTnLst>
+                        <p:par>
+                          <p:cTn id="4" fill="hold">
+                            <p:stCondLst>
+                              <p:cond delay="0"/>
+                            </p:stCondLst>
+                            <p:childTnLst>
+                              <p:par>
+                                <p:cTn id="5" presetID="1" presetClass="entr" presetSubtype="0" fill="hold" nodeType="clickEffect">
+                                  <p:stCondLst>
+                                    <p:cond delay="0"/>
+                                  </p:stCondLst>
+                                  <p:childTnLst>
+                                    <p:set>
+                                      <p:cBhvr>
+                                        <p:cTn id="6" dur="1" fill="hold">
+                                          <p:stCondLst>
+                                            <p:cond delay="0"/>
+                                          </p:stCondLst>
+                                        </p:cTn>
+                                        <p:tgtEl>
+                                          <p:spTgt spid="7"/>
+                                        </p:tgtEl>
+                                        <p:attrNameLst>
+                                          <p:attrName>style.visibility</p:attrName>
+                                        </p:attrNameLst>
+                                      </p:cBhvr>
+                                      <p:to>
+                                        <p:strVal val="visible"/>
+                                      </p:to>
+                                    </p:set>
+                                  </p:childTnLst>
+                                </p:cTn>
+                              </p:par>
+                              <p:par>
+                                <p:cTn id="7" presetID="1" presetClass="entr" presetSubtype="0" fill="hold" grpId="0" nodeType="withEffect">
+                                  <p:stCondLst>
+                                    <p:cond delay="0"/>
+                                  </p:stCondLst>
+                                  <p:childTnLst>
+                                    <p:set>
+                                      <p:cBhvr>
+                                        <p:cTn id="8" dur="1" fill="hold">
+                                          <p:stCondLst>
+                                            <p:cond delay="0"/>
+                                          </p:stCondLst>
+                                        </p:cTn>
+                                        <p:tgtEl>
+                                          <p:spTgt spid="16"/>
+                                        </p:tgtEl>
+                                        <p:attrNameLst>
+                                          <p:attrName>style.visibility</p:attrName>
+                                        </p:attrNameLst>
+                                      </p:cBhvr>
+                                      <p:to>
+                                        <p:strVal val="visible"/>
+                                      </p:to>
+                                    </p:set>
+                                  </p:childTnLst>
+                                </p:cTn>
+                              </p:par>
+                            </p:childTnLst>
+                          </p:cTn>
+                        </p:par>
+                      </p:childTnLst>
+                    </p:cTn>
+                  </p:par>
+                  <p:par>
+                    <p:cTn id="9" fill="hold">
+                      <p:stCondLst>
+                        <p:cond delay="indefinite"/>
+                      </p:stCondLst>
+                      <p:childTnLst>
+                        <p:par>
+                          <p:cTn id="10" fill="hold">
+                            <p:stCondLst>
+                              <p:cond delay="0"/>
+                            </p:stCondLst>
+                            <p:childTnLst>
+                              <p:par>
+                                <p:cTn id="11" presetID="1" presetClass="entr" presetSubtype="0" fill="hold" nodeType="clickEffect">
+                                  <p:stCondLst>
+                                    <p:cond delay="0"/>
+                                  </p:stCondLst>
+                                  <p:childTnLst>
+                                    <p:set>
+                                      <p:cBhvr>
+                                        <p:cTn id="12" dur="1" fill="hold">
+                                          <p:stCondLst>
+                                            <p:cond delay="0"/>
+                                          </p:stCondLst>
+                                        </p:cTn>
+                                        <p:tgtEl>
+                                          <p:spTgt spid="8"/>
+                                        </p:tgtEl>
+                                        <p:attrNameLst>
+                                          <p:attrName>style.visibility</p:attrName>
+                                        </p:attrNameLst>
+                                      </p:cBhvr>
+                                      <p:to>
+                                        <p:strVal val="visible"/>
+                                      </p:to>
+                                    </p:set>
+                                  </p:childTnLst>
+                                </p:cTn>
+                              </p:par>
+                              <p:par>
+                                <p:cTn id="13" presetID="1" presetClass="entr" presetSubtype="0" fill="hold" grpId="0" nodeType="withEffect">
+                                  <p:stCondLst>
+                                    <p:cond delay="0"/>
+                                  </p:stCondLst>
+                                  <p:childTnLst>
+                                    <p:set>
+                                      <p:cBhvr>
+                                        <p:cTn id="14" dur="1" fill="hold">
+                                          <p:stCondLst>
+                                            <p:cond delay="0"/>
+                                          </p:stCondLst>
+                                        </p:cTn>
+                                        <p:tgtEl>
+                                          <p:spTgt spid="15"/>
+                                        </p:tgtEl>
+                                        <p:attrNameLst>
+                                          <p:attrName>style.visibility</p:attrName>
+                                        </p:attrNameLst>
+                                      </p:cBhvr>
+                                      <p:to>
+                                        <p:strVal val="visible"/>
+                                      </p:to>
+                                    </p:set>
+                                  </p:childTnLst>
+                                </p:cTn>
+                              </p:par>
+                            </p:childTnLst>
+                          </p:cTn>
+                        </p:par>
+                      </p:childTnLst>
+                    </p:cTn>
+                  </p:par>
+                  <p:par>
+                    <p:cTn id="15" fill="hold">
+                      <p:stCondLst>
+                        <p:cond delay="indefinite"/>
+                      </p:stCondLst>
+                      <p:childTnLst>
+                        <p:par>
+                          <p:cTn id="16" fill="hold">
+                            <p:stCondLst>
+                              <p:cond delay="0"/>
+                            </p:stCondLst>
+                            <p:childTnLst>
+                              <p:par>
+                                <p:cTn id="17" presetID="1" presetClass="entr" presetSubtype="0" fill="hold" nodeType="clickEffect">
+                                  <p:stCondLst>
+                                    <p:cond delay="0"/>
+                                  </p:stCondLst>
+                                  <p:childTnLst>
+                                    <p:set>
+                                      <p:cBhvr>
+                                        <p:cTn id="18" dur="1" fill="hold">
+                                          <p:stCondLst>
+                                            <p:cond delay="0"/>
+                                          </p:stCondLst>
+                                        </p:cTn>
+                                        <p:tgtEl>
+                                          <p:spTgt spid="9"/>
+                                        </p:tgtEl>
+                                        <p:attrNameLst>
+                                          <p:attrName>style.visibility</p:attrName>
+                                        </p:attrNameLst>
+                                      </p:cBhvr>
+                                      <p:to>
+                                        <p:strVal val="visible"/>
+                                      </p:to>
+                                    </p:set>
+                                  </p:childTnLst>
+                                </p:cTn>
+                              </p:par>
+                              <p:par>
+                                <p:cTn id="19" presetID="1" presetClass="entr" presetSubtype="0" fill="hold" grpId="0" nodeType="withEffect">
+                                  <p:stCondLst>
+                                    <p:cond delay="0"/>
+                                  </p:stCondLst>
+                                  <p:childTnLst>
+                                    <p:set>
+                                      <p:cBhvr>
+                                        <p:cTn id="20" dur="1" fill="hold">
+                                          <p:stCondLst>
+                                            <p:cond delay="0"/>
+                                          </p:stCondLst>
+                                        </p:cTn>
+                                        <p:tgtEl>
+                                          <p:spTgt spid="14"/>
+                                        </p:tgtEl>
+                                        <p:attrNameLst>
+                                          <p:attrName>style.visibility</p:attrName>
+                                        </p:attrNameLst>
+                                      </p:cBhvr>
+                                      <p:to>
+                                        <p:strVal val="visible"/>
+                                      </p:to>
+                                    </p:set>
+                                  </p:childTnLst>
+                                </p:cTn>
+                              </p:par>
+                            </p:childTnLst>
+                          </p:cTn>
+                        </p:par>
+                      </p:childTnLst>
+                    </p:cTn>
+                  </p:par>
+                  <p:par>
+                    <p:cTn id="21" fill="hold">
+                      <p:stCondLst>
+                        <p:cond delay="indefinite"/>
+                      </p:stCondLst>
+                      <p:childTnLst>
+                        <p:par>
+                          <p:cTn id="22" fill="hold">
+                            <p:stCondLst>
+                              <p:cond delay="0"/>
+                            </p:stCondLst>
+                            <p:childTnLst>
+                              <p:par>
+                                <p:cTn id="23" presetID="1" presetClass="entr" presetSubtype="0" fill="hold" nodeType="clickEffect">
+                                  <p:stCondLst>
+                                    <p:cond delay="0"/>
+                                  </p:stCondLst>
+                                  <p:childTnLst>
+                                    <p:set>
+                                      <p:cBhvr>
+                                        <p:cTn id="24" dur="1" fill="hold">
+                                          <p:stCondLst>
+                                            <p:cond delay="0"/>
+                                          </p:stCondLst>
+                                        </p:cTn>
+                                        <p:tgtEl>
+                                          <p:spTgt spid="10"/>
+                                        </p:tgtEl>
+                                        <p:attrNameLst>
+                                          <p:attrName>style.visibility</p:attrName>
+                                        </p:attrNameLst>
+                                      </p:cBhvr>
+                                      <p:to>
+                                        <p:strVal val="visible"/>
+                                      </p:to>
+                                    </p:set>
+                                  </p:childTnLst>
+                                </p:cTn>
+                              </p:par>
+                              <p:par>
+                                <p:cTn id="25" presetID="1" presetClass="entr" presetSubtype="0" fill="hold" grpId="0" nodeType="withEffect">
+                                  <p:stCondLst>
+                                    <p:cond delay="0"/>
+                                  </p:stCondLst>
+                                  <p:childTnLst>
+                                    <p:set>
+                                      <p:cBhvr>
+                                        <p:cTn id="26" dur="1" fill="hold">
+                                          <p:stCondLst>
+                                            <p:cond delay="0"/>
+                                          </p:stCondLst>
+                                        </p:cTn>
+                                        <p:tgtEl>
+                                          <p:spTgt spid="13"/>
+                                        </p:tgtEl>
+                                        <p:attrNameLst>
+                                          <p:attrName>style.visibility</p:attrName>
+                                        </p:attrNameLst>
+                                      </p:cBhvr>
+                                      <p:to>
+                                        <p:strVal val="visible"/>
+                                      </p:to>
+                                    </p:set>
+                                  </p:childTnLst>
+                                </p:cTn>
+                              </p:par>
+                            </p:childTnLst>
+                          </p:cTn>
+                        </p:par>
+                      </p:childTnLst>
+                    </p:cTn>
+                  </p:par>
+                  <p:par>
+                    <p:cTn id="27" fill="hold">
+                      <p:stCondLst>
+                        <p:cond delay="indefinite"/>
+                      </p:stCondLst>
+                      <p:childTnLst>
+                        <p:par>
+                          <p:cTn id="28" fill="hold">
+                            <p:stCondLst>
+                              <p:cond delay="0"/>
+                            </p:stCondLst>
+                            <p:childTnLst>
+                              <p:par>
+                                <p:cTn id="29" presetID="1" presetClass="entr" presetSubtype="0" fill="hold" nodeType="clickEffect">
+                                  <p:stCondLst>
+                                    <p:cond delay="0"/>
+                                  </p:stCondLst>
+                                  <p:childTnLst>
+                                    <p:set>
+                                      <p:cBhvr>
+                                        <p:cTn id="30" dur="1" fill="hold">
+                                          <p:stCondLst>
+                                            <p:cond delay="0"/>
+                                          </p:stCondLst>
+                                        </p:cTn>
+                                        <p:tgtEl>
+                                          <p:spTgt spid="11"/>
+                                        </p:tgtEl>
+                                        <p:attrNameLst>
+                                          <p:attrName>style.visibility</p:attrName>
+                                        </p:attrNameLst>
+                                      </p:cBhvr>
+                                      <p:to>
+                                        <p:strVal val="visible"/>
+                                      </p:to>
+                                    </p:set>
+                                  </p:childTnLst>
+                                </p:cTn>
+                              </p:par>
+                              <p:par>
+                                <p:cTn id="31" presetID="1" presetClass="entr" presetSubtype="0" fill="hold" grpId="0" nodeType="withEffect">
+                                  <p:stCondLst>
+                                    <p:cond delay="0"/>
+                                  </p:stCondLst>
+                                  <p:childTnLst>
+                                    <p:set>
+                                      <p:cBhvr>
+                                        <p:cTn id="32" dur="1" fill="hold">
+                                          <p:stCondLst>
+                                            <p:cond delay="0"/>
+                                          </p:stCondLst>
+                                        </p:cTn>
+                                        <p:tgtEl>
+                                          <p:spTgt spid="12"/>
+                                        </p:tgtEl>
+                                        <p:attrNameLst>
+                                          <p:attrName>style.visibility</p:attrName>
+                                        </p:attrNameLst>
+                                      </p:cBhvr>
+                                      <p:to>
+                                        <p:strVal val="visible"/>
+                                      </p:to>
+                                    </p:set>
+                                  </p:childTnLst>
+                                </p:cTn>
+                              </p:par>
+                            </p:childTnLst>
+                          </p:cTn>
+                        </p:par>
+                      </p:childTnLst>
+                    </p:cTn>
+                  </p:par>
+                </p:childTnLst>
+              </p:cTn>
+              <p:prevCondLst>
+                <p:cond evt="onPrev" delay="0">
+                  <p:tgtEl>
+                    <p:sldTgt/>
+                  </p:tgtEl>
+                </p:cond>
+              </p:prevCondLst>
+              <p:nextCondLst>
+                <p:cond evt="onNext" delay="0">
+                  <p:tgtEl>
+                    <p:sldTgt/>
+                  </p:tgtEl>
+                </p:cond>
+              </p:nextCondLst>
+            </p:seq>
+          </p:childTnLst>
+        </p:cTn>
+      </p:par>
+    </p:tnLst>
+    <p:bldLst>
+      <p:bldP spid="12" grpId="0"/>
+      <p:bldP spid="13" grpId="0"/>
+      <p:bldP spid="14" grpId="0"/>
+      <p:bldP spid="15" grpId="0"/>
+      <p:bldP spid="16" grpId="0"/>
+    </p:bldLst>
+  </p:timing>
+</p:sld>
+</file>
+
+<file path=ppt/slides/slide3.xml><?xml version="1.0" encoding="utf-8"?>
 <p:sld xmlns:a="http://schemas.openxmlformats.org/drawingml/2006/main" xmlns:r="http://schemas.openxmlformats.org/officeDocument/2006/relationships" xmlns:p="http://schemas.openxmlformats.org/presentationml/2006/main">
   <p:cSld>
     <p:spTree>
@@ -20463,7 +24888,7 @@
 </p:sld>
 </file>
 
-<file path=ppt/slides/slide3.xml><?xml version="1.0" encoding="utf-8"?>
+<file path=ppt/slides/slide4.xml><?xml version="1.0" encoding="utf-8"?>
 <p:sld xmlns:a="http://schemas.openxmlformats.org/drawingml/2006/main" xmlns:r="http://schemas.openxmlformats.org/officeDocument/2006/relationships" xmlns:p="http://schemas.openxmlformats.org/presentationml/2006/main">
   <p:cSld>
     <p:spTree>
@@ -20570,7 +24995,7 @@
 </p:sld>
 </file>
 
-<file path=ppt/slides/slide4.xml><?xml version="1.0" encoding="utf-8"?>
+<file path=ppt/slides/slide5.xml><?xml version="1.0" encoding="utf-8"?>
 <p:sld xmlns:a="http://schemas.openxmlformats.org/drawingml/2006/main" xmlns:r="http://schemas.openxmlformats.org/officeDocument/2006/relationships" xmlns:p="http://schemas.openxmlformats.org/presentationml/2006/main">
   <p:cSld>
     <p:spTree>
@@ -22491,7 +26916,7 @@
 </p:sld>
 </file>
 
-<file path=ppt/slides/slide5.xml><?xml version="1.0" encoding="utf-8"?>
+<file path=ppt/slides/slide6.xml><?xml version="1.0" encoding="utf-8"?>
 <p:sld xmlns:a="http://schemas.openxmlformats.org/drawingml/2006/main" xmlns:r="http://schemas.openxmlformats.org/officeDocument/2006/relationships" xmlns:p="http://schemas.openxmlformats.org/presentationml/2006/main">
   <p:cSld>
     <p:spTree>
@@ -24395,7 +28820,7 @@
 </p:sld>
 </file>
 
-<file path=ppt/slides/slide6.xml><?xml version="1.0" encoding="utf-8"?>
+<file path=ppt/slides/slide7.xml><?xml version="1.0" encoding="utf-8"?>
 <p:sld xmlns:a="http://schemas.openxmlformats.org/drawingml/2006/main" xmlns:r="http://schemas.openxmlformats.org/officeDocument/2006/relationships" xmlns:p="http://schemas.openxmlformats.org/presentationml/2006/main">
   <p:cSld>
     <p:spTree>
@@ -26148,7 +30573,7 @@
 </p:sld>
 </file>
 
-<file path=ppt/slides/slide7.xml><?xml version="1.0" encoding="utf-8"?>
+<file path=ppt/slides/slide8.xml><?xml version="1.0" encoding="utf-8"?>
 <p:sld xmlns:a="http://schemas.openxmlformats.org/drawingml/2006/main" xmlns:r="http://schemas.openxmlformats.org/officeDocument/2006/relationships" xmlns:p="http://schemas.openxmlformats.org/presentationml/2006/main">
   <p:cSld>
     <p:spTree>
@@ -27661,7 +32086,7 @@
 </p:sld>
 </file>
 
-<file path=ppt/slides/slide8.xml><?xml version="1.0" encoding="utf-8"?>
+<file path=ppt/slides/slide9.xml><?xml version="1.0" encoding="utf-8"?>
 <p:sld xmlns:a="http://schemas.openxmlformats.org/drawingml/2006/main" xmlns:r="http://schemas.openxmlformats.org/officeDocument/2006/relationships" xmlns:p="http://schemas.openxmlformats.org/presentationml/2006/main">
   <p:cSld>
     <p:spTree>
@@ -33092,3032 +37517,6 @@
 </p:sld>
 </file>
 
-<file path=ppt/slides/slide9.xml><?xml version="1.0" encoding="utf-8"?>
-<p:sld xmlns:a="http://schemas.openxmlformats.org/drawingml/2006/main" xmlns:r="http://schemas.openxmlformats.org/officeDocument/2006/relationships" xmlns:p="http://schemas.openxmlformats.org/presentationml/2006/main">
-  <p:cSld>
-    <p:spTree>
-      <p:nvGrpSpPr>
-        <p:cNvPr id="1" name=""/>
-        <p:cNvGrpSpPr/>
-        <p:nvPr/>
-      </p:nvGrpSpPr>
-      <p:grpSpPr>
-        <a:xfrm>
-          <a:off x="0" y="0"/>
-          <a:ext cx="0" cy="0"/>
-          <a:chOff x="0" y="0"/>
-          <a:chExt cx="0" cy="0"/>
-        </a:xfrm>
-      </p:grpSpPr>
-      <p:sp>
-        <p:nvSpPr>
-          <p:cNvPr id="38" name="矩形 37">
-            <a:extLst>
-              <a:ext uri="{FF2B5EF4-FFF2-40B4-BE49-F238E27FC236}">
-                <a16:creationId xmlns:a16="http://schemas.microsoft.com/office/drawing/2014/main" id="{957884C5-99A5-4FD1-9B39-786459650B22}"/>
-              </a:ext>
-            </a:extLst>
-          </p:cNvPr>
-          <p:cNvSpPr/>
-          <p:nvPr/>
-        </p:nvSpPr>
-        <p:spPr>
-          <a:xfrm>
-            <a:off x="257233" y="253049"/>
-            <a:ext cx="4944617" cy="753626"/>
-          </a:xfrm>
-          <a:prstGeom prst="rect">
-            <a:avLst/>
-          </a:prstGeom>
-          <a:noFill/>
-        </p:spPr>
-        <p:style>
-          <a:lnRef idx="2">
-            <a:schemeClr val="accent1">
-              <a:shade val="50000"/>
-            </a:schemeClr>
-          </a:lnRef>
-          <a:fillRef idx="1">
-            <a:schemeClr val="accent1"/>
-          </a:fillRef>
-          <a:effectRef idx="0">
-            <a:schemeClr val="accent1"/>
-          </a:effectRef>
-          <a:fontRef idx="minor">
-            <a:schemeClr val="lt1"/>
-          </a:fontRef>
-        </p:style>
-        <p:txBody>
-          <a:bodyPr rtlCol="0" anchor="ctr"/>
-          <a:lstStyle/>
-          <a:p>
-            <a:pPr algn="ctr"/>
-            <a:endParaRPr lang="zh-CN" altLang="en-US"/>
-          </a:p>
-        </p:txBody>
-      </p:sp>
-      <p:sp>
-        <p:nvSpPr>
-          <p:cNvPr id="39" name="流程图: 接点 38">
-            <a:extLst>
-              <a:ext uri="{FF2B5EF4-FFF2-40B4-BE49-F238E27FC236}">
-                <a16:creationId xmlns:a16="http://schemas.microsoft.com/office/drawing/2014/main" id="{2E3BD1F0-0AA2-4039-8687-A2D38CC58E4E}"/>
-              </a:ext>
-            </a:extLst>
-          </p:cNvPr>
-          <p:cNvSpPr/>
-          <p:nvPr/>
-        </p:nvSpPr>
-        <p:spPr>
-          <a:xfrm>
-            <a:off x="301616" y="301452"/>
-            <a:ext cx="753626" cy="663191"/>
-          </a:xfrm>
-          <a:prstGeom prst="flowChartConnector">
-            <a:avLst/>
-          </a:prstGeom>
-        </p:spPr>
-        <p:style>
-          <a:lnRef idx="2">
-            <a:schemeClr val="accent1">
-              <a:shade val="50000"/>
-            </a:schemeClr>
-          </a:lnRef>
-          <a:fillRef idx="1">
-            <a:schemeClr val="accent1"/>
-          </a:fillRef>
-          <a:effectRef idx="0">
-            <a:schemeClr val="accent1"/>
-          </a:effectRef>
-          <a:fontRef idx="minor">
-            <a:schemeClr val="lt1"/>
-          </a:fontRef>
-        </p:style>
-        <p:txBody>
-          <a:bodyPr rtlCol="0" anchor="ctr"/>
-          <a:lstStyle/>
-          <a:p>
-            <a:pPr algn="ctr"/>
-            <a:r>
-              <a:rPr lang="en-US" altLang="zh-CN" dirty="0"/>
-              <a:t>8</a:t>
-            </a:r>
-            <a:endParaRPr lang="zh-CN" altLang="en-US" dirty="0"/>
-          </a:p>
-        </p:txBody>
-      </p:sp>
-      <p:sp>
-        <p:nvSpPr>
-          <p:cNvPr id="40" name="流程图: 接点 39">
-            <a:extLst>
-              <a:ext uri="{FF2B5EF4-FFF2-40B4-BE49-F238E27FC236}">
-                <a16:creationId xmlns:a16="http://schemas.microsoft.com/office/drawing/2014/main" id="{7A498C70-D697-4970-A236-01BF9C631CB5}"/>
-              </a:ext>
-            </a:extLst>
-          </p:cNvPr>
-          <p:cNvSpPr/>
-          <p:nvPr/>
-        </p:nvSpPr>
-        <p:spPr>
-          <a:xfrm>
-            <a:off x="1135795" y="301449"/>
-            <a:ext cx="753626" cy="663191"/>
-          </a:xfrm>
-          <a:prstGeom prst="flowChartConnector">
-            <a:avLst/>
-          </a:prstGeom>
-        </p:spPr>
-        <p:style>
-          <a:lnRef idx="2">
-            <a:schemeClr val="accent1">
-              <a:shade val="50000"/>
-            </a:schemeClr>
-          </a:lnRef>
-          <a:fillRef idx="1">
-            <a:schemeClr val="accent1"/>
-          </a:fillRef>
-          <a:effectRef idx="0">
-            <a:schemeClr val="accent1"/>
-          </a:effectRef>
-          <a:fontRef idx="minor">
-            <a:schemeClr val="lt1"/>
-          </a:fontRef>
-        </p:style>
-        <p:txBody>
-          <a:bodyPr rtlCol="0" anchor="ctr"/>
-          <a:lstStyle/>
-          <a:p>
-            <a:pPr algn="ctr"/>
-            <a:r>
-              <a:rPr lang="en-US" altLang="zh-CN" dirty="0"/>
-              <a:t>7</a:t>
-            </a:r>
-            <a:endParaRPr lang="zh-CN" altLang="en-US" dirty="0"/>
-          </a:p>
-        </p:txBody>
-      </p:sp>
-      <p:sp>
-        <p:nvSpPr>
-          <p:cNvPr id="41" name="流程图: 接点 40">
-            <a:extLst>
-              <a:ext uri="{FF2B5EF4-FFF2-40B4-BE49-F238E27FC236}">
-                <a16:creationId xmlns:a16="http://schemas.microsoft.com/office/drawing/2014/main" id="{2A94C4A3-DB57-4BAF-AB40-E388BE051EC5}"/>
-              </a:ext>
-            </a:extLst>
-          </p:cNvPr>
-          <p:cNvSpPr/>
-          <p:nvPr/>
-        </p:nvSpPr>
-        <p:spPr>
-          <a:xfrm>
-            <a:off x="1999537" y="325524"/>
-            <a:ext cx="753626" cy="663191"/>
-          </a:xfrm>
-          <a:prstGeom prst="flowChartConnector">
-            <a:avLst/>
-          </a:prstGeom>
-        </p:spPr>
-        <p:style>
-          <a:lnRef idx="2">
-            <a:schemeClr val="accent1">
-              <a:shade val="50000"/>
-            </a:schemeClr>
-          </a:lnRef>
-          <a:fillRef idx="1">
-            <a:schemeClr val="accent1"/>
-          </a:fillRef>
-          <a:effectRef idx="0">
-            <a:schemeClr val="accent1"/>
-          </a:effectRef>
-          <a:fontRef idx="minor">
-            <a:schemeClr val="lt1"/>
-          </a:fontRef>
-        </p:style>
-        <p:txBody>
-          <a:bodyPr rtlCol="0" anchor="ctr"/>
-          <a:lstStyle/>
-          <a:p>
-            <a:pPr algn="ctr"/>
-            <a:r>
-              <a:rPr lang="en-US" altLang="zh-CN" dirty="0"/>
-              <a:t>5</a:t>
-            </a:r>
-            <a:endParaRPr lang="zh-CN" altLang="en-US" dirty="0"/>
-          </a:p>
-        </p:txBody>
-      </p:sp>
-      <p:sp>
-        <p:nvSpPr>
-          <p:cNvPr id="42" name="流程图: 接点 41">
-            <a:extLst>
-              <a:ext uri="{FF2B5EF4-FFF2-40B4-BE49-F238E27FC236}">
-                <a16:creationId xmlns:a16="http://schemas.microsoft.com/office/drawing/2014/main" id="{D2B826B4-39B1-48F6-BEA8-06AFB501F384}"/>
-              </a:ext>
-            </a:extLst>
-          </p:cNvPr>
-          <p:cNvSpPr/>
-          <p:nvPr/>
-        </p:nvSpPr>
-        <p:spPr>
-          <a:xfrm>
-            <a:off x="2844429" y="311498"/>
-            <a:ext cx="753626" cy="663191"/>
-          </a:xfrm>
-          <a:prstGeom prst="flowChartConnector">
-            <a:avLst/>
-          </a:prstGeom>
-        </p:spPr>
-        <p:style>
-          <a:lnRef idx="2">
-            <a:schemeClr val="accent1">
-              <a:shade val="50000"/>
-            </a:schemeClr>
-          </a:lnRef>
-          <a:fillRef idx="1">
-            <a:schemeClr val="accent1"/>
-          </a:fillRef>
-          <a:effectRef idx="0">
-            <a:schemeClr val="accent1"/>
-          </a:effectRef>
-          <a:fontRef idx="minor">
-            <a:schemeClr val="lt1"/>
-          </a:fontRef>
-        </p:style>
-        <p:txBody>
-          <a:bodyPr rtlCol="0" anchor="ctr"/>
-          <a:lstStyle/>
-          <a:p>
-            <a:pPr algn="ctr"/>
-            <a:r>
-              <a:rPr lang="en-US" altLang="zh-CN" dirty="0"/>
-              <a:t>6</a:t>
-            </a:r>
-            <a:endParaRPr lang="zh-CN" altLang="en-US" dirty="0"/>
-          </a:p>
-        </p:txBody>
-      </p:sp>
-      <p:sp>
-        <p:nvSpPr>
-          <p:cNvPr id="43" name="流程图: 接点 42">
-            <a:extLst>
-              <a:ext uri="{FF2B5EF4-FFF2-40B4-BE49-F238E27FC236}">
-                <a16:creationId xmlns:a16="http://schemas.microsoft.com/office/drawing/2014/main" id="{7F610D5D-E357-4A1E-B4A2-35A587DBDB34}"/>
-              </a:ext>
-            </a:extLst>
-          </p:cNvPr>
-          <p:cNvSpPr/>
-          <p:nvPr/>
-        </p:nvSpPr>
-        <p:spPr>
-          <a:xfrm>
-            <a:off x="3625794" y="309549"/>
-            <a:ext cx="753626" cy="663191"/>
-          </a:xfrm>
-          <a:prstGeom prst="flowChartConnector">
-            <a:avLst/>
-          </a:prstGeom>
-        </p:spPr>
-        <p:style>
-          <a:lnRef idx="2">
-            <a:schemeClr val="accent1">
-              <a:shade val="50000"/>
-            </a:schemeClr>
-          </a:lnRef>
-          <a:fillRef idx="1">
-            <a:schemeClr val="accent1"/>
-          </a:fillRef>
-          <a:effectRef idx="0">
-            <a:schemeClr val="accent1"/>
-          </a:effectRef>
-          <a:fontRef idx="minor">
-            <a:schemeClr val="lt1"/>
-          </a:fontRef>
-        </p:style>
-        <p:txBody>
-          <a:bodyPr rtlCol="0" anchor="ctr"/>
-          <a:lstStyle/>
-          <a:p>
-            <a:pPr algn="ctr"/>
-            <a:r>
-              <a:rPr lang="en-US" altLang="zh-CN" dirty="0"/>
-              <a:t>4</a:t>
-            </a:r>
-            <a:endParaRPr lang="zh-CN" altLang="en-US" dirty="0"/>
-          </a:p>
-        </p:txBody>
-      </p:sp>
-      <p:sp>
-        <p:nvSpPr>
-          <p:cNvPr id="58" name="流程图: 接点 57">
-            <a:extLst>
-              <a:ext uri="{FF2B5EF4-FFF2-40B4-BE49-F238E27FC236}">
-                <a16:creationId xmlns:a16="http://schemas.microsoft.com/office/drawing/2014/main" id="{284E0DBE-EFC2-48F9-B5BD-AE40A44309EE}"/>
-              </a:ext>
-            </a:extLst>
-          </p:cNvPr>
-          <p:cNvSpPr/>
-          <p:nvPr/>
-        </p:nvSpPr>
-        <p:spPr>
-          <a:xfrm>
-            <a:off x="5704434" y="2586651"/>
-            <a:ext cx="753626" cy="663191"/>
-          </a:xfrm>
-          <a:prstGeom prst="flowChartConnector">
-            <a:avLst/>
-          </a:prstGeom>
-        </p:spPr>
-        <p:style>
-          <a:lnRef idx="2">
-            <a:schemeClr val="accent1">
-              <a:shade val="50000"/>
-            </a:schemeClr>
-          </a:lnRef>
-          <a:fillRef idx="1">
-            <a:schemeClr val="accent1"/>
-          </a:fillRef>
-          <a:effectRef idx="0">
-            <a:schemeClr val="accent1"/>
-          </a:effectRef>
-          <a:fontRef idx="minor">
-            <a:schemeClr val="lt1"/>
-          </a:fontRef>
-        </p:style>
-        <p:txBody>
-          <a:bodyPr rtlCol="0" anchor="ctr"/>
-          <a:lstStyle/>
-          <a:p>
-            <a:pPr algn="ctr"/>
-            <a:r>
-              <a:rPr lang="en-US" altLang="zh-CN" dirty="0"/>
-              <a:t>8</a:t>
-            </a:r>
-            <a:endParaRPr lang="zh-CN" altLang="en-US" dirty="0"/>
-          </a:p>
-        </p:txBody>
-      </p:sp>
-      <p:sp>
-        <p:nvSpPr>
-          <p:cNvPr id="59" name="流程图: 接点 58">
-            <a:extLst>
-              <a:ext uri="{FF2B5EF4-FFF2-40B4-BE49-F238E27FC236}">
-                <a16:creationId xmlns:a16="http://schemas.microsoft.com/office/drawing/2014/main" id="{0A545AD7-89E7-4206-AEC3-82049F4CD93F}"/>
-              </a:ext>
-            </a:extLst>
-          </p:cNvPr>
-          <p:cNvSpPr/>
-          <p:nvPr/>
-        </p:nvSpPr>
-        <p:spPr>
-          <a:xfrm>
-            <a:off x="4448224" y="3723790"/>
-            <a:ext cx="753626" cy="663191"/>
-          </a:xfrm>
-          <a:prstGeom prst="flowChartConnector">
-            <a:avLst/>
-          </a:prstGeom>
-        </p:spPr>
-        <p:style>
-          <a:lnRef idx="2">
-            <a:schemeClr val="accent1">
-              <a:shade val="50000"/>
-            </a:schemeClr>
-          </a:lnRef>
-          <a:fillRef idx="1">
-            <a:schemeClr val="accent1"/>
-          </a:fillRef>
-          <a:effectRef idx="0">
-            <a:schemeClr val="accent1"/>
-          </a:effectRef>
-          <a:fontRef idx="minor">
-            <a:schemeClr val="lt1"/>
-          </a:fontRef>
-        </p:style>
-        <p:txBody>
-          <a:bodyPr rtlCol="0" anchor="ctr"/>
-          <a:lstStyle/>
-          <a:p>
-            <a:pPr algn="ctr"/>
-            <a:r>
-              <a:rPr lang="en-US" altLang="zh-CN" dirty="0"/>
-              <a:t>7</a:t>
-            </a:r>
-            <a:endParaRPr lang="zh-CN" altLang="en-US" dirty="0"/>
-          </a:p>
-        </p:txBody>
-      </p:sp>
-      <p:cxnSp>
-        <p:nvCxnSpPr>
-          <p:cNvPr id="60" name="直接连接符 59">
-            <a:extLst>
-              <a:ext uri="{FF2B5EF4-FFF2-40B4-BE49-F238E27FC236}">
-                <a16:creationId xmlns:a16="http://schemas.microsoft.com/office/drawing/2014/main" id="{F45283D3-77C2-4807-9EEC-79557B18B455}"/>
-              </a:ext>
-            </a:extLst>
-          </p:cNvPr>
-          <p:cNvCxnSpPr>
-            <a:stCxn id="58" idx="3"/>
-            <a:endCxn id="59" idx="7"/>
-          </p:cNvCxnSpPr>
-          <p:nvPr/>
-        </p:nvCxnSpPr>
-        <p:spPr>
-          <a:xfrm flipH="1">
-            <a:off x="5091484" y="3152720"/>
-            <a:ext cx="723316" cy="668192"/>
-          </a:xfrm>
-          <a:prstGeom prst="line">
-            <a:avLst/>
-          </a:prstGeom>
-          <a:ln w="38100"/>
-        </p:spPr>
-        <p:style>
-          <a:lnRef idx="1">
-            <a:schemeClr val="accent1"/>
-          </a:lnRef>
-          <a:fillRef idx="0">
-            <a:schemeClr val="accent1"/>
-          </a:fillRef>
-          <a:effectRef idx="0">
-            <a:schemeClr val="accent1"/>
-          </a:effectRef>
-          <a:fontRef idx="minor">
-            <a:schemeClr val="tx1"/>
-          </a:fontRef>
-        </p:style>
-      </p:cxnSp>
-      <p:sp>
-        <p:nvSpPr>
-          <p:cNvPr id="61" name="流程图: 接点 60">
-            <a:extLst>
-              <a:ext uri="{FF2B5EF4-FFF2-40B4-BE49-F238E27FC236}">
-                <a16:creationId xmlns:a16="http://schemas.microsoft.com/office/drawing/2014/main" id="{0113D8A9-D57C-4600-A8A6-8E11504ABB85}"/>
-              </a:ext>
-            </a:extLst>
-          </p:cNvPr>
-          <p:cNvSpPr/>
-          <p:nvPr/>
-        </p:nvSpPr>
-        <p:spPr>
-          <a:xfrm>
-            <a:off x="7447823" y="3820912"/>
-            <a:ext cx="753626" cy="663191"/>
-          </a:xfrm>
-          <a:prstGeom prst="flowChartConnector">
-            <a:avLst/>
-          </a:prstGeom>
-        </p:spPr>
-        <p:style>
-          <a:lnRef idx="2">
-            <a:schemeClr val="accent1">
-              <a:shade val="50000"/>
-            </a:schemeClr>
-          </a:lnRef>
-          <a:fillRef idx="1">
-            <a:schemeClr val="accent1"/>
-          </a:fillRef>
-          <a:effectRef idx="0">
-            <a:schemeClr val="accent1"/>
-          </a:effectRef>
-          <a:fontRef idx="minor">
-            <a:schemeClr val="lt1"/>
-          </a:fontRef>
-        </p:style>
-        <p:txBody>
-          <a:bodyPr rtlCol="0" anchor="ctr"/>
-          <a:lstStyle/>
-          <a:p>
-            <a:pPr algn="ctr"/>
-            <a:r>
-              <a:rPr lang="en-US" altLang="zh-CN" dirty="0"/>
-              <a:t>5</a:t>
-            </a:r>
-            <a:endParaRPr lang="zh-CN" altLang="en-US" dirty="0"/>
-          </a:p>
-        </p:txBody>
-      </p:sp>
-      <p:cxnSp>
-        <p:nvCxnSpPr>
-          <p:cNvPr id="62" name="直接连接符 61">
-            <a:extLst>
-              <a:ext uri="{FF2B5EF4-FFF2-40B4-BE49-F238E27FC236}">
-                <a16:creationId xmlns:a16="http://schemas.microsoft.com/office/drawing/2014/main" id="{106D938F-F111-4C7B-A339-8266E691543B}"/>
-              </a:ext>
-            </a:extLst>
-          </p:cNvPr>
-          <p:cNvCxnSpPr>
-            <a:cxnSpLocks/>
-            <a:stCxn id="58" idx="5"/>
-            <a:endCxn id="61" idx="1"/>
-          </p:cNvCxnSpPr>
-          <p:nvPr/>
-        </p:nvCxnSpPr>
-        <p:spPr>
-          <a:xfrm>
-            <a:off x="6347694" y="3152720"/>
-            <a:ext cx="1210495" cy="765314"/>
-          </a:xfrm>
-          <a:prstGeom prst="line">
-            <a:avLst/>
-          </a:prstGeom>
-          <a:ln w="38100"/>
-        </p:spPr>
-        <p:style>
-          <a:lnRef idx="1">
-            <a:schemeClr val="accent1"/>
-          </a:lnRef>
-          <a:fillRef idx="0">
-            <a:schemeClr val="accent1"/>
-          </a:fillRef>
-          <a:effectRef idx="0">
-            <a:schemeClr val="accent1"/>
-          </a:effectRef>
-          <a:fontRef idx="minor">
-            <a:schemeClr val="tx1"/>
-          </a:fontRef>
-        </p:style>
-      </p:cxnSp>
-      <p:sp>
-        <p:nvSpPr>
-          <p:cNvPr id="63" name="流程图: 接点 62">
-            <a:extLst>
-              <a:ext uri="{FF2B5EF4-FFF2-40B4-BE49-F238E27FC236}">
-                <a16:creationId xmlns:a16="http://schemas.microsoft.com/office/drawing/2014/main" id="{1974DCD6-546F-41F7-9FEA-FB307EC5B7B2}"/>
-              </a:ext>
-            </a:extLst>
-          </p:cNvPr>
-          <p:cNvSpPr/>
-          <p:nvPr/>
-        </p:nvSpPr>
-        <p:spPr>
-          <a:xfrm>
-            <a:off x="3263440" y="4819897"/>
-            <a:ext cx="753626" cy="663191"/>
-          </a:xfrm>
-          <a:prstGeom prst="flowChartConnector">
-            <a:avLst/>
-          </a:prstGeom>
-        </p:spPr>
-        <p:style>
-          <a:lnRef idx="2">
-            <a:schemeClr val="accent1">
-              <a:shade val="50000"/>
-            </a:schemeClr>
-          </a:lnRef>
-          <a:fillRef idx="1">
-            <a:schemeClr val="accent1"/>
-          </a:fillRef>
-          <a:effectRef idx="0">
-            <a:schemeClr val="accent1"/>
-          </a:effectRef>
-          <a:fontRef idx="minor">
-            <a:schemeClr val="lt1"/>
-          </a:fontRef>
-        </p:style>
-        <p:txBody>
-          <a:bodyPr rtlCol="0" anchor="ctr"/>
-          <a:lstStyle/>
-          <a:p>
-            <a:pPr algn="ctr"/>
-            <a:r>
-              <a:rPr lang="en-US" altLang="zh-CN" dirty="0"/>
-              <a:t>6</a:t>
-            </a:r>
-            <a:endParaRPr lang="zh-CN" altLang="en-US" dirty="0"/>
-          </a:p>
-        </p:txBody>
-      </p:sp>
-      <p:cxnSp>
-        <p:nvCxnSpPr>
-          <p:cNvPr id="64" name="直接连接符 63">
-            <a:extLst>
-              <a:ext uri="{FF2B5EF4-FFF2-40B4-BE49-F238E27FC236}">
-                <a16:creationId xmlns:a16="http://schemas.microsoft.com/office/drawing/2014/main" id="{13BAFC4B-2F54-460B-8978-71F15D8C65E5}"/>
-              </a:ext>
-            </a:extLst>
-          </p:cNvPr>
-          <p:cNvCxnSpPr>
-            <a:endCxn id="63" idx="7"/>
-          </p:cNvCxnSpPr>
-          <p:nvPr/>
-        </p:nvCxnSpPr>
-        <p:spPr>
-          <a:xfrm flipH="1">
-            <a:off x="3906700" y="4248827"/>
-            <a:ext cx="723316" cy="668192"/>
-          </a:xfrm>
-          <a:prstGeom prst="line">
-            <a:avLst/>
-          </a:prstGeom>
-          <a:ln w="38100"/>
-        </p:spPr>
-        <p:style>
-          <a:lnRef idx="1">
-            <a:schemeClr val="accent1"/>
-          </a:lnRef>
-          <a:fillRef idx="0">
-            <a:schemeClr val="accent1"/>
-          </a:fillRef>
-          <a:effectRef idx="0">
-            <a:schemeClr val="accent1"/>
-          </a:effectRef>
-          <a:fontRef idx="minor">
-            <a:schemeClr val="tx1"/>
-          </a:fontRef>
-        </p:style>
-      </p:cxnSp>
-      <p:sp>
-        <p:nvSpPr>
-          <p:cNvPr id="65" name="流程图: 接点 64">
-            <a:extLst>
-              <a:ext uri="{FF2B5EF4-FFF2-40B4-BE49-F238E27FC236}">
-                <a16:creationId xmlns:a16="http://schemas.microsoft.com/office/drawing/2014/main" id="{8F067BF6-48E3-4F91-B558-F0BFF042027A}"/>
-              </a:ext>
-            </a:extLst>
-          </p:cNvPr>
-          <p:cNvSpPr/>
-          <p:nvPr/>
-        </p:nvSpPr>
-        <p:spPr>
-          <a:xfrm>
-            <a:off x="5604542" y="4860929"/>
-            <a:ext cx="753626" cy="663191"/>
-          </a:xfrm>
-          <a:prstGeom prst="flowChartConnector">
-            <a:avLst/>
-          </a:prstGeom>
-        </p:spPr>
-        <p:style>
-          <a:lnRef idx="2">
-            <a:schemeClr val="accent1">
-              <a:shade val="50000"/>
-            </a:schemeClr>
-          </a:lnRef>
-          <a:fillRef idx="1">
-            <a:schemeClr val="accent1"/>
-          </a:fillRef>
-          <a:effectRef idx="0">
-            <a:schemeClr val="accent1"/>
-          </a:effectRef>
-          <a:fontRef idx="minor">
-            <a:schemeClr val="lt1"/>
-          </a:fontRef>
-        </p:style>
-        <p:txBody>
-          <a:bodyPr rtlCol="0" anchor="ctr"/>
-          <a:lstStyle/>
-          <a:p>
-            <a:pPr algn="ctr"/>
-            <a:r>
-              <a:rPr lang="en-US" altLang="zh-CN" dirty="0"/>
-              <a:t>4</a:t>
-            </a:r>
-            <a:endParaRPr lang="zh-CN" altLang="en-US" dirty="0"/>
-          </a:p>
-        </p:txBody>
-      </p:sp>
-      <p:cxnSp>
-        <p:nvCxnSpPr>
-          <p:cNvPr id="66" name="直接连接符 65">
-            <a:extLst>
-              <a:ext uri="{FF2B5EF4-FFF2-40B4-BE49-F238E27FC236}">
-                <a16:creationId xmlns:a16="http://schemas.microsoft.com/office/drawing/2014/main" id="{7F479B5C-2028-453D-A0B1-3A894266E4D9}"/>
-              </a:ext>
-            </a:extLst>
-          </p:cNvPr>
-          <p:cNvCxnSpPr>
-            <a:cxnSpLocks/>
-            <a:endCxn id="65" idx="1"/>
-          </p:cNvCxnSpPr>
-          <p:nvPr/>
-        </p:nvCxnSpPr>
-        <p:spPr>
-          <a:xfrm>
-            <a:off x="5107314" y="4289859"/>
-            <a:ext cx="607594" cy="668192"/>
-          </a:xfrm>
-          <a:prstGeom prst="line">
-            <a:avLst/>
-          </a:prstGeom>
-          <a:ln w="38100"/>
-        </p:spPr>
-        <p:style>
-          <a:lnRef idx="1">
-            <a:schemeClr val="accent1"/>
-          </a:lnRef>
-          <a:fillRef idx="0">
-            <a:schemeClr val="accent1"/>
-          </a:fillRef>
-          <a:effectRef idx="0">
-            <a:schemeClr val="accent1"/>
-          </a:effectRef>
-          <a:fontRef idx="minor">
-            <a:schemeClr val="tx1"/>
-          </a:fontRef>
-        </p:style>
-      </p:cxnSp>
-      <p:sp>
-        <p:nvSpPr>
-          <p:cNvPr id="77" name="流程图: 接点 76">
-            <a:extLst>
-              <a:ext uri="{FF2B5EF4-FFF2-40B4-BE49-F238E27FC236}">
-                <a16:creationId xmlns:a16="http://schemas.microsoft.com/office/drawing/2014/main" id="{942088B4-4BFD-4415-84F8-8C75C50915C7}"/>
-              </a:ext>
-            </a:extLst>
-          </p:cNvPr>
-          <p:cNvSpPr/>
-          <p:nvPr/>
-        </p:nvSpPr>
-        <p:spPr>
-          <a:xfrm>
-            <a:off x="6548758" y="4819896"/>
-            <a:ext cx="753626" cy="663191"/>
-          </a:xfrm>
-          <a:prstGeom prst="flowChartConnector">
-            <a:avLst/>
-          </a:prstGeom>
-        </p:spPr>
-        <p:style>
-          <a:lnRef idx="2">
-            <a:schemeClr val="accent1">
-              <a:shade val="50000"/>
-            </a:schemeClr>
-          </a:lnRef>
-          <a:fillRef idx="1">
-            <a:schemeClr val="accent1"/>
-          </a:fillRef>
-          <a:effectRef idx="0">
-            <a:schemeClr val="accent1"/>
-          </a:effectRef>
-          <a:fontRef idx="minor">
-            <a:schemeClr val="lt1"/>
-          </a:fontRef>
-        </p:style>
-        <p:txBody>
-          <a:bodyPr rtlCol="0" anchor="ctr"/>
-          <a:lstStyle/>
-          <a:p>
-            <a:pPr algn="ctr"/>
-            <a:r>
-              <a:rPr lang="en-US" altLang="zh-CN" dirty="0"/>
-              <a:t>3</a:t>
-            </a:r>
-            <a:endParaRPr lang="zh-CN" altLang="en-US" dirty="0"/>
-          </a:p>
-        </p:txBody>
-      </p:sp>
-      <p:cxnSp>
-        <p:nvCxnSpPr>
-          <p:cNvPr id="83" name="直接连接符 82">
-            <a:extLst>
-              <a:ext uri="{FF2B5EF4-FFF2-40B4-BE49-F238E27FC236}">
-                <a16:creationId xmlns:a16="http://schemas.microsoft.com/office/drawing/2014/main" id="{C344C046-3C67-47D5-84C1-3306AD2C1DC9}"/>
-              </a:ext>
-            </a:extLst>
-          </p:cNvPr>
-          <p:cNvCxnSpPr>
-            <a:cxnSpLocks/>
-            <a:stCxn id="61" idx="3"/>
-            <a:endCxn id="77" idx="7"/>
-          </p:cNvCxnSpPr>
-          <p:nvPr/>
-        </p:nvCxnSpPr>
-        <p:spPr>
-          <a:xfrm flipH="1">
-            <a:off x="7192018" y="4386981"/>
-            <a:ext cx="366171" cy="530037"/>
-          </a:xfrm>
-          <a:prstGeom prst="line">
-            <a:avLst/>
-          </a:prstGeom>
-          <a:ln w="38100"/>
-        </p:spPr>
-        <p:style>
-          <a:lnRef idx="1">
-            <a:schemeClr val="accent1"/>
-          </a:lnRef>
-          <a:fillRef idx="0">
-            <a:schemeClr val="accent1"/>
-          </a:fillRef>
-          <a:effectRef idx="0">
-            <a:schemeClr val="accent1"/>
-          </a:effectRef>
-          <a:fontRef idx="minor">
-            <a:schemeClr val="tx1"/>
-          </a:fontRef>
-        </p:style>
-      </p:cxnSp>
-      <p:sp>
-        <p:nvSpPr>
-          <p:cNvPr id="4" name="文本框 3">
-            <a:extLst>
-              <a:ext uri="{FF2B5EF4-FFF2-40B4-BE49-F238E27FC236}">
-                <a16:creationId xmlns:a16="http://schemas.microsoft.com/office/drawing/2014/main" id="{DE9537AA-A331-47D6-8702-BB74F770906B}"/>
-              </a:ext>
-            </a:extLst>
-          </p:cNvPr>
-          <p:cNvSpPr txBox="1"/>
-          <p:nvPr/>
-        </p:nvSpPr>
-        <p:spPr>
-          <a:xfrm>
-            <a:off x="7192018" y="1408433"/>
-            <a:ext cx="3812262" cy="646331"/>
-          </a:xfrm>
-          <a:prstGeom prst="rect">
-            <a:avLst/>
-          </a:prstGeom>
-          <a:noFill/>
-        </p:spPr>
-        <p:txBody>
-          <a:bodyPr wrap="none" rtlCol="0">
-            <a:spAutoFit/>
-          </a:bodyPr>
-          <a:lstStyle/>
-          <a:p>
-            <a:r>
-              <a:rPr lang="en-US" altLang="zh-CN" dirty="0"/>
-              <a:t>3</a:t>
-            </a:r>
-            <a:r>
-              <a:rPr lang="zh-CN" altLang="en-US" dirty="0"/>
-              <a:t>、</a:t>
-            </a:r>
-            <a:r>
-              <a:rPr lang="en-US" altLang="zh-CN" dirty="0"/>
-              <a:t>8</a:t>
-            </a:r>
-            <a:r>
-              <a:rPr lang="zh-CN" altLang="en-US" dirty="0"/>
-              <a:t>互换之后，</a:t>
-            </a:r>
-            <a:r>
-              <a:rPr lang="en-US" altLang="zh-CN" dirty="0"/>
-              <a:t>8</a:t>
-            </a:r>
-            <a:r>
-              <a:rPr lang="zh-CN" altLang="en-US" dirty="0"/>
-              <a:t>断开，</a:t>
-            </a:r>
-            <a:r>
-              <a:rPr lang="en-US" altLang="zh-CN" dirty="0"/>
-              <a:t>size</a:t>
-            </a:r>
-            <a:r>
-              <a:rPr lang="zh-CN" altLang="en-US" dirty="0"/>
-              <a:t>变为</a:t>
-            </a:r>
-            <a:r>
-              <a:rPr lang="en-US" altLang="zh-CN" dirty="0"/>
-              <a:t>5</a:t>
-            </a:r>
-            <a:r>
-              <a:rPr lang="zh-CN" altLang="en-US" dirty="0"/>
-              <a:t>，</a:t>
-            </a:r>
-            <a:endParaRPr lang="en-US" altLang="zh-CN" dirty="0"/>
-          </a:p>
-          <a:p>
-            <a:r>
-              <a:rPr lang="zh-CN" altLang="en-US" dirty="0"/>
-              <a:t>开始大根堆定义条件</a:t>
-            </a:r>
-          </a:p>
-        </p:txBody>
-      </p:sp>
-      <p:sp>
-        <p:nvSpPr>
-          <p:cNvPr id="84" name="文本框 83">
-            <a:extLst>
-              <a:ext uri="{FF2B5EF4-FFF2-40B4-BE49-F238E27FC236}">
-                <a16:creationId xmlns:a16="http://schemas.microsoft.com/office/drawing/2014/main" id="{F62BA7E2-369B-4956-B060-EE72E1EA3EA6}"/>
-              </a:ext>
-            </a:extLst>
-          </p:cNvPr>
-          <p:cNvSpPr txBox="1"/>
-          <p:nvPr/>
-        </p:nvSpPr>
-        <p:spPr>
-          <a:xfrm>
-            <a:off x="7434094" y="2395998"/>
-            <a:ext cx="4592154" cy="369332"/>
-          </a:xfrm>
-          <a:prstGeom prst="rect">
-            <a:avLst/>
-          </a:prstGeom>
-          <a:noFill/>
-        </p:spPr>
-        <p:txBody>
-          <a:bodyPr wrap="square" rtlCol="0">
-            <a:spAutoFit/>
-          </a:bodyPr>
-          <a:lstStyle/>
-          <a:p>
-            <a:r>
-              <a:rPr lang="en-US" altLang="zh-CN" dirty="0"/>
-              <a:t>7&gt;5,</a:t>
-            </a:r>
-            <a:r>
-              <a:rPr lang="zh-CN" altLang="en-US" dirty="0"/>
-              <a:t>所以不用换</a:t>
-            </a:r>
-            <a:endParaRPr lang="zh-CN" altLang="en-US" b="1" dirty="0">
-              <a:solidFill>
-                <a:srgbClr val="FF0000"/>
-              </a:solidFill>
-            </a:endParaRPr>
-          </a:p>
-        </p:txBody>
-      </p:sp>
-      <p:sp>
-        <p:nvSpPr>
-          <p:cNvPr id="114" name="文本框 113">
-            <a:extLst>
-              <a:ext uri="{FF2B5EF4-FFF2-40B4-BE49-F238E27FC236}">
-                <a16:creationId xmlns:a16="http://schemas.microsoft.com/office/drawing/2014/main" id="{AF06585F-1CB8-4755-BBAB-27427513FE2E}"/>
-              </a:ext>
-            </a:extLst>
-          </p:cNvPr>
-          <p:cNvSpPr txBox="1"/>
-          <p:nvPr/>
-        </p:nvSpPr>
-        <p:spPr>
-          <a:xfrm>
-            <a:off x="600530" y="3840133"/>
-            <a:ext cx="2582619" cy="369332"/>
-          </a:xfrm>
-          <a:prstGeom prst="rect">
-            <a:avLst/>
-          </a:prstGeom>
-          <a:noFill/>
-        </p:spPr>
-        <p:txBody>
-          <a:bodyPr wrap="square" rtlCol="0">
-            <a:spAutoFit/>
-          </a:bodyPr>
-          <a:lstStyle/>
-          <a:p>
-            <a:r>
-              <a:rPr lang="en-US" altLang="zh-CN" dirty="0"/>
-              <a:t>6&gt;4,</a:t>
-            </a:r>
-            <a:r>
-              <a:rPr lang="zh-CN" altLang="en-US" dirty="0"/>
-              <a:t>不换</a:t>
-            </a:r>
-          </a:p>
-        </p:txBody>
-      </p:sp>
-      <p:sp>
-        <p:nvSpPr>
-          <p:cNvPr id="124" name="文本框 123">
-            <a:extLst>
-              <a:ext uri="{FF2B5EF4-FFF2-40B4-BE49-F238E27FC236}">
-                <a16:creationId xmlns:a16="http://schemas.microsoft.com/office/drawing/2014/main" id="{4DF0EFD4-D85B-40EB-B9E0-3C404FAC9B75}"/>
-              </a:ext>
-            </a:extLst>
-          </p:cNvPr>
-          <p:cNvSpPr txBox="1"/>
-          <p:nvPr/>
-        </p:nvSpPr>
-        <p:spPr>
-          <a:xfrm>
-            <a:off x="9451687" y="4091888"/>
-            <a:ext cx="2641600" cy="1077218"/>
-          </a:xfrm>
-          <a:prstGeom prst="rect">
-            <a:avLst/>
-          </a:prstGeom>
-          <a:noFill/>
-        </p:spPr>
-        <p:txBody>
-          <a:bodyPr wrap="square" rtlCol="0">
-            <a:spAutoFit/>
-          </a:bodyPr>
-          <a:lstStyle/>
-          <a:p>
-            <a:r>
-              <a:rPr lang="en-US" altLang="zh-CN" sz="3200" b="1" dirty="0" err="1">
-                <a:solidFill>
-                  <a:srgbClr val="FF0000"/>
-                </a:solidFill>
-              </a:rPr>
-              <a:t>shr</a:t>
-            </a:r>
-            <a:r>
-              <a:rPr lang="zh-CN" altLang="en-US" sz="3200" b="1" dirty="0">
-                <a:solidFill>
-                  <a:srgbClr val="FF0000"/>
-                </a:solidFill>
-              </a:rPr>
-              <a:t>自制，盗图必究</a:t>
-            </a:r>
-          </a:p>
-        </p:txBody>
-      </p:sp>
-      <p:sp>
-        <p:nvSpPr>
-          <p:cNvPr id="67" name="流程图: 接点 66">
-            <a:extLst>
-              <a:ext uri="{FF2B5EF4-FFF2-40B4-BE49-F238E27FC236}">
-                <a16:creationId xmlns:a16="http://schemas.microsoft.com/office/drawing/2014/main" id="{A8544157-C81D-49D8-BBC7-AD8748F29C96}"/>
-              </a:ext>
-            </a:extLst>
-          </p:cNvPr>
-          <p:cNvSpPr/>
-          <p:nvPr/>
-        </p:nvSpPr>
-        <p:spPr>
-          <a:xfrm>
-            <a:off x="4413822" y="294923"/>
-            <a:ext cx="753626" cy="663191"/>
-          </a:xfrm>
-          <a:prstGeom prst="flowChartConnector">
-            <a:avLst/>
-          </a:prstGeom>
-        </p:spPr>
-        <p:style>
-          <a:lnRef idx="2">
-            <a:schemeClr val="accent1">
-              <a:shade val="50000"/>
-            </a:schemeClr>
-          </a:lnRef>
-          <a:fillRef idx="1">
-            <a:schemeClr val="accent1"/>
-          </a:fillRef>
-          <a:effectRef idx="0">
-            <a:schemeClr val="accent1"/>
-          </a:effectRef>
-          <a:fontRef idx="minor">
-            <a:schemeClr val="lt1"/>
-          </a:fontRef>
-        </p:style>
-        <p:txBody>
-          <a:bodyPr rtlCol="0" anchor="ctr"/>
-          <a:lstStyle/>
-          <a:p>
-            <a:pPr algn="ctr"/>
-            <a:r>
-              <a:rPr lang="en-US" altLang="zh-CN" dirty="0"/>
-              <a:t>3</a:t>
-            </a:r>
-            <a:endParaRPr lang="zh-CN" altLang="en-US" dirty="0"/>
-          </a:p>
-        </p:txBody>
-      </p:sp>
-      <p:sp>
-        <p:nvSpPr>
-          <p:cNvPr id="68" name="文本框 67">
-            <a:extLst>
-              <a:ext uri="{FF2B5EF4-FFF2-40B4-BE49-F238E27FC236}">
-                <a16:creationId xmlns:a16="http://schemas.microsoft.com/office/drawing/2014/main" id="{5D0DE293-B0FA-4F36-8402-AF4205C434EF}"/>
-              </a:ext>
-            </a:extLst>
-          </p:cNvPr>
-          <p:cNvSpPr txBox="1"/>
-          <p:nvPr/>
-        </p:nvSpPr>
-        <p:spPr>
-          <a:xfrm>
-            <a:off x="5559849" y="187360"/>
-            <a:ext cx="1206711" cy="584775"/>
-          </a:xfrm>
-          <a:prstGeom prst="rect">
-            <a:avLst/>
-          </a:prstGeom>
-          <a:noFill/>
-        </p:spPr>
-        <p:txBody>
-          <a:bodyPr wrap="square" rtlCol="0">
-            <a:spAutoFit/>
-          </a:bodyPr>
-          <a:lstStyle/>
-          <a:p>
-            <a:r>
-              <a:rPr lang="en-US" altLang="zh-CN" sz="3200" b="1" dirty="0">
-                <a:solidFill>
-                  <a:srgbClr val="FF0000"/>
-                </a:solidFill>
-              </a:rPr>
-              <a:t>Size=</a:t>
-            </a:r>
-            <a:endParaRPr lang="zh-CN" altLang="en-US" sz="3200" b="1" dirty="0">
-              <a:solidFill>
-                <a:srgbClr val="FF0000"/>
-              </a:solidFill>
-            </a:endParaRPr>
-          </a:p>
-        </p:txBody>
-      </p:sp>
-      <p:sp>
-        <p:nvSpPr>
-          <p:cNvPr id="71" name="流程图: 接点 70">
-            <a:extLst>
-              <a:ext uri="{FF2B5EF4-FFF2-40B4-BE49-F238E27FC236}">
-                <a16:creationId xmlns:a16="http://schemas.microsoft.com/office/drawing/2014/main" id="{1CD88810-35A8-4BFF-A789-94B52036689A}"/>
-              </a:ext>
-            </a:extLst>
-          </p:cNvPr>
-          <p:cNvSpPr/>
-          <p:nvPr/>
-        </p:nvSpPr>
-        <p:spPr>
-          <a:xfrm>
-            <a:off x="6747746" y="153599"/>
-            <a:ext cx="753626" cy="663191"/>
-          </a:xfrm>
-          <a:prstGeom prst="flowChartConnector">
-            <a:avLst/>
-          </a:prstGeom>
-        </p:spPr>
-        <p:style>
-          <a:lnRef idx="2">
-            <a:schemeClr val="accent1">
-              <a:shade val="50000"/>
-            </a:schemeClr>
-          </a:lnRef>
-          <a:fillRef idx="1">
-            <a:schemeClr val="accent1"/>
-          </a:fillRef>
-          <a:effectRef idx="0">
-            <a:schemeClr val="accent1"/>
-          </a:effectRef>
-          <a:fontRef idx="minor">
-            <a:schemeClr val="lt1"/>
-          </a:fontRef>
-        </p:style>
-        <p:txBody>
-          <a:bodyPr rtlCol="0" anchor="ctr"/>
-          <a:lstStyle/>
-          <a:p>
-            <a:pPr algn="ctr"/>
-            <a:r>
-              <a:rPr lang="en-US" altLang="zh-CN" dirty="0"/>
-              <a:t>6</a:t>
-            </a:r>
-            <a:endParaRPr lang="zh-CN" altLang="en-US" dirty="0"/>
-          </a:p>
-        </p:txBody>
-      </p:sp>
-      <p:sp>
-        <p:nvSpPr>
-          <p:cNvPr id="72" name="文本框 71">
-            <a:extLst>
-              <a:ext uri="{FF2B5EF4-FFF2-40B4-BE49-F238E27FC236}">
-                <a16:creationId xmlns:a16="http://schemas.microsoft.com/office/drawing/2014/main" id="{9B0AC4CC-437B-474A-9CEE-3BF8361F1BDC}"/>
-              </a:ext>
-            </a:extLst>
-          </p:cNvPr>
-          <p:cNvSpPr txBox="1"/>
-          <p:nvPr/>
-        </p:nvSpPr>
-        <p:spPr>
-          <a:xfrm>
-            <a:off x="1626758" y="1734857"/>
-            <a:ext cx="2641600" cy="584775"/>
-          </a:xfrm>
-          <a:prstGeom prst="rect">
-            <a:avLst/>
-          </a:prstGeom>
-          <a:noFill/>
-        </p:spPr>
-        <p:txBody>
-          <a:bodyPr wrap="square" rtlCol="0">
-            <a:spAutoFit/>
-          </a:bodyPr>
-          <a:lstStyle/>
-          <a:p>
-            <a:r>
-              <a:rPr lang="en-US" altLang="zh-CN" sz="3200" b="1" dirty="0">
-                <a:solidFill>
-                  <a:srgbClr val="FF0000"/>
-                </a:solidFill>
-              </a:rPr>
-              <a:t>3</a:t>
-            </a:r>
-            <a:r>
-              <a:rPr lang="zh-CN" altLang="en-US" sz="3200" b="1" dirty="0">
-                <a:solidFill>
-                  <a:srgbClr val="FF0000"/>
-                </a:solidFill>
-              </a:rPr>
-              <a:t>、</a:t>
-            </a:r>
-            <a:r>
-              <a:rPr lang="en-US" altLang="zh-CN" sz="3200" b="1" dirty="0">
-                <a:solidFill>
-                  <a:srgbClr val="FF0000"/>
-                </a:solidFill>
-              </a:rPr>
-              <a:t>8</a:t>
-            </a:r>
-            <a:r>
-              <a:rPr lang="zh-CN" altLang="en-US" sz="3200" b="1" dirty="0">
-                <a:solidFill>
-                  <a:srgbClr val="FF0000"/>
-                </a:solidFill>
-              </a:rPr>
-              <a:t>互换</a:t>
-            </a:r>
-          </a:p>
-        </p:txBody>
-      </p:sp>
-      <p:sp>
-        <p:nvSpPr>
-          <p:cNvPr id="8" name="箭头: 上弧形 7">
-            <a:extLst>
-              <a:ext uri="{FF2B5EF4-FFF2-40B4-BE49-F238E27FC236}">
-                <a16:creationId xmlns:a16="http://schemas.microsoft.com/office/drawing/2014/main" id="{3FA96AE8-158E-47AC-9D28-E2B8203B064A}"/>
-              </a:ext>
-            </a:extLst>
-          </p:cNvPr>
-          <p:cNvSpPr/>
-          <p:nvPr/>
-        </p:nvSpPr>
-        <p:spPr>
-          <a:xfrm rot="10800000">
-            <a:off x="507830" y="1053812"/>
-            <a:ext cx="4224507" cy="687490"/>
-          </a:xfrm>
-          <a:prstGeom prst="curvedDownArrow">
-            <a:avLst/>
-          </a:prstGeom>
-        </p:spPr>
-        <p:style>
-          <a:lnRef idx="2">
-            <a:schemeClr val="accent1">
-              <a:shade val="50000"/>
-            </a:schemeClr>
-          </a:lnRef>
-          <a:fillRef idx="1">
-            <a:schemeClr val="accent1"/>
-          </a:fillRef>
-          <a:effectRef idx="0">
-            <a:schemeClr val="accent1"/>
-          </a:effectRef>
-          <a:fontRef idx="minor">
-            <a:schemeClr val="lt1"/>
-          </a:fontRef>
-        </p:style>
-        <p:txBody>
-          <a:bodyPr rtlCol="0" anchor="ctr"/>
-          <a:lstStyle/>
-          <a:p>
-            <a:pPr algn="ctr"/>
-            <a:endParaRPr lang="zh-CN" altLang="en-US">
-              <a:solidFill>
-                <a:schemeClr val="tx1"/>
-              </a:solidFill>
-            </a:endParaRPr>
-          </a:p>
-        </p:txBody>
-      </p:sp>
-      <p:sp>
-        <p:nvSpPr>
-          <p:cNvPr id="73" name="流程图: 接点 72">
-            <a:extLst>
-              <a:ext uri="{FF2B5EF4-FFF2-40B4-BE49-F238E27FC236}">
-                <a16:creationId xmlns:a16="http://schemas.microsoft.com/office/drawing/2014/main" id="{645FB69B-61C0-42EB-A7F5-F35529F8BCFD}"/>
-              </a:ext>
-            </a:extLst>
-          </p:cNvPr>
-          <p:cNvSpPr/>
-          <p:nvPr/>
-        </p:nvSpPr>
-        <p:spPr>
-          <a:xfrm>
-            <a:off x="293525" y="294923"/>
-            <a:ext cx="753626" cy="663191"/>
-          </a:xfrm>
-          <a:prstGeom prst="flowChartConnector">
-            <a:avLst/>
-          </a:prstGeom>
-        </p:spPr>
-        <p:style>
-          <a:lnRef idx="2">
-            <a:schemeClr val="accent1">
-              <a:shade val="50000"/>
-            </a:schemeClr>
-          </a:lnRef>
-          <a:fillRef idx="1">
-            <a:schemeClr val="accent1"/>
-          </a:fillRef>
-          <a:effectRef idx="0">
-            <a:schemeClr val="accent1"/>
-          </a:effectRef>
-          <a:fontRef idx="minor">
-            <a:schemeClr val="lt1"/>
-          </a:fontRef>
-        </p:style>
-        <p:txBody>
-          <a:bodyPr rtlCol="0" anchor="ctr"/>
-          <a:lstStyle/>
-          <a:p>
-            <a:pPr algn="ctr"/>
-            <a:r>
-              <a:rPr lang="en-US" altLang="zh-CN" dirty="0"/>
-              <a:t>3</a:t>
-            </a:r>
-            <a:endParaRPr lang="zh-CN" altLang="en-US" dirty="0"/>
-          </a:p>
-        </p:txBody>
-      </p:sp>
-      <p:sp>
-        <p:nvSpPr>
-          <p:cNvPr id="74" name="流程图: 接点 73">
-            <a:extLst>
-              <a:ext uri="{FF2B5EF4-FFF2-40B4-BE49-F238E27FC236}">
-                <a16:creationId xmlns:a16="http://schemas.microsoft.com/office/drawing/2014/main" id="{DAD66AE7-A84B-457A-9A50-303635688EFA}"/>
-              </a:ext>
-            </a:extLst>
-          </p:cNvPr>
-          <p:cNvSpPr/>
-          <p:nvPr/>
-        </p:nvSpPr>
-        <p:spPr>
-          <a:xfrm>
-            <a:off x="4407159" y="309549"/>
-            <a:ext cx="753626" cy="663191"/>
-          </a:xfrm>
-          <a:prstGeom prst="flowChartConnector">
-            <a:avLst/>
-          </a:prstGeom>
-        </p:spPr>
-        <p:style>
-          <a:lnRef idx="2">
-            <a:schemeClr val="accent1">
-              <a:shade val="50000"/>
-            </a:schemeClr>
-          </a:lnRef>
-          <a:fillRef idx="1">
-            <a:schemeClr val="accent1"/>
-          </a:fillRef>
-          <a:effectRef idx="0">
-            <a:schemeClr val="accent1"/>
-          </a:effectRef>
-          <a:fontRef idx="minor">
-            <a:schemeClr val="lt1"/>
-          </a:fontRef>
-        </p:style>
-        <p:txBody>
-          <a:bodyPr rtlCol="0" anchor="ctr"/>
-          <a:lstStyle/>
-          <a:p>
-            <a:pPr algn="ctr"/>
-            <a:r>
-              <a:rPr lang="en-US" altLang="zh-CN" dirty="0"/>
-              <a:t>8</a:t>
-            </a:r>
-            <a:endParaRPr lang="zh-CN" altLang="en-US" dirty="0"/>
-          </a:p>
-        </p:txBody>
-      </p:sp>
-      <p:sp>
-        <p:nvSpPr>
-          <p:cNvPr id="75" name="流程图: 接点 74">
-            <a:extLst>
-              <a:ext uri="{FF2B5EF4-FFF2-40B4-BE49-F238E27FC236}">
-                <a16:creationId xmlns:a16="http://schemas.microsoft.com/office/drawing/2014/main" id="{27E95E64-3C00-4618-8155-9FF6F529E373}"/>
-              </a:ext>
-            </a:extLst>
-          </p:cNvPr>
-          <p:cNvSpPr/>
-          <p:nvPr/>
-        </p:nvSpPr>
-        <p:spPr>
-          <a:xfrm>
-            <a:off x="5704434" y="2584020"/>
-            <a:ext cx="753626" cy="663191"/>
-          </a:xfrm>
-          <a:prstGeom prst="flowChartConnector">
-            <a:avLst/>
-          </a:prstGeom>
-        </p:spPr>
-        <p:style>
-          <a:lnRef idx="2">
-            <a:schemeClr val="accent1">
-              <a:shade val="50000"/>
-            </a:schemeClr>
-          </a:lnRef>
-          <a:fillRef idx="1">
-            <a:schemeClr val="accent1"/>
-          </a:fillRef>
-          <a:effectRef idx="0">
-            <a:schemeClr val="accent1"/>
-          </a:effectRef>
-          <a:fontRef idx="minor">
-            <a:schemeClr val="lt1"/>
-          </a:fontRef>
-        </p:style>
-        <p:txBody>
-          <a:bodyPr rtlCol="0" anchor="ctr"/>
-          <a:lstStyle/>
-          <a:p>
-            <a:pPr algn="ctr"/>
-            <a:r>
-              <a:rPr lang="en-US" altLang="zh-CN" dirty="0"/>
-              <a:t>3</a:t>
-            </a:r>
-            <a:endParaRPr lang="zh-CN" altLang="en-US" dirty="0"/>
-          </a:p>
-        </p:txBody>
-      </p:sp>
-      <p:sp>
-        <p:nvSpPr>
-          <p:cNvPr id="76" name="流程图: 接点 75">
-            <a:extLst>
-              <a:ext uri="{FF2B5EF4-FFF2-40B4-BE49-F238E27FC236}">
-                <a16:creationId xmlns:a16="http://schemas.microsoft.com/office/drawing/2014/main" id="{F0B7A222-DFE7-4CF3-BD80-FDA9C2F0FBD9}"/>
-              </a:ext>
-            </a:extLst>
-          </p:cNvPr>
-          <p:cNvSpPr/>
-          <p:nvPr/>
-        </p:nvSpPr>
-        <p:spPr>
-          <a:xfrm>
-            <a:off x="6747746" y="146511"/>
-            <a:ext cx="753626" cy="663191"/>
-          </a:xfrm>
-          <a:prstGeom prst="flowChartConnector">
-            <a:avLst/>
-          </a:prstGeom>
-        </p:spPr>
-        <p:style>
-          <a:lnRef idx="2">
-            <a:schemeClr val="accent1">
-              <a:shade val="50000"/>
-            </a:schemeClr>
-          </a:lnRef>
-          <a:fillRef idx="1">
-            <a:schemeClr val="accent1"/>
-          </a:fillRef>
-          <a:effectRef idx="0">
-            <a:schemeClr val="accent1"/>
-          </a:effectRef>
-          <a:fontRef idx="minor">
-            <a:schemeClr val="lt1"/>
-          </a:fontRef>
-        </p:style>
-        <p:txBody>
-          <a:bodyPr rtlCol="0" anchor="ctr"/>
-          <a:lstStyle/>
-          <a:p>
-            <a:pPr algn="ctr"/>
-            <a:r>
-              <a:rPr lang="en-US" altLang="zh-CN" dirty="0"/>
-              <a:t>5</a:t>
-            </a:r>
-            <a:endParaRPr lang="zh-CN" altLang="en-US" dirty="0"/>
-          </a:p>
-        </p:txBody>
-      </p:sp>
-      <p:sp>
-        <p:nvSpPr>
-          <p:cNvPr id="79" name="椭圆 78">
-            <a:extLst>
-              <a:ext uri="{FF2B5EF4-FFF2-40B4-BE49-F238E27FC236}">
-                <a16:creationId xmlns:a16="http://schemas.microsoft.com/office/drawing/2014/main" id="{D7E26E63-296B-43F6-BD1D-20848C8086B0}"/>
-              </a:ext>
-            </a:extLst>
-          </p:cNvPr>
-          <p:cNvSpPr/>
-          <p:nvPr/>
-        </p:nvSpPr>
-        <p:spPr>
-          <a:xfrm rot="16200000">
-            <a:off x="5839736" y="1649579"/>
-            <a:ext cx="1015916" cy="4944617"/>
-          </a:xfrm>
-          <a:prstGeom prst="ellipse">
-            <a:avLst/>
-          </a:prstGeom>
-          <a:noFill/>
-          <a:ln w="38100">
-            <a:prstDash val="dash"/>
-          </a:ln>
-        </p:spPr>
-        <p:style>
-          <a:lnRef idx="2">
-            <a:schemeClr val="accent1">
-              <a:shade val="50000"/>
-            </a:schemeClr>
-          </a:lnRef>
-          <a:fillRef idx="1">
-            <a:schemeClr val="accent1"/>
-          </a:fillRef>
-          <a:effectRef idx="0">
-            <a:schemeClr val="accent1"/>
-          </a:effectRef>
-          <a:fontRef idx="minor">
-            <a:schemeClr val="lt1"/>
-          </a:fontRef>
-        </p:style>
-        <p:txBody>
-          <a:bodyPr rtlCol="0" anchor="ctr"/>
-          <a:lstStyle/>
-          <a:p>
-            <a:pPr algn="ctr"/>
-            <a:endParaRPr lang="zh-CN" altLang="en-US"/>
-          </a:p>
-        </p:txBody>
-      </p:sp>
-      <p:sp>
-        <p:nvSpPr>
-          <p:cNvPr id="80" name="文本框 79">
-            <a:extLst>
-              <a:ext uri="{FF2B5EF4-FFF2-40B4-BE49-F238E27FC236}">
-                <a16:creationId xmlns:a16="http://schemas.microsoft.com/office/drawing/2014/main" id="{67816AB4-064C-4907-B1FB-2EFC804458D3}"/>
-              </a:ext>
-            </a:extLst>
-          </p:cNvPr>
-          <p:cNvSpPr txBox="1"/>
-          <p:nvPr/>
-        </p:nvSpPr>
-        <p:spPr>
-          <a:xfrm>
-            <a:off x="528207" y="2355213"/>
-            <a:ext cx="4592154" cy="923330"/>
-          </a:xfrm>
-          <a:prstGeom prst="rect">
-            <a:avLst/>
-          </a:prstGeom>
-          <a:noFill/>
-        </p:spPr>
-        <p:txBody>
-          <a:bodyPr wrap="square" rtlCol="0">
-            <a:spAutoFit/>
-          </a:bodyPr>
-          <a:lstStyle/>
-          <a:p>
-            <a:r>
-              <a:rPr lang="zh-CN" altLang="en-US" dirty="0"/>
-              <a:t>先比较，两个孩子，哪个大</a:t>
-            </a:r>
-            <a:endParaRPr lang="en-US" altLang="zh-CN" dirty="0"/>
-          </a:p>
-          <a:p>
-            <a:r>
-              <a:rPr lang="zh-CN" altLang="en-US" dirty="0"/>
-              <a:t>（因为你迟早要三个比较），在进行父节点比较，比较完之后，</a:t>
-            </a:r>
-            <a:r>
-              <a:rPr lang="zh-CN" altLang="en-US" b="1" dirty="0">
-                <a:solidFill>
-                  <a:srgbClr val="FF0000"/>
-                </a:solidFill>
-              </a:rPr>
-              <a:t>互换</a:t>
-            </a:r>
-          </a:p>
-        </p:txBody>
-      </p:sp>
-      <p:sp>
-        <p:nvSpPr>
-          <p:cNvPr id="81" name="椭圆 80">
-            <a:extLst>
-              <a:ext uri="{FF2B5EF4-FFF2-40B4-BE49-F238E27FC236}">
-                <a16:creationId xmlns:a16="http://schemas.microsoft.com/office/drawing/2014/main" id="{31240BA5-3728-4BA9-8B17-4115F18B3B5B}"/>
-              </a:ext>
-            </a:extLst>
-          </p:cNvPr>
-          <p:cNvSpPr/>
-          <p:nvPr/>
-        </p:nvSpPr>
-        <p:spPr>
-          <a:xfrm rot="2838213">
-            <a:off x="4729360" y="1960883"/>
-            <a:ext cx="1521554" cy="3198407"/>
-          </a:xfrm>
-          <a:prstGeom prst="ellipse">
-            <a:avLst/>
-          </a:prstGeom>
-          <a:noFill/>
-          <a:ln w="38100">
-            <a:prstDash val="dash"/>
-          </a:ln>
-        </p:spPr>
-        <p:style>
-          <a:lnRef idx="2">
-            <a:schemeClr val="accent1">
-              <a:shade val="50000"/>
-            </a:schemeClr>
-          </a:lnRef>
-          <a:fillRef idx="1">
-            <a:schemeClr val="accent1"/>
-          </a:fillRef>
-          <a:effectRef idx="0">
-            <a:schemeClr val="accent1"/>
-          </a:effectRef>
-          <a:fontRef idx="minor">
-            <a:schemeClr val="lt1"/>
-          </a:fontRef>
-        </p:style>
-        <p:txBody>
-          <a:bodyPr rtlCol="0" anchor="ctr"/>
-          <a:lstStyle/>
-          <a:p>
-            <a:pPr algn="ctr"/>
-            <a:endParaRPr lang="zh-CN" altLang="en-US"/>
-          </a:p>
-        </p:txBody>
-      </p:sp>
-      <p:sp>
-        <p:nvSpPr>
-          <p:cNvPr id="82" name="文本框 81">
-            <a:extLst>
-              <a:ext uri="{FF2B5EF4-FFF2-40B4-BE49-F238E27FC236}">
-                <a16:creationId xmlns:a16="http://schemas.microsoft.com/office/drawing/2014/main" id="{276EFFB2-1423-4962-8EFF-013F8539F44A}"/>
-              </a:ext>
-            </a:extLst>
-          </p:cNvPr>
-          <p:cNvSpPr txBox="1"/>
-          <p:nvPr/>
-        </p:nvSpPr>
-        <p:spPr>
-          <a:xfrm>
-            <a:off x="7375103" y="2885511"/>
-            <a:ext cx="4592154" cy="369332"/>
-          </a:xfrm>
-          <a:prstGeom prst="rect">
-            <a:avLst/>
-          </a:prstGeom>
-          <a:noFill/>
-        </p:spPr>
-        <p:txBody>
-          <a:bodyPr wrap="square" rtlCol="0">
-            <a:spAutoFit/>
-          </a:bodyPr>
-          <a:lstStyle/>
-          <a:p>
-            <a:r>
-              <a:rPr lang="en-US" altLang="zh-CN" dirty="0"/>
-              <a:t>3&lt;7,</a:t>
-            </a:r>
-            <a:r>
-              <a:rPr lang="zh-CN" altLang="en-US" dirty="0"/>
-              <a:t>换</a:t>
-            </a:r>
-            <a:endParaRPr lang="zh-CN" altLang="en-US" b="1" dirty="0">
-              <a:solidFill>
-                <a:srgbClr val="FF0000"/>
-              </a:solidFill>
-            </a:endParaRPr>
-          </a:p>
-        </p:txBody>
-      </p:sp>
-      <p:sp>
-        <p:nvSpPr>
-          <p:cNvPr id="125" name="流程图: 接点 124">
-            <a:extLst>
-              <a:ext uri="{FF2B5EF4-FFF2-40B4-BE49-F238E27FC236}">
-                <a16:creationId xmlns:a16="http://schemas.microsoft.com/office/drawing/2014/main" id="{48F46233-E999-4DBC-9CB8-E6B69FFC8C7D}"/>
-              </a:ext>
-            </a:extLst>
-          </p:cNvPr>
-          <p:cNvSpPr/>
-          <p:nvPr/>
-        </p:nvSpPr>
-        <p:spPr>
-          <a:xfrm>
-            <a:off x="4442531" y="3736471"/>
-            <a:ext cx="753626" cy="663191"/>
-          </a:xfrm>
-          <a:prstGeom prst="flowChartConnector">
-            <a:avLst/>
-          </a:prstGeom>
-        </p:spPr>
-        <p:style>
-          <a:lnRef idx="2">
-            <a:schemeClr val="accent1">
-              <a:shade val="50000"/>
-            </a:schemeClr>
-          </a:lnRef>
-          <a:fillRef idx="1">
-            <a:schemeClr val="accent1"/>
-          </a:fillRef>
-          <a:effectRef idx="0">
-            <a:schemeClr val="accent1"/>
-          </a:effectRef>
-          <a:fontRef idx="minor">
-            <a:schemeClr val="lt1"/>
-          </a:fontRef>
-        </p:style>
-        <p:txBody>
-          <a:bodyPr rtlCol="0" anchor="ctr"/>
-          <a:lstStyle/>
-          <a:p>
-            <a:pPr algn="ctr"/>
-            <a:r>
-              <a:rPr lang="en-US" altLang="zh-CN" dirty="0"/>
-              <a:t>3</a:t>
-            </a:r>
-            <a:endParaRPr lang="zh-CN" altLang="en-US" dirty="0"/>
-          </a:p>
-        </p:txBody>
-      </p:sp>
-      <p:sp>
-        <p:nvSpPr>
-          <p:cNvPr id="126" name="流程图: 接点 125">
-            <a:extLst>
-              <a:ext uri="{FF2B5EF4-FFF2-40B4-BE49-F238E27FC236}">
-                <a16:creationId xmlns:a16="http://schemas.microsoft.com/office/drawing/2014/main" id="{ADAEB3AC-4139-467D-A00B-ABE612C73DBB}"/>
-              </a:ext>
-            </a:extLst>
-          </p:cNvPr>
-          <p:cNvSpPr/>
-          <p:nvPr/>
-        </p:nvSpPr>
-        <p:spPr>
-          <a:xfrm>
-            <a:off x="5730733" y="2570521"/>
-            <a:ext cx="753626" cy="663191"/>
-          </a:xfrm>
-          <a:prstGeom prst="flowChartConnector">
-            <a:avLst/>
-          </a:prstGeom>
-        </p:spPr>
-        <p:style>
-          <a:lnRef idx="2">
-            <a:schemeClr val="accent1">
-              <a:shade val="50000"/>
-            </a:schemeClr>
-          </a:lnRef>
-          <a:fillRef idx="1">
-            <a:schemeClr val="accent1"/>
-          </a:fillRef>
-          <a:effectRef idx="0">
-            <a:schemeClr val="accent1"/>
-          </a:effectRef>
-          <a:fontRef idx="minor">
-            <a:schemeClr val="lt1"/>
-          </a:fontRef>
-        </p:style>
-        <p:txBody>
-          <a:bodyPr rtlCol="0" anchor="ctr"/>
-          <a:lstStyle/>
-          <a:p>
-            <a:pPr algn="ctr"/>
-            <a:r>
-              <a:rPr lang="en-US" altLang="zh-CN" dirty="0"/>
-              <a:t>7</a:t>
-            </a:r>
-            <a:endParaRPr lang="zh-CN" altLang="en-US" dirty="0"/>
-          </a:p>
-        </p:txBody>
-      </p:sp>
-      <p:sp>
-        <p:nvSpPr>
-          <p:cNvPr id="127" name="椭圆 126">
-            <a:extLst>
-              <a:ext uri="{FF2B5EF4-FFF2-40B4-BE49-F238E27FC236}">
-                <a16:creationId xmlns:a16="http://schemas.microsoft.com/office/drawing/2014/main" id="{AAE7CA8C-FA9E-426C-86D8-8F691C53523D}"/>
-              </a:ext>
-            </a:extLst>
-          </p:cNvPr>
-          <p:cNvSpPr/>
-          <p:nvPr/>
-        </p:nvSpPr>
-        <p:spPr>
-          <a:xfrm rot="16200000">
-            <a:off x="4188638" y="3316941"/>
-            <a:ext cx="1015916" cy="3704330"/>
-          </a:xfrm>
-          <a:prstGeom prst="ellipse">
-            <a:avLst/>
-          </a:prstGeom>
-          <a:noFill/>
-          <a:ln w="38100">
-            <a:solidFill>
-              <a:srgbClr val="FF0000"/>
-            </a:solidFill>
-            <a:prstDash val="dash"/>
-          </a:ln>
-        </p:spPr>
-        <p:style>
-          <a:lnRef idx="2">
-            <a:schemeClr val="accent1">
-              <a:shade val="50000"/>
-            </a:schemeClr>
-          </a:lnRef>
-          <a:fillRef idx="1">
-            <a:schemeClr val="accent1"/>
-          </a:fillRef>
-          <a:effectRef idx="0">
-            <a:schemeClr val="accent1"/>
-          </a:effectRef>
-          <a:fontRef idx="minor">
-            <a:schemeClr val="lt1"/>
-          </a:fontRef>
-        </p:style>
-        <p:txBody>
-          <a:bodyPr rtlCol="0" anchor="ctr"/>
-          <a:lstStyle/>
-          <a:p>
-            <a:pPr algn="ctr"/>
-            <a:endParaRPr lang="zh-CN" altLang="en-US"/>
-          </a:p>
-        </p:txBody>
-      </p:sp>
-      <p:sp>
-        <p:nvSpPr>
-          <p:cNvPr id="128" name="椭圆 127">
-            <a:extLst>
-              <a:ext uri="{FF2B5EF4-FFF2-40B4-BE49-F238E27FC236}">
-                <a16:creationId xmlns:a16="http://schemas.microsoft.com/office/drawing/2014/main" id="{54689C8D-63D7-44DC-BC3A-D20EA5BDAF69}"/>
-              </a:ext>
-            </a:extLst>
-          </p:cNvPr>
-          <p:cNvSpPr/>
-          <p:nvPr/>
-        </p:nvSpPr>
-        <p:spPr>
-          <a:xfrm rot="3300805">
-            <a:off x="3637544" y="2730758"/>
-            <a:ext cx="1015916" cy="3704330"/>
-          </a:xfrm>
-          <a:prstGeom prst="ellipse">
-            <a:avLst/>
-          </a:prstGeom>
-          <a:noFill/>
-          <a:ln w="38100">
-            <a:solidFill>
-              <a:srgbClr val="00B050"/>
-            </a:solidFill>
-            <a:prstDash val="dash"/>
-          </a:ln>
-        </p:spPr>
-        <p:style>
-          <a:lnRef idx="2">
-            <a:schemeClr val="accent1">
-              <a:shade val="50000"/>
-            </a:schemeClr>
-          </a:lnRef>
-          <a:fillRef idx="1">
-            <a:schemeClr val="accent1"/>
-          </a:fillRef>
-          <a:effectRef idx="0">
-            <a:schemeClr val="accent1"/>
-          </a:effectRef>
-          <a:fontRef idx="minor">
-            <a:schemeClr val="lt1"/>
-          </a:fontRef>
-        </p:style>
-        <p:txBody>
-          <a:bodyPr rtlCol="0" anchor="ctr"/>
-          <a:lstStyle/>
-          <a:p>
-            <a:pPr algn="ctr"/>
-            <a:endParaRPr lang="zh-CN" altLang="en-US"/>
-          </a:p>
-        </p:txBody>
-      </p:sp>
-      <p:sp>
-        <p:nvSpPr>
-          <p:cNvPr id="129" name="文本框 128">
-            <a:extLst>
-              <a:ext uri="{FF2B5EF4-FFF2-40B4-BE49-F238E27FC236}">
-                <a16:creationId xmlns:a16="http://schemas.microsoft.com/office/drawing/2014/main" id="{200B7A23-5A8A-4B06-AEAD-3D3180D1501C}"/>
-              </a:ext>
-            </a:extLst>
-          </p:cNvPr>
-          <p:cNvSpPr txBox="1"/>
-          <p:nvPr/>
-        </p:nvSpPr>
-        <p:spPr>
-          <a:xfrm>
-            <a:off x="590749" y="4299437"/>
-            <a:ext cx="2582619" cy="369332"/>
-          </a:xfrm>
-          <a:prstGeom prst="rect">
-            <a:avLst/>
-          </a:prstGeom>
-          <a:noFill/>
-        </p:spPr>
-        <p:txBody>
-          <a:bodyPr wrap="square" rtlCol="0">
-            <a:spAutoFit/>
-          </a:bodyPr>
-          <a:lstStyle/>
-          <a:p>
-            <a:r>
-              <a:rPr lang="en-US" altLang="zh-CN" dirty="0"/>
-              <a:t>3&lt;6,</a:t>
-            </a:r>
-            <a:r>
-              <a:rPr lang="zh-CN" altLang="en-US" dirty="0"/>
-              <a:t>换</a:t>
-            </a:r>
-          </a:p>
-        </p:txBody>
-      </p:sp>
-      <p:sp>
-        <p:nvSpPr>
-          <p:cNvPr id="130" name="流程图: 接点 129">
-            <a:extLst>
-              <a:ext uri="{FF2B5EF4-FFF2-40B4-BE49-F238E27FC236}">
-                <a16:creationId xmlns:a16="http://schemas.microsoft.com/office/drawing/2014/main" id="{F0D0214D-9F9C-4704-ACDD-9F8F89091ACA}"/>
-              </a:ext>
-            </a:extLst>
-          </p:cNvPr>
-          <p:cNvSpPr/>
-          <p:nvPr/>
-        </p:nvSpPr>
-        <p:spPr>
-          <a:xfrm>
-            <a:off x="3274085" y="4806163"/>
-            <a:ext cx="753626" cy="663191"/>
-          </a:xfrm>
-          <a:prstGeom prst="flowChartConnector">
-            <a:avLst/>
-          </a:prstGeom>
-        </p:spPr>
-        <p:style>
-          <a:lnRef idx="2">
-            <a:schemeClr val="accent1">
-              <a:shade val="50000"/>
-            </a:schemeClr>
-          </a:lnRef>
-          <a:fillRef idx="1">
-            <a:schemeClr val="accent1"/>
-          </a:fillRef>
-          <a:effectRef idx="0">
-            <a:schemeClr val="accent1"/>
-          </a:effectRef>
-          <a:fontRef idx="minor">
-            <a:schemeClr val="lt1"/>
-          </a:fontRef>
-        </p:style>
-        <p:txBody>
-          <a:bodyPr rtlCol="0" anchor="ctr"/>
-          <a:lstStyle/>
-          <a:p>
-            <a:pPr algn="ctr"/>
-            <a:r>
-              <a:rPr lang="en-US" altLang="zh-CN" dirty="0"/>
-              <a:t>3</a:t>
-            </a:r>
-            <a:endParaRPr lang="zh-CN" altLang="en-US" dirty="0"/>
-          </a:p>
-        </p:txBody>
-      </p:sp>
-      <p:sp>
-        <p:nvSpPr>
-          <p:cNvPr id="131" name="流程图: 接点 130">
-            <a:extLst>
-              <a:ext uri="{FF2B5EF4-FFF2-40B4-BE49-F238E27FC236}">
-                <a16:creationId xmlns:a16="http://schemas.microsoft.com/office/drawing/2014/main" id="{7D0003B6-B987-4667-9BBC-897C9059EF59}"/>
-              </a:ext>
-            </a:extLst>
-          </p:cNvPr>
-          <p:cNvSpPr/>
-          <p:nvPr/>
-        </p:nvSpPr>
-        <p:spPr>
-          <a:xfrm>
-            <a:off x="4477783" y="3732238"/>
-            <a:ext cx="753626" cy="663191"/>
-          </a:xfrm>
-          <a:prstGeom prst="flowChartConnector">
-            <a:avLst/>
-          </a:prstGeom>
-        </p:spPr>
-        <p:style>
-          <a:lnRef idx="2">
-            <a:schemeClr val="accent1">
-              <a:shade val="50000"/>
-            </a:schemeClr>
-          </a:lnRef>
-          <a:fillRef idx="1">
-            <a:schemeClr val="accent1"/>
-          </a:fillRef>
-          <a:effectRef idx="0">
-            <a:schemeClr val="accent1"/>
-          </a:effectRef>
-          <a:fontRef idx="minor">
-            <a:schemeClr val="lt1"/>
-          </a:fontRef>
-        </p:style>
-        <p:txBody>
-          <a:bodyPr rtlCol="0" anchor="ctr"/>
-          <a:lstStyle/>
-          <a:p>
-            <a:pPr algn="ctr"/>
-            <a:r>
-              <a:rPr lang="en-US" altLang="zh-CN" dirty="0"/>
-              <a:t>6</a:t>
-            </a:r>
-            <a:endParaRPr lang="zh-CN" altLang="en-US" dirty="0"/>
-          </a:p>
-        </p:txBody>
-      </p:sp>
-    </p:spTree>
-    <p:extLst>
-      <p:ext uri="{BB962C8B-B14F-4D97-AF65-F5344CB8AC3E}">
-        <p14:creationId xmlns:p14="http://schemas.microsoft.com/office/powerpoint/2010/main" val="4152648350"/>
-      </p:ext>
-    </p:extLst>
-  </p:cSld>
-  <p:clrMapOvr>
-    <a:masterClrMapping/>
-  </p:clrMapOvr>
-  <p:timing>
-    <p:tnLst>
-      <p:par>
-        <p:cTn id="1" dur="indefinite" restart="never" nodeType="tmRoot">
-          <p:childTnLst>
-            <p:seq concurrent="1" nextAc="seek">
-              <p:cTn id="2" dur="indefinite" nodeType="mainSeq">
-                <p:childTnLst>
-                  <p:par>
-                    <p:cTn id="3" fill="hold">
-                      <p:stCondLst>
-                        <p:cond delay="indefinite"/>
-                        <p:cond evt="onBegin" delay="0">
-                          <p:tn val="2"/>
-                        </p:cond>
-                      </p:stCondLst>
-                      <p:childTnLst>
-                        <p:par>
-                          <p:cTn id="4" fill="hold">
-                            <p:stCondLst>
-                              <p:cond delay="0"/>
-                            </p:stCondLst>
-                            <p:childTnLst>
-                              <p:par>
-                                <p:cTn id="5" presetID="1" presetClass="exit" presetSubtype="0" fill="hold" grpId="0" nodeType="withEffect">
-                                  <p:stCondLst>
-                                    <p:cond delay="0"/>
-                                  </p:stCondLst>
-                                  <p:childTnLst>
-                                    <p:set>
-                                      <p:cBhvr>
-                                        <p:cTn id="6" dur="1" fill="hold">
-                                          <p:stCondLst>
-                                            <p:cond delay="0"/>
-                                          </p:stCondLst>
-                                        </p:cTn>
-                                        <p:tgtEl>
-                                          <p:spTgt spid="4"/>
-                                        </p:tgtEl>
-                                        <p:attrNameLst>
-                                          <p:attrName>style.visibility</p:attrName>
-                                        </p:attrNameLst>
-                                      </p:cBhvr>
-                                      <p:to>
-                                        <p:strVal val="hidden"/>
-                                      </p:to>
-                                    </p:set>
-                                  </p:childTnLst>
-                                </p:cTn>
-                              </p:par>
-                              <p:par>
-                                <p:cTn id="7" presetID="1" presetClass="exit" presetSubtype="0" fill="hold" grpId="0" nodeType="withEffect">
-                                  <p:stCondLst>
-                                    <p:cond delay="0"/>
-                                  </p:stCondLst>
-                                  <p:childTnLst>
-                                    <p:set>
-                                      <p:cBhvr>
-                                        <p:cTn id="8" dur="1" fill="hold">
-                                          <p:stCondLst>
-                                            <p:cond delay="0"/>
-                                          </p:stCondLst>
-                                        </p:cTn>
-                                        <p:tgtEl>
-                                          <p:spTgt spid="84"/>
-                                        </p:tgtEl>
-                                        <p:attrNameLst>
-                                          <p:attrName>style.visibility</p:attrName>
-                                        </p:attrNameLst>
-                                      </p:cBhvr>
-                                      <p:to>
-                                        <p:strVal val="hidden"/>
-                                      </p:to>
-                                    </p:set>
-                                  </p:childTnLst>
-                                </p:cTn>
-                              </p:par>
-                            </p:childTnLst>
-                          </p:cTn>
-                        </p:par>
-                      </p:childTnLst>
-                    </p:cTn>
-                  </p:par>
-                  <p:par>
-                    <p:cTn id="9" fill="hold">
-                      <p:stCondLst>
-                        <p:cond delay="indefinite"/>
-                      </p:stCondLst>
-                      <p:childTnLst>
-                        <p:par>
-                          <p:cTn id="10" fill="hold">
-                            <p:stCondLst>
-                              <p:cond delay="0"/>
-                            </p:stCondLst>
-                            <p:childTnLst>
-                              <p:par>
-                                <p:cTn id="11" presetID="1" presetClass="entr" presetSubtype="0" fill="hold" grpId="0" nodeType="clickEffect">
-                                  <p:stCondLst>
-                                    <p:cond delay="0"/>
-                                  </p:stCondLst>
-                                  <p:childTnLst>
-                                    <p:set>
-                                      <p:cBhvr>
-                                        <p:cTn id="12" dur="1" fill="hold">
-                                          <p:stCondLst>
-                                            <p:cond delay="0"/>
-                                          </p:stCondLst>
-                                        </p:cTn>
-                                        <p:tgtEl>
-                                          <p:spTgt spid="8"/>
-                                        </p:tgtEl>
-                                        <p:attrNameLst>
-                                          <p:attrName>style.visibility</p:attrName>
-                                        </p:attrNameLst>
-                                      </p:cBhvr>
-                                      <p:to>
-                                        <p:strVal val="visible"/>
-                                      </p:to>
-                                    </p:set>
-                                  </p:childTnLst>
-                                </p:cTn>
-                              </p:par>
-                              <p:par>
-                                <p:cTn id="13" presetID="1" presetClass="entr" presetSubtype="0" fill="hold" grpId="0" nodeType="withEffect">
-                                  <p:stCondLst>
-                                    <p:cond delay="0"/>
-                                  </p:stCondLst>
-                                  <p:childTnLst>
-                                    <p:set>
-                                      <p:cBhvr>
-                                        <p:cTn id="14" dur="1" fill="hold">
-                                          <p:stCondLst>
-                                            <p:cond delay="0"/>
-                                          </p:stCondLst>
-                                        </p:cTn>
-                                        <p:tgtEl>
-                                          <p:spTgt spid="72"/>
-                                        </p:tgtEl>
-                                        <p:attrNameLst>
-                                          <p:attrName>style.visibility</p:attrName>
-                                        </p:attrNameLst>
-                                      </p:cBhvr>
-                                      <p:to>
-                                        <p:strVal val="visible"/>
-                                      </p:to>
-                                    </p:set>
-                                  </p:childTnLst>
-                                </p:cTn>
-                              </p:par>
-                            </p:childTnLst>
-                          </p:cTn>
-                        </p:par>
-                      </p:childTnLst>
-                    </p:cTn>
-                  </p:par>
-                  <p:par>
-                    <p:cTn id="15" fill="hold">
-                      <p:stCondLst>
-                        <p:cond delay="indefinite"/>
-                      </p:stCondLst>
-                      <p:childTnLst>
-                        <p:par>
-                          <p:cTn id="16" fill="hold">
-                            <p:stCondLst>
-                              <p:cond delay="0"/>
-                            </p:stCondLst>
-                            <p:childTnLst>
-                              <p:par>
-                                <p:cTn id="17" presetID="1" presetClass="entr" presetSubtype="0" fill="hold" grpId="0" nodeType="clickEffect">
-                                  <p:stCondLst>
-                                    <p:cond delay="0"/>
-                                  </p:stCondLst>
-                                  <p:childTnLst>
-                                    <p:set>
-                                      <p:cBhvr>
-                                        <p:cTn id="18" dur="1" fill="hold">
-                                          <p:stCondLst>
-                                            <p:cond delay="0"/>
-                                          </p:stCondLst>
-                                        </p:cTn>
-                                        <p:tgtEl>
-                                          <p:spTgt spid="73"/>
-                                        </p:tgtEl>
-                                        <p:attrNameLst>
-                                          <p:attrName>style.visibility</p:attrName>
-                                        </p:attrNameLst>
-                                      </p:cBhvr>
-                                      <p:to>
-                                        <p:strVal val="visible"/>
-                                      </p:to>
-                                    </p:set>
-                                  </p:childTnLst>
-                                </p:cTn>
-                              </p:par>
-                              <p:par>
-                                <p:cTn id="19" presetID="1" presetClass="entr" presetSubtype="0" fill="hold" grpId="0" nodeType="withEffect">
-                                  <p:stCondLst>
-                                    <p:cond delay="0"/>
-                                  </p:stCondLst>
-                                  <p:childTnLst>
-                                    <p:set>
-                                      <p:cBhvr>
-                                        <p:cTn id="20" dur="1" fill="hold">
-                                          <p:stCondLst>
-                                            <p:cond delay="0"/>
-                                          </p:stCondLst>
-                                        </p:cTn>
-                                        <p:tgtEl>
-                                          <p:spTgt spid="74"/>
-                                        </p:tgtEl>
-                                        <p:attrNameLst>
-                                          <p:attrName>style.visibility</p:attrName>
-                                        </p:attrNameLst>
-                                      </p:cBhvr>
-                                      <p:to>
-                                        <p:strVal val="visible"/>
-                                      </p:to>
-                                    </p:set>
-                                  </p:childTnLst>
-                                </p:cTn>
-                              </p:par>
-                            </p:childTnLst>
-                          </p:cTn>
-                        </p:par>
-                      </p:childTnLst>
-                    </p:cTn>
-                  </p:par>
-                  <p:par>
-                    <p:cTn id="21" fill="hold">
-                      <p:stCondLst>
-                        <p:cond delay="indefinite"/>
-                      </p:stCondLst>
-                      <p:childTnLst>
-                        <p:par>
-                          <p:cTn id="22" fill="hold">
-                            <p:stCondLst>
-                              <p:cond delay="0"/>
-                            </p:stCondLst>
-                            <p:childTnLst>
-                              <p:par>
-                                <p:cTn id="23" presetID="1" presetClass="entr" presetSubtype="0" fill="hold" grpId="0" nodeType="clickEffect">
-                                  <p:stCondLst>
-                                    <p:cond delay="0"/>
-                                  </p:stCondLst>
-                                  <p:childTnLst>
-                                    <p:set>
-                                      <p:cBhvr>
-                                        <p:cTn id="24" dur="1" fill="hold">
-                                          <p:stCondLst>
-                                            <p:cond delay="0"/>
-                                          </p:stCondLst>
-                                        </p:cTn>
-                                        <p:tgtEl>
-                                          <p:spTgt spid="75"/>
-                                        </p:tgtEl>
-                                        <p:attrNameLst>
-                                          <p:attrName>style.visibility</p:attrName>
-                                        </p:attrNameLst>
-                                      </p:cBhvr>
-                                      <p:to>
-                                        <p:strVal val="visible"/>
-                                      </p:to>
-                                    </p:set>
-                                  </p:childTnLst>
-                                </p:cTn>
-                              </p:par>
-                              <p:par>
-                                <p:cTn id="25" presetID="1" presetClass="exit" presetSubtype="0" fill="hold" grpId="0" nodeType="withEffect">
-                                  <p:stCondLst>
-                                    <p:cond delay="0"/>
-                                  </p:stCondLst>
-                                  <p:childTnLst>
-                                    <p:set>
-                                      <p:cBhvr>
-                                        <p:cTn id="26" dur="1" fill="hold">
-                                          <p:stCondLst>
-                                            <p:cond delay="0"/>
-                                          </p:stCondLst>
-                                        </p:cTn>
-                                        <p:tgtEl>
-                                          <p:spTgt spid="77"/>
-                                        </p:tgtEl>
-                                        <p:attrNameLst>
-                                          <p:attrName>style.visibility</p:attrName>
-                                        </p:attrNameLst>
-                                      </p:cBhvr>
-                                      <p:to>
-                                        <p:strVal val="hidden"/>
-                                      </p:to>
-                                    </p:set>
-                                  </p:childTnLst>
-                                </p:cTn>
-                              </p:par>
-                              <p:par>
-                                <p:cTn id="27" presetID="1" presetClass="exit" presetSubtype="0" fill="hold" nodeType="withEffect">
-                                  <p:stCondLst>
-                                    <p:cond delay="0"/>
-                                  </p:stCondLst>
-                                  <p:childTnLst>
-                                    <p:set>
-                                      <p:cBhvr>
-                                        <p:cTn id="28" dur="1" fill="hold">
-                                          <p:stCondLst>
-                                            <p:cond delay="0"/>
-                                          </p:stCondLst>
-                                        </p:cTn>
-                                        <p:tgtEl>
-                                          <p:spTgt spid="83"/>
-                                        </p:tgtEl>
-                                        <p:attrNameLst>
-                                          <p:attrName>style.visibility</p:attrName>
-                                        </p:attrNameLst>
-                                      </p:cBhvr>
-                                      <p:to>
-                                        <p:strVal val="hidden"/>
-                                      </p:to>
-                                    </p:set>
-                                  </p:childTnLst>
-                                </p:cTn>
-                              </p:par>
-                            </p:childTnLst>
-                          </p:cTn>
-                        </p:par>
-                      </p:childTnLst>
-                    </p:cTn>
-                  </p:par>
-                  <p:par>
-                    <p:cTn id="29" fill="hold">
-                      <p:stCondLst>
-                        <p:cond delay="indefinite"/>
-                      </p:stCondLst>
-                      <p:childTnLst>
-                        <p:par>
-                          <p:cTn id="30" fill="hold">
-                            <p:stCondLst>
-                              <p:cond delay="0"/>
-                            </p:stCondLst>
-                            <p:childTnLst>
-                              <p:par>
-                                <p:cTn id="31" presetID="1" presetClass="entr" presetSubtype="0" fill="hold" grpId="0" nodeType="clickEffect">
-                                  <p:stCondLst>
-                                    <p:cond delay="0"/>
-                                  </p:stCondLst>
-                                  <p:childTnLst>
-                                    <p:set>
-                                      <p:cBhvr>
-                                        <p:cTn id="32" dur="1" fill="hold">
-                                          <p:stCondLst>
-                                            <p:cond delay="0"/>
-                                          </p:stCondLst>
-                                        </p:cTn>
-                                        <p:tgtEl>
-                                          <p:spTgt spid="76"/>
-                                        </p:tgtEl>
-                                        <p:attrNameLst>
-                                          <p:attrName>style.visibility</p:attrName>
-                                        </p:attrNameLst>
-                                      </p:cBhvr>
-                                      <p:to>
-                                        <p:strVal val="visible"/>
-                                      </p:to>
-                                    </p:set>
-                                  </p:childTnLst>
-                                </p:cTn>
-                              </p:par>
-                            </p:childTnLst>
-                          </p:cTn>
-                        </p:par>
-                      </p:childTnLst>
-                    </p:cTn>
-                  </p:par>
-                  <p:par>
-                    <p:cTn id="33" fill="hold">
-                      <p:stCondLst>
-                        <p:cond delay="indefinite"/>
-                      </p:stCondLst>
-                      <p:childTnLst>
-                        <p:par>
-                          <p:cTn id="34" fill="hold">
-                            <p:stCondLst>
-                              <p:cond delay="0"/>
-                            </p:stCondLst>
-                            <p:childTnLst>
-                              <p:par>
-                                <p:cTn id="35" presetID="1" presetClass="entr" presetSubtype="0" fill="hold" grpId="1" nodeType="clickEffect">
-                                  <p:stCondLst>
-                                    <p:cond delay="0"/>
-                                  </p:stCondLst>
-                                  <p:childTnLst>
-                                    <p:set>
-                                      <p:cBhvr>
-                                        <p:cTn id="36" dur="1" fill="hold">
-                                          <p:stCondLst>
-                                            <p:cond delay="0"/>
-                                          </p:stCondLst>
-                                        </p:cTn>
-                                        <p:tgtEl>
-                                          <p:spTgt spid="4"/>
-                                        </p:tgtEl>
-                                        <p:attrNameLst>
-                                          <p:attrName>style.visibility</p:attrName>
-                                        </p:attrNameLst>
-                                      </p:cBhvr>
-                                      <p:to>
-                                        <p:strVal val="visible"/>
-                                      </p:to>
-                                    </p:set>
-                                  </p:childTnLst>
-                                </p:cTn>
-                              </p:par>
-                            </p:childTnLst>
-                          </p:cTn>
-                        </p:par>
-                      </p:childTnLst>
-                    </p:cTn>
-                  </p:par>
-                  <p:par>
-                    <p:cTn id="37" fill="hold">
-                      <p:stCondLst>
-                        <p:cond delay="indefinite"/>
-                      </p:stCondLst>
-                      <p:childTnLst>
-                        <p:par>
-                          <p:cTn id="38" fill="hold">
-                            <p:stCondLst>
-                              <p:cond delay="0"/>
-                            </p:stCondLst>
-                            <p:childTnLst>
-                              <p:par>
-                                <p:cTn id="39" presetID="1" presetClass="entr" presetSubtype="0" fill="hold" grpId="0" nodeType="clickEffect">
-                                  <p:stCondLst>
-                                    <p:cond delay="0"/>
-                                  </p:stCondLst>
-                                  <p:childTnLst>
-                                    <p:set>
-                                      <p:cBhvr>
-                                        <p:cTn id="40" dur="1" fill="hold">
-                                          <p:stCondLst>
-                                            <p:cond delay="0"/>
-                                          </p:stCondLst>
-                                        </p:cTn>
-                                        <p:tgtEl>
-                                          <p:spTgt spid="79"/>
-                                        </p:tgtEl>
-                                        <p:attrNameLst>
-                                          <p:attrName>style.visibility</p:attrName>
-                                        </p:attrNameLst>
-                                      </p:cBhvr>
-                                      <p:to>
-                                        <p:strVal val="visible"/>
-                                      </p:to>
-                                    </p:set>
-                                  </p:childTnLst>
-                                </p:cTn>
-                              </p:par>
-                              <p:par>
-                                <p:cTn id="41" presetID="1" presetClass="entr" presetSubtype="0" fill="hold" grpId="1" nodeType="withEffect">
-                                  <p:stCondLst>
-                                    <p:cond delay="0"/>
-                                  </p:stCondLst>
-                                  <p:childTnLst>
-                                    <p:set>
-                                      <p:cBhvr>
-                                        <p:cTn id="42" dur="1" fill="hold">
-                                          <p:stCondLst>
-                                            <p:cond delay="0"/>
-                                          </p:stCondLst>
-                                        </p:cTn>
-                                        <p:tgtEl>
-                                          <p:spTgt spid="84"/>
-                                        </p:tgtEl>
-                                        <p:attrNameLst>
-                                          <p:attrName>style.visibility</p:attrName>
-                                        </p:attrNameLst>
-                                      </p:cBhvr>
-                                      <p:to>
-                                        <p:strVal val="visible"/>
-                                      </p:to>
-                                    </p:set>
-                                  </p:childTnLst>
-                                </p:cTn>
-                              </p:par>
-                            </p:childTnLst>
-                          </p:cTn>
-                        </p:par>
-                      </p:childTnLst>
-                    </p:cTn>
-                  </p:par>
-                  <p:par>
-                    <p:cTn id="43" fill="hold">
-                      <p:stCondLst>
-                        <p:cond delay="indefinite"/>
-                      </p:stCondLst>
-                      <p:childTnLst>
-                        <p:par>
-                          <p:cTn id="44" fill="hold">
-                            <p:stCondLst>
-                              <p:cond delay="0"/>
-                            </p:stCondLst>
-                            <p:childTnLst>
-                              <p:par>
-                                <p:cTn id="45" presetID="1" presetClass="entr" presetSubtype="0" fill="hold" grpId="2" nodeType="clickEffect">
-                                  <p:stCondLst>
-                                    <p:cond delay="0"/>
-                                  </p:stCondLst>
-                                  <p:childTnLst>
-                                    <p:set>
-                                      <p:cBhvr>
-                                        <p:cTn id="46" dur="1" fill="hold">
-                                          <p:stCondLst>
-                                            <p:cond delay="0"/>
-                                          </p:stCondLst>
-                                        </p:cTn>
-                                        <p:tgtEl>
-                                          <p:spTgt spid="84"/>
-                                        </p:tgtEl>
-                                        <p:attrNameLst>
-                                          <p:attrName>style.visibility</p:attrName>
-                                        </p:attrNameLst>
-                                      </p:cBhvr>
-                                      <p:to>
-                                        <p:strVal val="visible"/>
-                                      </p:to>
-                                    </p:set>
-                                  </p:childTnLst>
-                                </p:cTn>
-                              </p:par>
-                            </p:childTnLst>
-                          </p:cTn>
-                        </p:par>
-                      </p:childTnLst>
-                    </p:cTn>
-                  </p:par>
-                  <p:par>
-                    <p:cTn id="47" fill="hold">
-                      <p:stCondLst>
-                        <p:cond delay="indefinite"/>
-                      </p:stCondLst>
-                      <p:childTnLst>
-                        <p:par>
-                          <p:cTn id="48" fill="hold">
-                            <p:stCondLst>
-                              <p:cond delay="0"/>
-                            </p:stCondLst>
-                            <p:childTnLst>
-                              <p:par>
-                                <p:cTn id="49" presetID="1" presetClass="entr" presetSubtype="0" fill="hold" grpId="0" nodeType="clickEffect">
-                                  <p:stCondLst>
-                                    <p:cond delay="0"/>
-                                  </p:stCondLst>
-                                  <p:childTnLst>
-                                    <p:set>
-                                      <p:cBhvr>
-                                        <p:cTn id="50" dur="1" fill="hold">
-                                          <p:stCondLst>
-                                            <p:cond delay="0"/>
-                                          </p:stCondLst>
-                                        </p:cTn>
-                                        <p:tgtEl>
-                                          <p:spTgt spid="81"/>
-                                        </p:tgtEl>
-                                        <p:attrNameLst>
-                                          <p:attrName>style.visibility</p:attrName>
-                                        </p:attrNameLst>
-                                      </p:cBhvr>
-                                      <p:to>
-                                        <p:strVal val="visible"/>
-                                      </p:to>
-                                    </p:set>
-                                  </p:childTnLst>
-                                </p:cTn>
-                              </p:par>
-                            </p:childTnLst>
-                          </p:cTn>
-                        </p:par>
-                      </p:childTnLst>
-                    </p:cTn>
-                  </p:par>
-                  <p:par>
-                    <p:cTn id="51" fill="hold">
-                      <p:stCondLst>
-                        <p:cond delay="indefinite"/>
-                      </p:stCondLst>
-                      <p:childTnLst>
-                        <p:par>
-                          <p:cTn id="52" fill="hold">
-                            <p:stCondLst>
-                              <p:cond delay="0"/>
-                            </p:stCondLst>
-                            <p:childTnLst>
-                              <p:par>
-                                <p:cTn id="53" presetID="1" presetClass="entr" presetSubtype="0" fill="hold" grpId="0" nodeType="clickEffect">
-                                  <p:stCondLst>
-                                    <p:cond delay="0"/>
-                                  </p:stCondLst>
-                                  <p:childTnLst>
-                                    <p:set>
-                                      <p:cBhvr>
-                                        <p:cTn id="54" dur="1" fill="hold">
-                                          <p:stCondLst>
-                                            <p:cond delay="0"/>
-                                          </p:stCondLst>
-                                        </p:cTn>
-                                        <p:tgtEl>
-                                          <p:spTgt spid="82"/>
-                                        </p:tgtEl>
-                                        <p:attrNameLst>
-                                          <p:attrName>style.visibility</p:attrName>
-                                        </p:attrNameLst>
-                                      </p:cBhvr>
-                                      <p:to>
-                                        <p:strVal val="visible"/>
-                                      </p:to>
-                                    </p:set>
-                                  </p:childTnLst>
-                                </p:cTn>
-                              </p:par>
-                            </p:childTnLst>
-                          </p:cTn>
-                        </p:par>
-                      </p:childTnLst>
-                    </p:cTn>
-                  </p:par>
-                  <p:par>
-                    <p:cTn id="55" fill="hold">
-                      <p:stCondLst>
-                        <p:cond delay="indefinite"/>
-                      </p:stCondLst>
-                      <p:childTnLst>
-                        <p:par>
-                          <p:cTn id="56" fill="hold">
-                            <p:stCondLst>
-                              <p:cond delay="0"/>
-                            </p:stCondLst>
-                            <p:childTnLst>
-                              <p:par>
-                                <p:cTn id="57" presetID="1" presetClass="entr" presetSubtype="0" fill="hold" grpId="0" nodeType="clickEffect">
-                                  <p:stCondLst>
-                                    <p:cond delay="0"/>
-                                  </p:stCondLst>
-                                  <p:childTnLst>
-                                    <p:set>
-                                      <p:cBhvr>
-                                        <p:cTn id="58" dur="1" fill="hold">
-                                          <p:stCondLst>
-                                            <p:cond delay="0"/>
-                                          </p:stCondLst>
-                                        </p:cTn>
-                                        <p:tgtEl>
-                                          <p:spTgt spid="125"/>
-                                        </p:tgtEl>
-                                        <p:attrNameLst>
-                                          <p:attrName>style.visibility</p:attrName>
-                                        </p:attrNameLst>
-                                      </p:cBhvr>
-                                      <p:to>
-                                        <p:strVal val="visible"/>
-                                      </p:to>
-                                    </p:set>
-                                  </p:childTnLst>
-                                </p:cTn>
-                              </p:par>
-                              <p:par>
-                                <p:cTn id="59" presetID="1" presetClass="entr" presetSubtype="0" fill="hold" grpId="0" nodeType="withEffect">
-                                  <p:stCondLst>
-                                    <p:cond delay="0"/>
-                                  </p:stCondLst>
-                                  <p:childTnLst>
-                                    <p:set>
-                                      <p:cBhvr>
-                                        <p:cTn id="60" dur="1" fill="hold">
-                                          <p:stCondLst>
-                                            <p:cond delay="0"/>
-                                          </p:stCondLst>
-                                        </p:cTn>
-                                        <p:tgtEl>
-                                          <p:spTgt spid="126"/>
-                                        </p:tgtEl>
-                                        <p:attrNameLst>
-                                          <p:attrName>style.visibility</p:attrName>
-                                        </p:attrNameLst>
-                                      </p:cBhvr>
-                                      <p:to>
-                                        <p:strVal val="visible"/>
-                                      </p:to>
-                                    </p:set>
-                                  </p:childTnLst>
-                                </p:cTn>
-                              </p:par>
-                            </p:childTnLst>
-                          </p:cTn>
-                        </p:par>
-                      </p:childTnLst>
-                    </p:cTn>
-                  </p:par>
-                  <p:par>
-                    <p:cTn id="61" fill="hold">
-                      <p:stCondLst>
-                        <p:cond delay="indefinite"/>
-                      </p:stCondLst>
-                      <p:childTnLst>
-                        <p:par>
-                          <p:cTn id="62" fill="hold">
-                            <p:stCondLst>
-                              <p:cond delay="0"/>
-                            </p:stCondLst>
-                            <p:childTnLst>
-                              <p:par>
-                                <p:cTn id="63" presetID="1" presetClass="entr" presetSubtype="0" fill="hold" grpId="0" nodeType="clickEffect">
-                                  <p:stCondLst>
-                                    <p:cond delay="0"/>
-                                  </p:stCondLst>
-                                  <p:childTnLst>
-                                    <p:set>
-                                      <p:cBhvr>
-                                        <p:cTn id="64" dur="1" fill="hold">
-                                          <p:stCondLst>
-                                            <p:cond delay="0"/>
-                                          </p:stCondLst>
-                                        </p:cTn>
-                                        <p:tgtEl>
-                                          <p:spTgt spid="127"/>
-                                        </p:tgtEl>
-                                        <p:attrNameLst>
-                                          <p:attrName>style.visibility</p:attrName>
-                                        </p:attrNameLst>
-                                      </p:cBhvr>
-                                      <p:to>
-                                        <p:strVal val="visible"/>
-                                      </p:to>
-                                    </p:set>
-                                  </p:childTnLst>
-                                </p:cTn>
-                              </p:par>
-                            </p:childTnLst>
-                          </p:cTn>
-                        </p:par>
-                      </p:childTnLst>
-                    </p:cTn>
-                  </p:par>
-                  <p:par>
-                    <p:cTn id="65" fill="hold">
-                      <p:stCondLst>
-                        <p:cond delay="indefinite"/>
-                      </p:stCondLst>
-                      <p:childTnLst>
-                        <p:par>
-                          <p:cTn id="66" fill="hold">
-                            <p:stCondLst>
-                              <p:cond delay="0"/>
-                            </p:stCondLst>
-                            <p:childTnLst>
-                              <p:par>
-                                <p:cTn id="67" presetID="1" presetClass="entr" presetSubtype="0" fill="hold" grpId="0" nodeType="clickEffect">
-                                  <p:stCondLst>
-                                    <p:cond delay="0"/>
-                                  </p:stCondLst>
-                                  <p:childTnLst>
-                                    <p:set>
-                                      <p:cBhvr>
-                                        <p:cTn id="68" dur="1" fill="hold">
-                                          <p:stCondLst>
-                                            <p:cond delay="0"/>
-                                          </p:stCondLst>
-                                        </p:cTn>
-                                        <p:tgtEl>
-                                          <p:spTgt spid="114"/>
-                                        </p:tgtEl>
-                                        <p:attrNameLst>
-                                          <p:attrName>style.visibility</p:attrName>
-                                        </p:attrNameLst>
-                                      </p:cBhvr>
-                                      <p:to>
-                                        <p:strVal val="visible"/>
-                                      </p:to>
-                                    </p:set>
-                                  </p:childTnLst>
-                                </p:cTn>
-                              </p:par>
-                            </p:childTnLst>
-                          </p:cTn>
-                        </p:par>
-                      </p:childTnLst>
-                    </p:cTn>
-                  </p:par>
-                  <p:par>
-                    <p:cTn id="69" fill="hold">
-                      <p:stCondLst>
-                        <p:cond delay="indefinite"/>
-                      </p:stCondLst>
-                      <p:childTnLst>
-                        <p:par>
-                          <p:cTn id="70" fill="hold">
-                            <p:stCondLst>
-                              <p:cond delay="0"/>
-                            </p:stCondLst>
-                            <p:childTnLst>
-                              <p:par>
-                                <p:cTn id="71" presetID="1" presetClass="entr" presetSubtype="0" fill="hold" grpId="0" nodeType="clickEffect">
-                                  <p:stCondLst>
-                                    <p:cond delay="0"/>
-                                  </p:stCondLst>
-                                  <p:childTnLst>
-                                    <p:set>
-                                      <p:cBhvr>
-                                        <p:cTn id="72" dur="1" fill="hold">
-                                          <p:stCondLst>
-                                            <p:cond delay="0"/>
-                                          </p:stCondLst>
-                                        </p:cTn>
-                                        <p:tgtEl>
-                                          <p:spTgt spid="128"/>
-                                        </p:tgtEl>
-                                        <p:attrNameLst>
-                                          <p:attrName>style.visibility</p:attrName>
-                                        </p:attrNameLst>
-                                      </p:cBhvr>
-                                      <p:to>
-                                        <p:strVal val="visible"/>
-                                      </p:to>
-                                    </p:set>
-                                  </p:childTnLst>
-                                </p:cTn>
-                              </p:par>
-                            </p:childTnLst>
-                          </p:cTn>
-                        </p:par>
-                      </p:childTnLst>
-                    </p:cTn>
-                  </p:par>
-                  <p:par>
-                    <p:cTn id="73" fill="hold">
-                      <p:stCondLst>
-                        <p:cond delay="indefinite"/>
-                      </p:stCondLst>
-                      <p:childTnLst>
-                        <p:par>
-                          <p:cTn id="74" fill="hold">
-                            <p:stCondLst>
-                              <p:cond delay="0"/>
-                            </p:stCondLst>
-                            <p:childTnLst>
-                              <p:par>
-                                <p:cTn id="75" presetID="1" presetClass="entr" presetSubtype="0" fill="hold" grpId="0" nodeType="clickEffect">
-                                  <p:stCondLst>
-                                    <p:cond delay="0"/>
-                                  </p:stCondLst>
-                                  <p:childTnLst>
-                                    <p:set>
-                                      <p:cBhvr>
-                                        <p:cTn id="76" dur="1" fill="hold">
-                                          <p:stCondLst>
-                                            <p:cond delay="0"/>
-                                          </p:stCondLst>
-                                        </p:cTn>
-                                        <p:tgtEl>
-                                          <p:spTgt spid="129"/>
-                                        </p:tgtEl>
-                                        <p:attrNameLst>
-                                          <p:attrName>style.visibility</p:attrName>
-                                        </p:attrNameLst>
-                                      </p:cBhvr>
-                                      <p:to>
-                                        <p:strVal val="visible"/>
-                                      </p:to>
-                                    </p:set>
-                                  </p:childTnLst>
-                                </p:cTn>
-                              </p:par>
-                            </p:childTnLst>
-                          </p:cTn>
-                        </p:par>
-                      </p:childTnLst>
-                    </p:cTn>
-                  </p:par>
-                  <p:par>
-                    <p:cTn id="77" fill="hold">
-                      <p:stCondLst>
-                        <p:cond delay="indefinite"/>
-                      </p:stCondLst>
-                      <p:childTnLst>
-                        <p:par>
-                          <p:cTn id="78" fill="hold">
-                            <p:stCondLst>
-                              <p:cond delay="0"/>
-                            </p:stCondLst>
-                            <p:childTnLst>
-                              <p:par>
-                                <p:cTn id="79" presetID="1" presetClass="entr" presetSubtype="0" fill="hold" grpId="0" nodeType="clickEffect">
-                                  <p:stCondLst>
-                                    <p:cond delay="0"/>
-                                  </p:stCondLst>
-                                  <p:childTnLst>
-                                    <p:set>
-                                      <p:cBhvr>
-                                        <p:cTn id="80" dur="1" fill="hold">
-                                          <p:stCondLst>
-                                            <p:cond delay="0"/>
-                                          </p:stCondLst>
-                                        </p:cTn>
-                                        <p:tgtEl>
-                                          <p:spTgt spid="130"/>
-                                        </p:tgtEl>
-                                        <p:attrNameLst>
-                                          <p:attrName>style.visibility</p:attrName>
-                                        </p:attrNameLst>
-                                      </p:cBhvr>
-                                      <p:to>
-                                        <p:strVal val="visible"/>
-                                      </p:to>
-                                    </p:set>
-                                  </p:childTnLst>
-                                </p:cTn>
-                              </p:par>
-                              <p:par>
-                                <p:cTn id="81" presetID="1" presetClass="entr" presetSubtype="0" fill="hold" grpId="0" nodeType="withEffect">
-                                  <p:stCondLst>
-                                    <p:cond delay="0"/>
-                                  </p:stCondLst>
-                                  <p:childTnLst>
-                                    <p:set>
-                                      <p:cBhvr>
-                                        <p:cTn id="82" dur="1" fill="hold">
-                                          <p:stCondLst>
-                                            <p:cond delay="0"/>
-                                          </p:stCondLst>
-                                        </p:cTn>
-                                        <p:tgtEl>
-                                          <p:spTgt spid="131"/>
-                                        </p:tgtEl>
-                                        <p:attrNameLst>
-                                          <p:attrName>style.visibility</p:attrName>
-                                        </p:attrNameLst>
-                                      </p:cBhvr>
-                                      <p:to>
-                                        <p:strVal val="visible"/>
-                                      </p:to>
-                                    </p:set>
-                                  </p:childTnLst>
-                                </p:cTn>
-                              </p:par>
-                            </p:childTnLst>
-                          </p:cTn>
-                        </p:par>
-                      </p:childTnLst>
-                    </p:cTn>
-                  </p:par>
-                </p:childTnLst>
-              </p:cTn>
-              <p:prevCondLst>
-                <p:cond evt="onPrev" delay="0">
-                  <p:tgtEl>
-                    <p:sldTgt/>
-                  </p:tgtEl>
-                </p:cond>
-              </p:prevCondLst>
-              <p:nextCondLst>
-                <p:cond evt="onNext" delay="0">
-                  <p:tgtEl>
-                    <p:sldTgt/>
-                  </p:tgtEl>
-                </p:cond>
-              </p:nextCondLst>
-            </p:seq>
-          </p:childTnLst>
-        </p:cTn>
-      </p:par>
-    </p:tnLst>
-    <p:bldLst>
-      <p:bldP spid="77" grpId="0" animBg="1"/>
-      <p:bldP spid="4" grpId="0"/>
-      <p:bldP spid="4" grpId="1"/>
-      <p:bldP spid="84" grpId="0"/>
-      <p:bldP spid="84" grpId="1"/>
-      <p:bldP spid="84" grpId="2"/>
-      <p:bldP spid="114" grpId="0"/>
-      <p:bldP spid="72" grpId="0"/>
-      <p:bldP spid="8" grpId="0" animBg="1"/>
-      <p:bldP spid="73" grpId="0" animBg="1"/>
-      <p:bldP spid="74" grpId="0" animBg="1"/>
-      <p:bldP spid="75" grpId="0" animBg="1"/>
-      <p:bldP spid="76" grpId="0" animBg="1"/>
-      <p:bldP spid="79" grpId="0" animBg="1"/>
-      <p:bldP spid="81" grpId="0" animBg="1"/>
-      <p:bldP spid="82" grpId="0"/>
-      <p:bldP spid="125" grpId="0" animBg="1"/>
-      <p:bldP spid="126" grpId="0" animBg="1"/>
-      <p:bldP spid="127" grpId="0" animBg="1"/>
-      <p:bldP spid="128" grpId="0" animBg="1"/>
-      <p:bldP spid="129" grpId="0"/>
-      <p:bldP spid="130" grpId="0" animBg="1"/>
-      <p:bldP spid="131" grpId="0" animBg="1"/>
-    </p:bldLst>
-  </p:timing>
-</p:sld>
-</file>
-
 <file path=ppt/theme/theme1.xml><?xml version="1.0" encoding="utf-8"?>
 <a:theme xmlns:a="http://schemas.openxmlformats.org/drawingml/2006/main" name="Office 主题​​">
   <a:themeElements>

--- a/docs/4.algorithm/1.algorithm/gif/gif制作.pptx
+++ b/docs/4.algorithm/1.algorithm/gif/gif制作.pptx
@@ -234,7 +234,7 @@
           <a:p>
             <a:fld id="{CB9A6B32-0A5F-4AF7-AACB-101EF161AF5F}" type="datetimeFigureOut">
               <a:rPr lang="zh-CN" altLang="en-US" smtClean="0"/>
-              <a:t>2020/4/29</a:t>
+              <a:t>2020/5/19</a:t>
             </a:fld>
             <a:endParaRPr lang="zh-CN" altLang="en-US"/>
           </a:p>
@@ -1632,7 +1632,7 @@
           <a:p>
             <a:fld id="{32092218-5668-4670-9FA5-EE998BAB2E50}" type="datetimeFigureOut">
               <a:rPr lang="zh-CN" altLang="en-US" smtClean="0"/>
-              <a:t>2020/4/29</a:t>
+              <a:t>2020/5/19</a:t>
             </a:fld>
             <a:endParaRPr lang="zh-CN" altLang="en-US"/>
           </a:p>
@@ -1830,7 +1830,7 @@
           <a:p>
             <a:fld id="{32092218-5668-4670-9FA5-EE998BAB2E50}" type="datetimeFigureOut">
               <a:rPr lang="zh-CN" altLang="en-US" smtClean="0"/>
-              <a:t>2020/4/29</a:t>
+              <a:t>2020/5/19</a:t>
             </a:fld>
             <a:endParaRPr lang="zh-CN" altLang="en-US"/>
           </a:p>
@@ -2038,7 +2038,7 @@
           <a:p>
             <a:fld id="{32092218-5668-4670-9FA5-EE998BAB2E50}" type="datetimeFigureOut">
               <a:rPr lang="zh-CN" altLang="en-US" smtClean="0"/>
-              <a:t>2020/4/29</a:t>
+              <a:t>2020/5/19</a:t>
             </a:fld>
             <a:endParaRPr lang="zh-CN" altLang="en-US"/>
           </a:p>
@@ -2236,7 +2236,7 @@
           <a:p>
             <a:fld id="{32092218-5668-4670-9FA5-EE998BAB2E50}" type="datetimeFigureOut">
               <a:rPr lang="zh-CN" altLang="en-US" smtClean="0"/>
-              <a:t>2020/4/29</a:t>
+              <a:t>2020/5/19</a:t>
             </a:fld>
             <a:endParaRPr lang="zh-CN" altLang="en-US"/>
           </a:p>
@@ -2511,7 +2511,7 @@
           <a:p>
             <a:fld id="{32092218-5668-4670-9FA5-EE998BAB2E50}" type="datetimeFigureOut">
               <a:rPr lang="zh-CN" altLang="en-US" smtClean="0"/>
-              <a:t>2020/4/29</a:t>
+              <a:t>2020/5/19</a:t>
             </a:fld>
             <a:endParaRPr lang="zh-CN" altLang="en-US"/>
           </a:p>
@@ -2776,7 +2776,7 @@
           <a:p>
             <a:fld id="{32092218-5668-4670-9FA5-EE998BAB2E50}" type="datetimeFigureOut">
               <a:rPr lang="zh-CN" altLang="en-US" smtClean="0"/>
-              <a:t>2020/4/29</a:t>
+              <a:t>2020/5/19</a:t>
             </a:fld>
             <a:endParaRPr lang="zh-CN" altLang="en-US"/>
           </a:p>
@@ -3188,7 +3188,7 @@
           <a:p>
             <a:fld id="{32092218-5668-4670-9FA5-EE998BAB2E50}" type="datetimeFigureOut">
               <a:rPr lang="zh-CN" altLang="en-US" smtClean="0"/>
-              <a:t>2020/4/29</a:t>
+              <a:t>2020/5/19</a:t>
             </a:fld>
             <a:endParaRPr lang="zh-CN" altLang="en-US"/>
           </a:p>
@@ -3329,7 +3329,7 @@
           <a:p>
             <a:fld id="{32092218-5668-4670-9FA5-EE998BAB2E50}" type="datetimeFigureOut">
               <a:rPr lang="zh-CN" altLang="en-US" smtClean="0"/>
-              <a:t>2020/4/29</a:t>
+              <a:t>2020/5/19</a:t>
             </a:fld>
             <a:endParaRPr lang="zh-CN" altLang="en-US"/>
           </a:p>
@@ -3442,7 +3442,7 @@
           <a:p>
             <a:fld id="{32092218-5668-4670-9FA5-EE998BAB2E50}" type="datetimeFigureOut">
               <a:rPr lang="zh-CN" altLang="en-US" smtClean="0"/>
-              <a:t>2020/4/29</a:t>
+              <a:t>2020/5/19</a:t>
             </a:fld>
             <a:endParaRPr lang="zh-CN" altLang="en-US"/>
           </a:p>
@@ -3753,7 +3753,7 @@
           <a:p>
             <a:fld id="{32092218-5668-4670-9FA5-EE998BAB2E50}" type="datetimeFigureOut">
               <a:rPr lang="zh-CN" altLang="en-US" smtClean="0"/>
-              <a:t>2020/4/29</a:t>
+              <a:t>2020/5/19</a:t>
             </a:fld>
             <a:endParaRPr lang="zh-CN" altLang="en-US"/>
           </a:p>
@@ -4041,7 +4041,7 @@
           <a:p>
             <a:fld id="{32092218-5668-4670-9FA5-EE998BAB2E50}" type="datetimeFigureOut">
               <a:rPr lang="zh-CN" altLang="en-US" smtClean="0"/>
-              <a:t>2020/4/29</a:t>
+              <a:t>2020/5/19</a:t>
             </a:fld>
             <a:endParaRPr lang="zh-CN" altLang="en-US"/>
           </a:p>
@@ -4282,7 +4282,7 @@
           <a:p>
             <a:fld id="{32092218-5668-4670-9FA5-EE998BAB2E50}" type="datetimeFigureOut">
               <a:rPr lang="zh-CN" altLang="en-US" smtClean="0"/>
-              <a:t>2020/4/29</a:t>
+              <a:t>2020/5/19</a:t>
             </a:fld>
             <a:endParaRPr lang="zh-CN" altLang="en-US"/>
           </a:p>
@@ -25507,59 +25507,6 @@
       </p:sp>
       <p:sp>
         <p:nvSpPr>
-          <p:cNvPr id="32" name="矩形 31">
-            <a:extLst>
-              <a:ext uri="{FF2B5EF4-FFF2-40B4-BE49-F238E27FC236}">
-                <a16:creationId xmlns:a16="http://schemas.microsoft.com/office/drawing/2014/main" id="{909A58B4-C110-4AE1-870B-F7D19A28A745}"/>
-              </a:ext>
-            </a:extLst>
-          </p:cNvPr>
-          <p:cNvSpPr/>
-          <p:nvPr/>
-        </p:nvSpPr>
-        <p:spPr>
-          <a:xfrm>
-            <a:off x="7621018" y="3757612"/>
-            <a:ext cx="4977285" cy="981075"/>
-          </a:xfrm>
-          <a:prstGeom prst="rect">
-            <a:avLst/>
-          </a:prstGeom>
-          <a:noFill/>
-          <a:ln w="38100">
-            <a:solidFill>
-              <a:srgbClr val="FFC000"/>
-            </a:solidFill>
-            <a:prstDash val="dashDot"/>
-          </a:ln>
-        </p:spPr>
-        <p:style>
-          <a:lnRef idx="2">
-            <a:schemeClr val="accent1">
-              <a:shade val="50000"/>
-            </a:schemeClr>
-          </a:lnRef>
-          <a:fillRef idx="1">
-            <a:schemeClr val="accent1"/>
-          </a:fillRef>
-          <a:effectRef idx="0">
-            <a:schemeClr val="accent1"/>
-          </a:effectRef>
-          <a:fontRef idx="minor">
-            <a:schemeClr val="lt1"/>
-          </a:fontRef>
-        </p:style>
-        <p:txBody>
-          <a:bodyPr rtlCol="0" anchor="ctr"/>
-          <a:lstStyle/>
-          <a:p>
-            <a:pPr algn="ctr"/>
-            <a:endParaRPr lang="zh-CN" altLang="en-US"/>
-          </a:p>
-        </p:txBody>
-      </p:sp>
-      <p:sp>
-        <p:nvSpPr>
           <p:cNvPr id="38" name="箭头: 下 37">
             <a:extLst>
               <a:ext uri="{FF2B5EF4-FFF2-40B4-BE49-F238E27FC236}">
@@ -26292,6 +26239,292 @@
           </a:p>
         </p:txBody>
       </p:sp>
+      <p:sp>
+        <p:nvSpPr>
+          <p:cNvPr id="29" name="矩形 28">
+            <a:extLst>
+              <a:ext uri="{FF2B5EF4-FFF2-40B4-BE49-F238E27FC236}">
+                <a16:creationId xmlns:a16="http://schemas.microsoft.com/office/drawing/2014/main" id="{7766AF01-AB3B-4841-A112-477D33398AB0}"/>
+              </a:ext>
+            </a:extLst>
+          </p:cNvPr>
+          <p:cNvSpPr/>
+          <p:nvPr/>
+        </p:nvSpPr>
+        <p:spPr>
+          <a:xfrm>
+            <a:off x="5657530" y="2126669"/>
+            <a:ext cx="538151" cy="406400"/>
+          </a:xfrm>
+          <a:prstGeom prst="rect">
+            <a:avLst/>
+          </a:prstGeom>
+        </p:spPr>
+        <p:style>
+          <a:lnRef idx="2">
+            <a:schemeClr val="accent1">
+              <a:shade val="50000"/>
+            </a:schemeClr>
+          </a:lnRef>
+          <a:fillRef idx="1">
+            <a:schemeClr val="accent1"/>
+          </a:fillRef>
+          <a:effectRef idx="0">
+            <a:schemeClr val="accent1"/>
+          </a:effectRef>
+          <a:fontRef idx="minor">
+            <a:schemeClr val="lt1"/>
+          </a:fontRef>
+        </p:style>
+        <p:txBody>
+          <a:bodyPr rtlCol="0" anchor="ctr"/>
+          <a:lstStyle/>
+          <a:p>
+            <a:pPr algn="ctr"/>
+            <a:r>
+              <a:rPr lang="en-US" altLang="zh-CN" dirty="0"/>
+              <a:t>2</a:t>
+            </a:r>
+            <a:endParaRPr lang="zh-CN" altLang="en-US" dirty="0"/>
+          </a:p>
+        </p:txBody>
+      </p:sp>
+      <p:sp>
+        <p:nvSpPr>
+          <p:cNvPr id="33" name="矩形 32">
+            <a:extLst>
+              <a:ext uri="{FF2B5EF4-FFF2-40B4-BE49-F238E27FC236}">
+                <a16:creationId xmlns:a16="http://schemas.microsoft.com/office/drawing/2014/main" id="{9F049574-0DAA-4D24-8B49-8296F88C3480}"/>
+              </a:ext>
+            </a:extLst>
+          </p:cNvPr>
+          <p:cNvSpPr/>
+          <p:nvPr/>
+        </p:nvSpPr>
+        <p:spPr>
+          <a:xfrm>
+            <a:off x="4845488" y="2136194"/>
+            <a:ext cx="538151" cy="406400"/>
+          </a:xfrm>
+          <a:prstGeom prst="rect">
+            <a:avLst/>
+          </a:prstGeom>
+        </p:spPr>
+        <p:style>
+          <a:lnRef idx="2">
+            <a:schemeClr val="accent1">
+              <a:shade val="50000"/>
+            </a:schemeClr>
+          </a:lnRef>
+          <a:fillRef idx="1">
+            <a:schemeClr val="accent1"/>
+          </a:fillRef>
+          <a:effectRef idx="0">
+            <a:schemeClr val="accent1"/>
+          </a:effectRef>
+          <a:fontRef idx="minor">
+            <a:schemeClr val="lt1"/>
+          </a:fontRef>
+        </p:style>
+        <p:txBody>
+          <a:bodyPr rtlCol="0" anchor="ctr"/>
+          <a:lstStyle/>
+          <a:p>
+            <a:pPr algn="ctr"/>
+            <a:r>
+              <a:rPr lang="en-US" altLang="zh-CN" dirty="0"/>
+              <a:t>5</a:t>
+            </a:r>
+          </a:p>
+        </p:txBody>
+      </p:sp>
+      <p:sp>
+        <p:nvSpPr>
+          <p:cNvPr id="34" name="矩形 33">
+            <a:extLst>
+              <a:ext uri="{FF2B5EF4-FFF2-40B4-BE49-F238E27FC236}">
+                <a16:creationId xmlns:a16="http://schemas.microsoft.com/office/drawing/2014/main" id="{BDA46148-7E08-4591-8D37-463074450F6F}"/>
+              </a:ext>
+            </a:extLst>
+          </p:cNvPr>
+          <p:cNvSpPr/>
+          <p:nvPr/>
+        </p:nvSpPr>
+        <p:spPr>
+          <a:xfrm>
+            <a:off x="6539287" y="2126669"/>
+            <a:ext cx="538151" cy="406400"/>
+          </a:xfrm>
+          <a:prstGeom prst="rect">
+            <a:avLst/>
+          </a:prstGeom>
+        </p:spPr>
+        <p:style>
+          <a:lnRef idx="2">
+            <a:schemeClr val="accent1">
+              <a:shade val="50000"/>
+            </a:schemeClr>
+          </a:lnRef>
+          <a:fillRef idx="1">
+            <a:schemeClr val="accent1"/>
+          </a:fillRef>
+          <a:effectRef idx="0">
+            <a:schemeClr val="accent1"/>
+          </a:effectRef>
+          <a:fontRef idx="minor">
+            <a:schemeClr val="lt1"/>
+          </a:fontRef>
+        </p:style>
+        <p:txBody>
+          <a:bodyPr rtlCol="0" anchor="ctr"/>
+          <a:lstStyle/>
+          <a:p>
+            <a:pPr algn="ctr"/>
+            <a:r>
+              <a:rPr lang="en-US" altLang="zh-CN" dirty="0"/>
+              <a:t>7</a:t>
+            </a:r>
+            <a:endParaRPr lang="zh-CN" altLang="en-US" dirty="0"/>
+          </a:p>
+        </p:txBody>
+      </p:sp>
+      <p:sp>
+        <p:nvSpPr>
+          <p:cNvPr id="35" name="矩形 34">
+            <a:extLst>
+              <a:ext uri="{FF2B5EF4-FFF2-40B4-BE49-F238E27FC236}">
+                <a16:creationId xmlns:a16="http://schemas.microsoft.com/office/drawing/2014/main" id="{37789A6E-D0D2-405F-B21F-BECF1B0F6619}"/>
+              </a:ext>
+            </a:extLst>
+          </p:cNvPr>
+          <p:cNvSpPr/>
+          <p:nvPr/>
+        </p:nvSpPr>
+        <p:spPr>
+          <a:xfrm>
+            <a:off x="7421044" y="2126669"/>
+            <a:ext cx="538151" cy="406400"/>
+          </a:xfrm>
+          <a:prstGeom prst="rect">
+            <a:avLst/>
+          </a:prstGeom>
+        </p:spPr>
+        <p:style>
+          <a:lnRef idx="2">
+            <a:schemeClr val="accent1">
+              <a:shade val="50000"/>
+            </a:schemeClr>
+          </a:lnRef>
+          <a:fillRef idx="1">
+            <a:schemeClr val="accent1"/>
+          </a:fillRef>
+          <a:effectRef idx="0">
+            <a:schemeClr val="accent1"/>
+          </a:effectRef>
+          <a:fontRef idx="minor">
+            <a:schemeClr val="lt1"/>
+          </a:fontRef>
+        </p:style>
+        <p:txBody>
+          <a:bodyPr rtlCol="0" anchor="ctr"/>
+          <a:lstStyle/>
+          <a:p>
+            <a:pPr algn="ctr"/>
+            <a:r>
+              <a:rPr lang="en-US" altLang="zh-CN" dirty="0"/>
+              <a:t>3</a:t>
+            </a:r>
+            <a:endParaRPr lang="zh-CN" altLang="en-US" dirty="0"/>
+          </a:p>
+        </p:txBody>
+      </p:sp>
+      <p:sp>
+        <p:nvSpPr>
+          <p:cNvPr id="36" name="箭头: 下 35">
+            <a:extLst>
+              <a:ext uri="{FF2B5EF4-FFF2-40B4-BE49-F238E27FC236}">
+                <a16:creationId xmlns:a16="http://schemas.microsoft.com/office/drawing/2014/main" id="{7188CDB9-5978-4A13-AAC0-568DDAD3D0E1}"/>
+              </a:ext>
+            </a:extLst>
+          </p:cNvPr>
+          <p:cNvSpPr/>
+          <p:nvPr/>
+        </p:nvSpPr>
+        <p:spPr>
+          <a:xfrm>
+            <a:off x="5926605" y="1308996"/>
+            <a:ext cx="854710" cy="654050"/>
+          </a:xfrm>
+          <a:prstGeom prst="downArrow">
+            <a:avLst/>
+          </a:prstGeom>
+        </p:spPr>
+        <p:style>
+          <a:lnRef idx="2">
+            <a:schemeClr val="accent1">
+              <a:shade val="50000"/>
+            </a:schemeClr>
+          </a:lnRef>
+          <a:fillRef idx="1">
+            <a:schemeClr val="accent1"/>
+          </a:fillRef>
+          <a:effectRef idx="0">
+            <a:schemeClr val="accent1"/>
+          </a:effectRef>
+          <a:fontRef idx="minor">
+            <a:schemeClr val="lt1"/>
+          </a:fontRef>
+        </p:style>
+        <p:txBody>
+          <a:bodyPr rtlCol="0" anchor="ctr"/>
+          <a:lstStyle/>
+          <a:p>
+            <a:pPr algn="ctr"/>
+            <a:endParaRPr lang="zh-CN" altLang="en-US"/>
+          </a:p>
+        </p:txBody>
+      </p:sp>
+      <p:cxnSp>
+        <p:nvCxnSpPr>
+          <p:cNvPr id="37" name="直接连接符 36">
+            <a:extLst>
+              <a:ext uri="{FF2B5EF4-FFF2-40B4-BE49-F238E27FC236}">
+                <a16:creationId xmlns:a16="http://schemas.microsoft.com/office/drawing/2014/main" id="{448C0AC7-A0C6-420A-B9EC-264D660F6085}"/>
+              </a:ext>
+            </a:extLst>
+          </p:cNvPr>
+          <p:cNvCxnSpPr>
+            <a:cxnSpLocks/>
+          </p:cNvCxnSpPr>
+          <p:nvPr/>
+        </p:nvCxnSpPr>
+        <p:spPr>
+          <a:xfrm>
+            <a:off x="6353960" y="2187200"/>
+            <a:ext cx="0" cy="470643"/>
+          </a:xfrm>
+          <a:prstGeom prst="line">
+            <a:avLst/>
+          </a:prstGeom>
+          <a:ln w="76200">
+            <a:prstDash val="dash"/>
+          </a:ln>
+        </p:spPr>
+        <p:style>
+          <a:lnRef idx="1">
+            <a:schemeClr val="accent1"/>
+          </a:lnRef>
+          <a:fillRef idx="0">
+            <a:schemeClr val="accent1"/>
+          </a:fillRef>
+          <a:effectRef idx="0">
+            <a:schemeClr val="accent1"/>
+          </a:effectRef>
+          <a:fontRef idx="minor">
+            <a:schemeClr val="tx1"/>
+          </a:fontRef>
+        </p:style>
+      </p:cxnSp>
     </p:spTree>
     <p:extLst>
       <p:ext uri="{BB962C8B-B14F-4D97-AF65-F5344CB8AC3E}">
@@ -26871,6 +27104,78 @@
                                   </p:childTnLst>
                                 </p:cTn>
                               </p:par>
+                              <p:par>
+                                <p:cTn id="49" presetID="1" presetClass="entr" presetSubtype="0" fill="hold" grpId="0" nodeType="withEffect">
+                                  <p:stCondLst>
+                                    <p:cond delay="0"/>
+                                  </p:stCondLst>
+                                  <p:childTnLst>
+                                    <p:set>
+                                      <p:cBhvr>
+                                        <p:cTn id="50" dur="1" fill="hold">
+                                          <p:stCondLst>
+                                            <p:cond delay="0"/>
+                                          </p:stCondLst>
+                                        </p:cTn>
+                                        <p:tgtEl>
+                                          <p:spTgt spid="36"/>
+                                        </p:tgtEl>
+                                        <p:attrNameLst>
+                                          <p:attrName>style.visibility</p:attrName>
+                                        </p:attrNameLst>
+                                      </p:cBhvr>
+                                      <p:to>
+                                        <p:strVal val="visible"/>
+                                      </p:to>
+                                    </p:set>
+                                  </p:childTnLst>
+                                </p:cTn>
+                              </p:par>
+                            </p:childTnLst>
+                          </p:cTn>
+                        </p:par>
+                      </p:childTnLst>
+                    </p:cTn>
+                  </p:par>
+                  <p:par>
+                    <p:cTn id="51" fill="hold">
+                      <p:stCondLst>
+                        <p:cond delay="indefinite"/>
+                      </p:stCondLst>
+                      <p:childTnLst>
+                        <p:par>
+                          <p:cTn id="52" fill="hold">
+                            <p:stCondLst>
+                              <p:cond delay="0"/>
+                            </p:stCondLst>
+                            <p:childTnLst>
+                              <p:par>
+                                <p:cTn id="53" presetID="1" presetClass="entr" presetSubtype="0" fill="hold" nodeType="clickEffect">
+                                  <p:stCondLst>
+                                    <p:cond delay="0"/>
+                                  </p:stCondLst>
+                                  <p:childTnLst>
+                                    <p:set>
+                                      <p:cBhvr>
+                                        <p:cTn id="54" dur="1" fill="hold">
+                                          <p:stCondLst>
+                                            <p:cond delay="0"/>
+                                          </p:stCondLst>
+                                        </p:cTn>
+                                        <p:tgtEl>
+                                          <p:spTgt spid="37"/>
+                                        </p:tgtEl>
+                                        <p:attrNameLst>
+                                          <p:attrName>style.visibility</p:attrName>
+                                        </p:attrNameLst>
+                                      </p:cBhvr>
+                                      <p:to>
+                                        <p:strVal val="visible"/>
+                                      </p:to>
+                                    </p:set>
+                                  </p:childTnLst>
+                                </p:cTn>
+                              </p:par>
                             </p:childTnLst>
                           </p:cTn>
                         </p:par>
@@ -26911,6 +27216,7 @@
       <p:bldP spid="47" grpId="0" animBg="1"/>
       <p:bldP spid="52" grpId="0"/>
       <p:bldP spid="53" grpId="0"/>
+      <p:bldP spid="36" grpId="0" animBg="1"/>
     </p:bldLst>
   </p:timing>
 </p:sld>
